--- a/doc/_pt_doc/N2_Team_1st_PT_20161024.pptx
+++ b/doc/_pt_doc/N2_Team_1st_PT_20161024.pptx
@@ -4,15 +4,19 @@
   <p:sldMasterIdLst>
     <p:sldMasterId id="2147483648" r:id="rId1"/>
   </p:sldMasterIdLst>
+  <p:notesMasterIdLst>
+    <p:notesMasterId r:id="rId11"/>
+  </p:notesMasterIdLst>
   <p:sldIdLst>
     <p:sldId id="256" r:id="rId2"/>
     <p:sldId id="260" r:id="rId3"/>
     <p:sldId id="257" r:id="rId4"/>
     <p:sldId id="263" r:id="rId5"/>
-    <p:sldId id="261" r:id="rId6"/>
-    <p:sldId id="262" r:id="rId7"/>
-    <p:sldId id="258" r:id="rId8"/>
-    <p:sldId id="259" r:id="rId9"/>
+    <p:sldId id="264" r:id="rId6"/>
+    <p:sldId id="261" r:id="rId7"/>
+    <p:sldId id="262" r:id="rId8"/>
+    <p:sldId id="258" r:id="rId9"/>
+    <p:sldId id="259" r:id="rId10"/>
   </p:sldIdLst>
   <p:sldSz cx="9144000" cy="6858000" type="screen4x3"/>
   <p:notesSz cx="6858000" cy="9144000"/>
@@ -114,6 +118,353 @@
 </p:presentation>
 </file>
 
+<file path=ppt/notesMasters/notesMaster1.xml><?xml version="1.0" encoding="utf-8"?>
+<p:notesMaster xmlns:a="http://schemas.openxmlformats.org/drawingml/2006/main" xmlns:r="http://schemas.openxmlformats.org/officeDocument/2006/relationships" xmlns:p="http://schemas.openxmlformats.org/presentationml/2006/main">
+  <p:cSld>
+    <p:bg>
+      <p:bgRef idx="1001">
+        <a:schemeClr val="bg1"/>
+      </p:bgRef>
+    </p:bg>
+    <p:spTree>
+      <p:nvGrpSpPr>
+        <p:cNvPr id="1" name=""/>
+        <p:cNvGrpSpPr/>
+        <p:nvPr/>
+      </p:nvGrpSpPr>
+      <p:grpSpPr>
+        <a:xfrm>
+          <a:off x="0" y="0"/>
+          <a:ext cx="0" cy="0"/>
+          <a:chOff x="0" y="0"/>
+          <a:chExt cx="0" cy="0"/>
+        </a:xfrm>
+      </p:grpSpPr>
+      <p:sp>
+        <p:nvSpPr>
+          <p:cNvPr id="2" name="머리글 개체 틀 1"/>
+          <p:cNvSpPr>
+            <a:spLocks noGrp="1"/>
+          </p:cNvSpPr>
+          <p:nvPr>
+            <p:ph type="hdr" sz="quarter"/>
+          </p:nvPr>
+        </p:nvSpPr>
+        <p:spPr>
+          <a:xfrm>
+            <a:off x="0" y="0"/>
+            <a:ext cx="2971800" cy="457200"/>
+          </a:xfrm>
+          <a:prstGeom prst="rect">
+            <a:avLst/>
+          </a:prstGeom>
+        </p:spPr>
+        <p:txBody>
+          <a:bodyPr vert="horz" lIns="91440" tIns="45720" rIns="91440" bIns="45720" rtlCol="0"/>
+          <a:lstStyle>
+            <a:lvl1pPr algn="l">
+              <a:defRPr sz="1200"/>
+            </a:lvl1pPr>
+          </a:lstStyle>
+          <a:p>
+            <a:endParaRPr lang="ko-KR" altLang="en-US"/>
+          </a:p>
+        </p:txBody>
+      </p:sp>
+      <p:sp>
+        <p:nvSpPr>
+          <p:cNvPr id="3" name="날짜 개체 틀 2"/>
+          <p:cNvSpPr>
+            <a:spLocks noGrp="1"/>
+          </p:cNvSpPr>
+          <p:nvPr>
+            <p:ph type="dt" idx="1"/>
+          </p:nvPr>
+        </p:nvSpPr>
+        <p:spPr>
+          <a:xfrm>
+            <a:off x="3884613" y="0"/>
+            <a:ext cx="2971800" cy="457200"/>
+          </a:xfrm>
+          <a:prstGeom prst="rect">
+            <a:avLst/>
+          </a:prstGeom>
+        </p:spPr>
+        <p:txBody>
+          <a:bodyPr vert="horz" lIns="91440" tIns="45720" rIns="91440" bIns="45720" rtlCol="0"/>
+          <a:lstStyle>
+            <a:lvl1pPr algn="r">
+              <a:defRPr sz="1200"/>
+            </a:lvl1pPr>
+          </a:lstStyle>
+          <a:p>
+            <a:fld id="{1470549C-1275-40F3-961B-83EF3DBA270B}" type="datetimeFigureOut">
+              <a:rPr lang="ko-KR" altLang="en-US" smtClean="0"/>
+              <a:t>2016-10-24</a:t>
+            </a:fld>
+            <a:endParaRPr lang="ko-KR" altLang="en-US"/>
+          </a:p>
+        </p:txBody>
+      </p:sp>
+      <p:sp>
+        <p:nvSpPr>
+          <p:cNvPr id="4" name="슬라이드 이미지 개체 틀 3"/>
+          <p:cNvSpPr>
+            <a:spLocks noGrp="1" noRot="1" noChangeAspect="1"/>
+          </p:cNvSpPr>
+          <p:nvPr>
+            <p:ph type="sldImg" idx="2"/>
+          </p:nvPr>
+        </p:nvSpPr>
+        <p:spPr>
+          <a:xfrm>
+            <a:off x="1143000" y="685800"/>
+            <a:ext cx="4572000" cy="3429000"/>
+          </a:xfrm>
+          <a:prstGeom prst="rect">
+            <a:avLst/>
+          </a:prstGeom>
+          <a:noFill/>
+          <a:ln w="12700">
+            <a:solidFill>
+              <a:prstClr val="black"/>
+            </a:solidFill>
+          </a:ln>
+        </p:spPr>
+        <p:txBody>
+          <a:bodyPr vert="horz" lIns="91440" tIns="45720" rIns="91440" bIns="45720" rtlCol="0" anchor="ctr"/>
+          <a:lstStyle/>
+          <a:p>
+            <a:endParaRPr lang="ko-KR" altLang="en-US"/>
+          </a:p>
+        </p:txBody>
+      </p:sp>
+      <p:sp>
+        <p:nvSpPr>
+          <p:cNvPr id="5" name="슬라이드 노트 개체 틀 4"/>
+          <p:cNvSpPr>
+            <a:spLocks noGrp="1"/>
+          </p:cNvSpPr>
+          <p:nvPr>
+            <p:ph type="body" sz="quarter" idx="3"/>
+          </p:nvPr>
+        </p:nvSpPr>
+        <p:spPr>
+          <a:xfrm>
+            <a:off x="685800" y="4343400"/>
+            <a:ext cx="5486400" cy="4114800"/>
+          </a:xfrm>
+          <a:prstGeom prst="rect">
+            <a:avLst/>
+          </a:prstGeom>
+        </p:spPr>
+        <p:txBody>
+          <a:bodyPr vert="horz" lIns="91440" tIns="45720" rIns="91440" bIns="45720" rtlCol="0">
+            <a:normAutofit/>
+          </a:bodyPr>
+          <a:lstStyle/>
+          <a:p>
+            <a:pPr lvl="0"/>
+            <a:r>
+              <a:rPr lang="ko-KR" altLang="en-US" smtClean="0"/>
+              <a:t>마스터 텍스트 스타일을 편집합니다</a:t>
+            </a:r>
+          </a:p>
+          <a:p>
+            <a:pPr lvl="1"/>
+            <a:r>
+              <a:rPr lang="ko-KR" altLang="en-US" smtClean="0"/>
+              <a:t>둘째 수준</a:t>
+            </a:r>
+          </a:p>
+          <a:p>
+            <a:pPr lvl="2"/>
+            <a:r>
+              <a:rPr lang="ko-KR" altLang="en-US" smtClean="0"/>
+              <a:t>셋째 수준</a:t>
+            </a:r>
+          </a:p>
+          <a:p>
+            <a:pPr lvl="3"/>
+            <a:r>
+              <a:rPr lang="ko-KR" altLang="en-US" smtClean="0"/>
+              <a:t>넷째 수준</a:t>
+            </a:r>
+          </a:p>
+          <a:p>
+            <a:pPr lvl="4"/>
+            <a:r>
+              <a:rPr lang="ko-KR" altLang="en-US" smtClean="0"/>
+              <a:t>다섯째 수준</a:t>
+            </a:r>
+            <a:endParaRPr lang="ko-KR" altLang="en-US"/>
+          </a:p>
+        </p:txBody>
+      </p:sp>
+      <p:sp>
+        <p:nvSpPr>
+          <p:cNvPr id="6" name="바닥글 개체 틀 5"/>
+          <p:cNvSpPr>
+            <a:spLocks noGrp="1"/>
+          </p:cNvSpPr>
+          <p:nvPr>
+            <p:ph type="ftr" sz="quarter" idx="4"/>
+          </p:nvPr>
+        </p:nvSpPr>
+        <p:spPr>
+          <a:xfrm>
+            <a:off x="0" y="8685213"/>
+            <a:ext cx="2971800" cy="457200"/>
+          </a:xfrm>
+          <a:prstGeom prst="rect">
+            <a:avLst/>
+          </a:prstGeom>
+        </p:spPr>
+        <p:txBody>
+          <a:bodyPr vert="horz" lIns="91440" tIns="45720" rIns="91440" bIns="45720" rtlCol="0" anchor="b"/>
+          <a:lstStyle>
+            <a:lvl1pPr algn="l">
+              <a:defRPr sz="1200"/>
+            </a:lvl1pPr>
+          </a:lstStyle>
+          <a:p>
+            <a:endParaRPr lang="ko-KR" altLang="en-US"/>
+          </a:p>
+        </p:txBody>
+      </p:sp>
+      <p:sp>
+        <p:nvSpPr>
+          <p:cNvPr id="7" name="슬라이드 번호 개체 틀 6"/>
+          <p:cNvSpPr>
+            <a:spLocks noGrp="1"/>
+          </p:cNvSpPr>
+          <p:nvPr>
+            <p:ph type="sldNum" sz="quarter" idx="5"/>
+          </p:nvPr>
+        </p:nvSpPr>
+        <p:spPr>
+          <a:xfrm>
+            <a:off x="3884613" y="8685213"/>
+            <a:ext cx="2971800" cy="457200"/>
+          </a:xfrm>
+          <a:prstGeom prst="rect">
+            <a:avLst/>
+          </a:prstGeom>
+        </p:spPr>
+        <p:txBody>
+          <a:bodyPr vert="horz" lIns="91440" tIns="45720" rIns="91440" bIns="45720" rtlCol="0" anchor="b"/>
+          <a:lstStyle>
+            <a:lvl1pPr algn="r">
+              <a:defRPr sz="1200"/>
+            </a:lvl1pPr>
+          </a:lstStyle>
+          <a:p>
+            <a:fld id="{1F254535-2256-4EE9-A2D5-17D1F6B04249}" type="slidenum">
+              <a:rPr lang="ko-KR" altLang="en-US" smtClean="0"/>
+              <a:t>‹#›</a:t>
+            </a:fld>
+            <a:endParaRPr lang="ko-KR" altLang="en-US"/>
+          </a:p>
+        </p:txBody>
+      </p:sp>
+    </p:spTree>
+  </p:cSld>
+  <p:clrMap bg1="lt1" tx1="dk1" bg2="lt2" tx2="dk2" accent1="accent1" accent2="accent2" accent3="accent3" accent4="accent4" accent5="accent5" accent6="accent6" hlink="hlink" folHlink="folHlink"/>
+  <p:notesStyle>
+    <a:lvl1pPr marL="0" algn="l" defTabSz="914400" rtl="0" eaLnBrk="1" latinLnBrk="1" hangingPunct="1">
+      <a:defRPr sz="1200" kern="1200">
+        <a:solidFill>
+          <a:schemeClr val="tx1"/>
+        </a:solidFill>
+        <a:latin typeface="+mn-lt"/>
+        <a:ea typeface="+mn-ea"/>
+        <a:cs typeface="+mn-cs"/>
+      </a:defRPr>
+    </a:lvl1pPr>
+    <a:lvl2pPr marL="457200" algn="l" defTabSz="914400" rtl="0" eaLnBrk="1" latinLnBrk="1" hangingPunct="1">
+      <a:defRPr sz="1200" kern="1200">
+        <a:solidFill>
+          <a:schemeClr val="tx1"/>
+        </a:solidFill>
+        <a:latin typeface="+mn-lt"/>
+        <a:ea typeface="+mn-ea"/>
+        <a:cs typeface="+mn-cs"/>
+      </a:defRPr>
+    </a:lvl2pPr>
+    <a:lvl3pPr marL="914400" algn="l" defTabSz="914400" rtl="0" eaLnBrk="1" latinLnBrk="1" hangingPunct="1">
+      <a:defRPr sz="1200" kern="1200">
+        <a:solidFill>
+          <a:schemeClr val="tx1"/>
+        </a:solidFill>
+        <a:latin typeface="+mn-lt"/>
+        <a:ea typeface="+mn-ea"/>
+        <a:cs typeface="+mn-cs"/>
+      </a:defRPr>
+    </a:lvl3pPr>
+    <a:lvl4pPr marL="1371600" algn="l" defTabSz="914400" rtl="0" eaLnBrk="1" latinLnBrk="1" hangingPunct="1">
+      <a:defRPr sz="1200" kern="1200">
+        <a:solidFill>
+          <a:schemeClr val="tx1"/>
+        </a:solidFill>
+        <a:latin typeface="+mn-lt"/>
+        <a:ea typeface="+mn-ea"/>
+        <a:cs typeface="+mn-cs"/>
+      </a:defRPr>
+    </a:lvl4pPr>
+    <a:lvl5pPr marL="1828800" algn="l" defTabSz="914400" rtl="0" eaLnBrk="1" latinLnBrk="1" hangingPunct="1">
+      <a:defRPr sz="1200" kern="1200">
+        <a:solidFill>
+          <a:schemeClr val="tx1"/>
+        </a:solidFill>
+        <a:latin typeface="+mn-lt"/>
+        <a:ea typeface="+mn-ea"/>
+        <a:cs typeface="+mn-cs"/>
+      </a:defRPr>
+    </a:lvl5pPr>
+    <a:lvl6pPr marL="2286000" algn="l" defTabSz="914400" rtl="0" eaLnBrk="1" latinLnBrk="1" hangingPunct="1">
+      <a:defRPr sz="1200" kern="1200">
+        <a:solidFill>
+          <a:schemeClr val="tx1"/>
+        </a:solidFill>
+        <a:latin typeface="+mn-lt"/>
+        <a:ea typeface="+mn-ea"/>
+        <a:cs typeface="+mn-cs"/>
+      </a:defRPr>
+    </a:lvl6pPr>
+    <a:lvl7pPr marL="2743200" algn="l" defTabSz="914400" rtl="0" eaLnBrk="1" latinLnBrk="1" hangingPunct="1">
+      <a:defRPr sz="1200" kern="1200">
+        <a:solidFill>
+          <a:schemeClr val="tx1"/>
+        </a:solidFill>
+        <a:latin typeface="+mn-lt"/>
+        <a:ea typeface="+mn-ea"/>
+        <a:cs typeface="+mn-cs"/>
+      </a:defRPr>
+    </a:lvl7pPr>
+    <a:lvl8pPr marL="3200400" algn="l" defTabSz="914400" rtl="0" eaLnBrk="1" latinLnBrk="1" hangingPunct="1">
+      <a:defRPr sz="1200" kern="1200">
+        <a:solidFill>
+          <a:schemeClr val="tx1"/>
+        </a:solidFill>
+        <a:latin typeface="+mn-lt"/>
+        <a:ea typeface="+mn-ea"/>
+        <a:cs typeface="+mn-cs"/>
+      </a:defRPr>
+    </a:lvl8pPr>
+    <a:lvl9pPr marL="3657600" algn="l" defTabSz="914400" rtl="0" eaLnBrk="1" latinLnBrk="1" hangingPunct="1">
+      <a:defRPr sz="1200" kern="1200">
+        <a:solidFill>
+          <a:schemeClr val="tx1"/>
+        </a:solidFill>
+        <a:latin typeface="+mn-lt"/>
+        <a:ea typeface="+mn-ea"/>
+        <a:cs typeface="+mn-cs"/>
+      </a:defRPr>
+    </a:lvl9pPr>
+  </p:notesStyle>
+</p:notesMaster>
+</file>
+
 <file path=ppt/slideLayouts/slideLayout1.xml><?xml version="1.0" encoding="utf-8"?>
 <p:sldLayout xmlns:a="http://schemas.openxmlformats.org/drawingml/2006/main" xmlns:r="http://schemas.openxmlformats.org/officeDocument/2006/relationships" xmlns:p="http://schemas.openxmlformats.org/presentationml/2006/main" type="title" preserve="1">
   <p:cSld name="제목 슬라이드">
@@ -2564,6 +2915,80 @@
           <a:chExt cx="0" cy="0"/>
         </a:xfrm>
       </p:grpSpPr>
+      <p:pic>
+        <p:nvPicPr>
+          <p:cNvPr id="3074" name="Picture 2" descr="C:\Users\kgcauser00\Downloads\1_1_-1.JPG"/>
+          <p:cNvPicPr>
+            <a:picLocks noChangeAspect="1" noChangeArrowheads="1"/>
+          </p:cNvPicPr>
+          <p:nvPr userDrawn="1"/>
+        </p:nvPicPr>
+        <p:blipFill>
+          <a:blip r:embed="rId13" cstate="print"/>
+          <a:srcRect/>
+          <a:stretch>
+            <a:fillRect/>
+          </a:stretch>
+        </p:blipFill>
+        <p:spPr bwMode="auto">
+          <a:xfrm>
+            <a:off x="-36513" y="-27384"/>
+            <a:ext cx="9405857" cy="7056784"/>
+          </a:xfrm>
+          <a:prstGeom prst="rect">
+            <a:avLst/>
+          </a:prstGeom>
+          <a:noFill/>
+        </p:spPr>
+      </p:pic>
+      <p:sp>
+        <p:nvSpPr>
+          <p:cNvPr id="8" name="직사각형 7"/>
+          <p:cNvSpPr/>
+          <p:nvPr userDrawn="1"/>
+        </p:nvSpPr>
+        <p:spPr>
+          <a:xfrm>
+            <a:off x="107504" y="116632"/>
+            <a:ext cx="8928992" cy="6624736"/>
+          </a:xfrm>
+          <a:prstGeom prst="rect">
+            <a:avLst/>
+          </a:prstGeom>
+          <a:solidFill>
+            <a:schemeClr val="bg1">
+              <a:alpha val="67000"/>
+            </a:schemeClr>
+          </a:solidFill>
+          <a:ln>
+            <a:noFill/>
+          </a:ln>
+        </p:spPr>
+        <p:style>
+          <a:lnRef idx="2">
+            <a:schemeClr val="accent1">
+              <a:shade val="50000"/>
+            </a:schemeClr>
+          </a:lnRef>
+          <a:fillRef idx="1">
+            <a:schemeClr val="accent1"/>
+          </a:fillRef>
+          <a:effectRef idx="0">
+            <a:schemeClr val="accent1"/>
+          </a:effectRef>
+          <a:fontRef idx="minor">
+            <a:schemeClr val="lt1"/>
+          </a:fontRef>
+        </p:style>
+        <p:txBody>
+          <a:bodyPr rtlCol="0" anchor="ctr"/>
+          <a:lstStyle/>
+          <a:p>
+            <a:pPr algn="ctr"/>
+            <a:endParaRPr lang="ko-KR" altLang="en-US"/>
+          </a:p>
+        </p:txBody>
+      </p:sp>
       <p:sp>
         <p:nvSpPr>
           <p:cNvPr id="2" name="제목 개체 틀 1"/>
@@ -3135,18 +3560,34 @@
           <a:lstStyle/>
           <a:p>
             <a:r>
-              <a:rPr lang="en-US" altLang="ko-KR" dirty="0" smtClean="0"/>
+              <a:rPr lang="en-US" altLang="ko-KR" dirty="0" smtClean="0">
+                <a:solidFill>
+                  <a:schemeClr val="tx1"/>
+                </a:solidFill>
+              </a:rPr>
               <a:t>1</a:t>
             </a:r>
             <a:r>
-              <a:rPr lang="en-US" altLang="ko-KR" baseline="30000" dirty="0" smtClean="0"/>
+              <a:rPr lang="en-US" altLang="ko-KR" baseline="30000" dirty="0" smtClean="0">
+                <a:solidFill>
+                  <a:schemeClr val="tx1"/>
+                </a:solidFill>
+              </a:rPr>
               <a:t>st</a:t>
             </a:r>
             <a:r>
-              <a:rPr lang="en-US" altLang="ko-KR" dirty="0" smtClean="0"/>
+              <a:rPr lang="en-US" altLang="ko-KR" dirty="0" smtClean="0">
+                <a:solidFill>
+                  <a:schemeClr val="tx1"/>
+                </a:solidFill>
+              </a:rPr>
               <a:t> Presentation</a:t>
             </a:r>
-            <a:endParaRPr lang="ko-KR" altLang="en-US" dirty="0"/>
+            <a:endParaRPr lang="ko-KR" altLang="en-US" dirty="0">
+              <a:solidFill>
+                <a:schemeClr val="tx1"/>
+              </a:solidFill>
+            </a:endParaRPr>
           </a:p>
         </p:txBody>
       </p:sp>
@@ -3178,11 +3619,7 @@
             </a:r>
             <a:r>
               <a:rPr lang="en-US" altLang="ko-KR" dirty="0" smtClean="0"/>
-              <a:t>Table of </a:t>
-            </a:r>
-            <a:r>
-              <a:rPr lang="en-US" altLang="ko-KR" dirty="0" smtClean="0"/>
-              <a:t>Contents</a:t>
+              <a:t>Table of Contents</a:t>
             </a:r>
           </a:p>
           <a:p>
@@ -3312,6 +3749,13 @@
   <p:clrMapOvr>
     <a:masterClrMapping/>
   </p:clrMapOvr>
+  <p:timing>
+    <p:tnLst>
+      <p:par>
+        <p:cTn id="1" dur="indefinite" restart="never" nodeType="tmRoot"/>
+      </p:par>
+    </p:tnLst>
+  </p:timing>
 </p:sld>
 </file>
 
@@ -3349,8 +3793,8 @@
         </p:blipFill>
         <p:spPr bwMode="auto">
           <a:xfrm>
-            <a:off x="0" y="332656"/>
-            <a:ext cx="2524125" cy="2800350"/>
+            <a:off x="611560" y="548680"/>
+            <a:ext cx="1430720" cy="1587289"/>
           </a:xfrm>
           <a:prstGeom prst="rect">
             <a:avLst/>
@@ -3580,6 +4024,13 @@
   <p:clrMapOvr>
     <a:masterClrMapping/>
   </p:clrMapOvr>
+  <p:timing>
+    <p:tnLst>
+      <p:par>
+        <p:cTn id="1" dur="indefinite" restart="never" nodeType="tmRoot"/>
+      </p:par>
+    </p:tnLst>
+  </p:timing>
 </p:sld>
 </file>
 
@@ -3622,11 +4073,7 @@
           <a:p>
             <a:r>
               <a:rPr lang="en-US" altLang="ko-KR" dirty="0" smtClean="0"/>
-              <a:t>2</a:t>
-            </a:r>
-            <a:r>
-              <a:rPr lang="en-US" altLang="ko-KR" dirty="0" smtClean="0"/>
-              <a:t>. </a:t>
+              <a:t>2. </a:t>
             </a:r>
             <a:r>
               <a:rPr lang="ko-KR" altLang="en-US" dirty="0" smtClean="0"/>
@@ -3662,12 +4109,16 @@
               <a:buNone/>
             </a:pPr>
             <a:r>
-              <a:rPr lang="ko-KR" altLang="en-US" sz="2000" dirty="0" smtClean="0"/>
+              <a:rPr lang="ko-KR" altLang="en-US" sz="2000" b="1" i="1" u="sng" dirty="0" smtClean="0"/>
               <a:t>제목</a:t>
             </a:r>
             <a:r>
+              <a:rPr lang="en-US" altLang="ko-KR" sz="2000" b="1" i="1" u="sng" dirty="0" smtClean="0"/>
+              <a:t>: </a:t>
+            </a:r>
+            <a:r>
               <a:rPr lang="en-US" altLang="ko-KR" sz="2000" dirty="0" smtClean="0"/>
-              <a:t>: Escape from N2 Planet</a:t>
+              <a:t>Escape from N2 Planet</a:t>
             </a:r>
           </a:p>
           <a:p>
@@ -3681,11 +4132,11 @@
               <a:buNone/>
             </a:pPr>
             <a:r>
-              <a:rPr lang="ko-KR" altLang="en-US" sz="2000" dirty="0" smtClean="0"/>
+              <a:rPr lang="ko-KR" altLang="en-US" sz="2000" b="1" i="1" u="sng" dirty="0" smtClean="0"/>
               <a:t>장르</a:t>
             </a:r>
             <a:r>
-              <a:rPr lang="en-US" altLang="ko-KR" sz="2000" dirty="0" smtClean="0"/>
+              <a:rPr lang="en-US" altLang="ko-KR" sz="2000" b="1" i="1" u="sng" dirty="0" smtClean="0"/>
               <a:t>: </a:t>
             </a:r>
             <a:r>
@@ -3706,11 +4157,7 @@
             </a:r>
             <a:r>
               <a:rPr lang="en-US" altLang="ko-KR" sz="2000" dirty="0" smtClean="0"/>
-              <a:t>FPS</a:t>
-            </a:r>
-            <a:r>
-              <a:rPr lang="en-US" altLang="ko-KR" sz="2000" dirty="0" smtClean="0"/>
-              <a:t> (</a:t>
+              <a:t>FPS (</a:t>
             </a:r>
             <a:r>
               <a:rPr lang="ko-KR" altLang="en-US" sz="2000" dirty="0" err="1" smtClean="0"/>
@@ -3744,11 +4191,11 @@
               <a:buNone/>
             </a:pPr>
             <a:r>
-              <a:rPr lang="ko-KR" altLang="en-US" sz="2000" dirty="0" smtClean="0"/>
+              <a:rPr lang="ko-KR" altLang="en-US" sz="2000" b="1" i="1" u="sng" dirty="0" smtClean="0"/>
               <a:t>세계관</a:t>
             </a:r>
             <a:r>
-              <a:rPr lang="en-US" altLang="ko-KR" sz="2000" dirty="0" smtClean="0"/>
+              <a:rPr lang="en-US" altLang="ko-KR" sz="2000" b="1" i="1" u="sng" dirty="0" smtClean="0"/>
               <a:t>: </a:t>
             </a:r>
             <a:r>
@@ -3779,12 +4226,30 @@
               <a:buNone/>
             </a:pPr>
             <a:r>
+              <a:rPr lang="ko-KR" altLang="en-US" sz="2000" b="1" i="1" u="sng" dirty="0" smtClean="0"/>
+              <a:t>주인공</a:t>
+            </a:r>
+            <a:r>
+              <a:rPr lang="en-US" altLang="ko-KR" sz="2000" b="1" i="1" u="sng" dirty="0" smtClean="0"/>
+              <a:t>: </a:t>
+            </a:r>
+            <a:endParaRPr lang="en-US" altLang="ko-KR" sz="2000" b="1" i="1" u="sng" dirty="0" smtClean="0"/>
+          </a:p>
+          <a:p>
+            <a:pPr>
+              <a:buNone/>
+            </a:pPr>
+            <a:r>
               <a:rPr lang="ko-KR" altLang="en-US" sz="2000" dirty="0" smtClean="0"/>
-              <a:t>주인공</a:t>
+              <a:t>남자 주인공</a:t>
             </a:r>
             <a:r>
               <a:rPr lang="en-US" altLang="ko-KR" sz="2000" dirty="0" smtClean="0"/>
-              <a:t>: </a:t>
+              <a:t>:</a:t>
+            </a:r>
+            <a:r>
+              <a:rPr lang="ko-KR" altLang="en-US" sz="2000" dirty="0" smtClean="0"/>
+              <a:t> </a:t>
             </a:r>
             <a:r>
               <a:rPr lang="ko-KR" altLang="en-US" sz="2000" dirty="0" smtClean="0"/>
@@ -3811,19 +4276,17 @@
             <a:pPr>
               <a:buNone/>
             </a:pPr>
-            <a:endParaRPr lang="en-US" altLang="ko-KR" sz="2000" dirty="0" smtClean="0"/>
-          </a:p>
-          <a:p>
-            <a:pPr>
-              <a:buNone/>
-            </a:pPr>
             <a:r>
               <a:rPr lang="ko-KR" altLang="en-US" sz="2000" dirty="0" smtClean="0"/>
-              <a:t>주인공의 여자친구</a:t>
+              <a:t>여자 주인공</a:t>
             </a:r>
             <a:r>
               <a:rPr lang="en-US" altLang="ko-KR" sz="2000" dirty="0" smtClean="0"/>
-              <a:t>: </a:t>
+              <a:t>:</a:t>
+            </a:r>
+            <a:r>
+              <a:rPr lang="en-US" altLang="ko-KR" sz="2000" dirty="0" smtClean="0"/>
+              <a:t> </a:t>
             </a:r>
             <a:r>
               <a:rPr lang="ko-KR" altLang="en-US" sz="2000" dirty="0" smtClean="0"/>
@@ -3845,19 +4308,19 @@
               <a:buNone/>
             </a:pPr>
             <a:r>
-              <a:rPr lang="ko-KR" altLang="en-US" sz="2000" dirty="0" smtClean="0"/>
+              <a:rPr lang="ko-KR" altLang="en-US" sz="2000" b="1" i="1" u="sng" dirty="0" smtClean="0"/>
               <a:t>등장 적 </a:t>
             </a:r>
             <a:r>
-              <a:rPr lang="en-US" altLang="ko-KR" sz="2000" dirty="0" smtClean="0"/>
+              <a:rPr lang="en-US" altLang="ko-KR" sz="2000" b="1" i="1" u="sng" dirty="0" smtClean="0"/>
               <a:t>(</a:t>
             </a:r>
             <a:r>
-              <a:rPr lang="ko-KR" altLang="en-US" sz="2000" dirty="0" err="1" smtClean="0"/>
+              <a:rPr lang="ko-KR" altLang="en-US" sz="2000" b="1" i="1" u="sng" dirty="0" err="1" smtClean="0"/>
               <a:t>좀비</a:t>
             </a:r>
             <a:r>
-              <a:rPr lang="en-US" altLang="ko-KR" sz="2000" dirty="0" smtClean="0"/>
+              <a:rPr lang="en-US" altLang="ko-KR" sz="2000" b="1" i="1" u="sng" dirty="0" smtClean="0"/>
               <a:t>): </a:t>
             </a:r>
             <a:r>
@@ -4304,11 +4767,11 @@
             </a:r>
             <a:r>
               <a:rPr lang="ko-KR" altLang="en-US" dirty="0" smtClean="0"/>
-              <a:t>기획 내용</a:t>
+              <a:t>기획 내용 </a:t>
             </a:r>
             <a:r>
               <a:rPr lang="en-US" altLang="ko-KR" dirty="0" smtClean="0"/>
-              <a:t> (Cont.)</a:t>
+              <a:t>(Cont.)</a:t>
             </a:r>
             <a:endParaRPr lang="ko-KR" altLang="en-US" dirty="0"/>
           </a:p>
@@ -4326,828 +4789,404 @@
         </p:nvSpPr>
         <p:spPr>
           <a:xfrm>
-            <a:off x="467544" y="1340768"/>
-            <a:ext cx="8229600" cy="5328592"/>
+            <a:off x="467544" y="1268760"/>
+            <a:ext cx="8229600" cy="4525963"/>
           </a:xfrm>
         </p:spPr>
         <p:txBody>
-          <a:bodyPr>
-            <a:normAutofit fontScale="25000" lnSpcReduction="20000"/>
+          <a:bodyPr/>
+          <a:lstStyle/>
+          <a:p>
+            <a:pPr>
+              <a:buNone/>
+            </a:pPr>
+            <a:r>
+              <a:rPr lang="ko-KR" altLang="en-US" dirty="0" smtClean="0"/>
+              <a:t>  소재             게임방식        목표 결과물</a:t>
+            </a:r>
+            <a:endParaRPr lang="ko-KR" altLang="en-US" dirty="0"/>
+          </a:p>
+        </p:txBody>
+      </p:sp>
+      <p:pic>
+        <p:nvPicPr>
+          <p:cNvPr id="1026" name="Picture 2"/>
+          <p:cNvPicPr>
+            <a:picLocks noChangeAspect="1" noChangeArrowheads="1"/>
+          </p:cNvPicPr>
+          <p:nvPr/>
+        </p:nvPicPr>
+        <p:blipFill>
+          <a:blip r:embed="rId2" cstate="print"/>
+          <a:srcRect/>
+          <a:stretch>
+            <a:fillRect/>
+          </a:stretch>
+        </p:blipFill>
+        <p:spPr bwMode="auto">
+          <a:xfrm>
+            <a:off x="176019" y="2060848"/>
+            <a:ext cx="1199241" cy="1685509"/>
+          </a:xfrm>
+          <a:prstGeom prst="rect">
+            <a:avLst/>
+          </a:prstGeom>
+          <a:noFill/>
+          <a:ln w="9525">
+            <a:noFill/>
+            <a:miter lim="800000"/>
+            <a:headEnd/>
+            <a:tailEnd/>
+          </a:ln>
+        </p:spPr>
+      </p:pic>
+      <p:pic>
+        <p:nvPicPr>
+          <p:cNvPr id="1027" name="Picture 3"/>
+          <p:cNvPicPr>
+            <a:picLocks noChangeAspect="1" noChangeArrowheads="1"/>
+          </p:cNvPicPr>
+          <p:nvPr/>
+        </p:nvPicPr>
+        <p:blipFill>
+          <a:blip r:embed="rId3" cstate="print"/>
+          <a:srcRect/>
+          <a:stretch>
+            <a:fillRect/>
+          </a:stretch>
+        </p:blipFill>
+        <p:spPr bwMode="auto">
+          <a:xfrm>
+            <a:off x="1616179" y="2060848"/>
+            <a:ext cx="1216698" cy="1729864"/>
+          </a:xfrm>
+          <a:prstGeom prst="rect">
+            <a:avLst/>
+          </a:prstGeom>
+          <a:noFill/>
+          <a:ln w="9525">
+            <a:noFill/>
+            <a:miter lim="800000"/>
+            <a:headEnd/>
+            <a:tailEnd/>
+          </a:ln>
+        </p:spPr>
+      </p:pic>
+      <p:pic>
+        <p:nvPicPr>
+          <p:cNvPr id="1028" name="Picture 4"/>
+          <p:cNvPicPr>
+            <a:picLocks noChangeAspect="1" noChangeArrowheads="1"/>
+          </p:cNvPicPr>
+          <p:nvPr/>
+        </p:nvPicPr>
+        <p:blipFill>
+          <a:blip r:embed="rId4" cstate="print"/>
+          <a:srcRect/>
+          <a:stretch>
+            <a:fillRect/>
+          </a:stretch>
+        </p:blipFill>
+        <p:spPr bwMode="auto">
+          <a:xfrm>
+            <a:off x="248027" y="4077072"/>
+            <a:ext cx="1108888" cy="1748630"/>
+          </a:xfrm>
+          <a:prstGeom prst="rect">
+            <a:avLst/>
+          </a:prstGeom>
+          <a:noFill/>
+          <a:ln w="9525">
+            <a:noFill/>
+            <a:miter lim="800000"/>
+            <a:headEnd/>
+            <a:tailEnd/>
+          </a:ln>
+        </p:spPr>
+      </p:pic>
+      <p:pic>
+        <p:nvPicPr>
+          <p:cNvPr id="1029" name="Picture 5"/>
+          <p:cNvPicPr>
+            <a:picLocks noChangeAspect="1" noChangeArrowheads="1"/>
+          </p:cNvPicPr>
+          <p:nvPr/>
+        </p:nvPicPr>
+        <p:blipFill>
+          <a:blip r:embed="rId5" cstate="print"/>
+          <a:srcRect/>
+          <a:stretch>
+            <a:fillRect/>
+          </a:stretch>
+        </p:blipFill>
+        <p:spPr bwMode="auto">
+          <a:xfrm>
+            <a:off x="1616179" y="4077072"/>
+            <a:ext cx="1201789" cy="1728192"/>
+          </a:xfrm>
+          <a:prstGeom prst="rect">
+            <a:avLst/>
+          </a:prstGeom>
+          <a:noFill/>
+          <a:ln w="9525">
+            <a:noFill/>
+            <a:miter lim="800000"/>
+            <a:headEnd/>
+            <a:tailEnd/>
+          </a:ln>
+        </p:spPr>
+      </p:pic>
+      <p:pic>
+        <p:nvPicPr>
+          <p:cNvPr id="1030" name="Picture 6"/>
+          <p:cNvPicPr>
+            <a:picLocks noChangeAspect="1" noChangeArrowheads="1"/>
+          </p:cNvPicPr>
+          <p:nvPr/>
+        </p:nvPicPr>
+        <p:blipFill>
+          <a:blip r:embed="rId6" cstate="print"/>
+          <a:srcRect/>
+          <a:stretch>
+            <a:fillRect/>
+          </a:stretch>
+        </p:blipFill>
+        <p:spPr bwMode="auto">
+          <a:xfrm>
+            <a:off x="3188473" y="3280088"/>
+            <a:ext cx="2199381" cy="1224136"/>
+          </a:xfrm>
+          <a:prstGeom prst="rect">
+            <a:avLst/>
+          </a:prstGeom>
+          <a:noFill/>
+          <a:ln w="9525">
+            <a:noFill/>
+            <a:miter lim="800000"/>
+            <a:headEnd/>
+            <a:tailEnd/>
+          </a:ln>
+        </p:spPr>
+      </p:pic>
+      <p:pic>
+        <p:nvPicPr>
+          <p:cNvPr id="1031" name="Picture 7"/>
+          <p:cNvPicPr>
+            <a:picLocks noChangeAspect="1" noChangeArrowheads="1"/>
+          </p:cNvPicPr>
+          <p:nvPr/>
+        </p:nvPicPr>
+        <p:blipFill>
+          <a:blip r:embed="rId7" cstate="print"/>
+          <a:srcRect/>
+          <a:stretch>
+            <a:fillRect/>
+          </a:stretch>
+        </p:blipFill>
+        <p:spPr bwMode="auto">
+          <a:xfrm>
+            <a:off x="5639861" y="1975555"/>
+            <a:ext cx="3327970" cy="3933056"/>
+          </a:xfrm>
+          <a:prstGeom prst="rect">
+            <a:avLst/>
+          </a:prstGeom>
+          <a:noFill/>
+          <a:ln w="9525">
+            <a:noFill/>
+            <a:miter lim="800000"/>
+            <a:headEnd/>
+            <a:tailEnd/>
+          </a:ln>
+        </p:spPr>
+      </p:pic>
+      <p:sp>
+        <p:nvSpPr>
+          <p:cNvPr id="11" name="오른쪽 중괄호 10"/>
+          <p:cNvSpPr/>
+          <p:nvPr/>
+        </p:nvSpPr>
+        <p:spPr>
+          <a:xfrm>
+            <a:off x="2840315" y="2099300"/>
+            <a:ext cx="360040" cy="3672408"/>
+          </a:xfrm>
+          <a:prstGeom prst="rightBrace">
+            <a:avLst/>
+          </a:prstGeom>
+          <a:ln w="19050">
+            <a:solidFill>
+              <a:schemeClr val="tx1"/>
+            </a:solidFill>
+          </a:ln>
+        </p:spPr>
+        <p:style>
+          <a:lnRef idx="1">
+            <a:schemeClr val="accent1"/>
+          </a:lnRef>
+          <a:fillRef idx="0">
+            <a:schemeClr val="accent1"/>
+          </a:fillRef>
+          <a:effectRef idx="0">
+            <a:schemeClr val="accent1"/>
+          </a:effectRef>
+          <a:fontRef idx="minor">
+            <a:schemeClr val="tx1"/>
+          </a:fontRef>
+        </p:style>
+        <p:txBody>
+          <a:bodyPr rtlCol="0" anchor="ctr"/>
+          <a:lstStyle/>
+          <a:p>
+            <a:pPr algn="ctr"/>
+            <a:endParaRPr lang="ko-KR" altLang="en-US"/>
+          </a:p>
+        </p:txBody>
+      </p:sp>
+      <p:sp>
+        <p:nvSpPr>
+          <p:cNvPr id="12" name="왼쪽 중괄호 11"/>
+          <p:cNvSpPr/>
+          <p:nvPr/>
+        </p:nvSpPr>
+        <p:spPr>
+          <a:xfrm>
+            <a:off x="5360595" y="2027292"/>
+            <a:ext cx="288032" cy="3816424"/>
+          </a:xfrm>
+          <a:prstGeom prst="leftBrace">
+            <a:avLst/>
+          </a:prstGeom>
+          <a:ln w="19050">
+            <a:solidFill>
+              <a:schemeClr val="tx1"/>
+            </a:solidFill>
+          </a:ln>
+        </p:spPr>
+        <p:style>
+          <a:lnRef idx="1">
+            <a:schemeClr val="accent1"/>
+          </a:lnRef>
+          <a:fillRef idx="0">
+            <a:schemeClr val="accent1"/>
+          </a:fillRef>
+          <a:effectRef idx="0">
+            <a:schemeClr val="accent1"/>
+          </a:effectRef>
+          <a:fontRef idx="minor">
+            <a:schemeClr val="tx1"/>
+          </a:fontRef>
+        </p:style>
+        <p:txBody>
+          <a:bodyPr rtlCol="0" anchor="ctr"/>
+          <a:lstStyle/>
+          <a:p>
+            <a:pPr algn="ctr"/>
+            <a:endParaRPr lang="ko-KR" altLang="en-US"/>
+          </a:p>
+        </p:txBody>
+      </p:sp>
+      <p:sp>
+        <p:nvSpPr>
+          <p:cNvPr id="13" name="TextBox 12"/>
+          <p:cNvSpPr txBox="1"/>
+          <p:nvPr/>
+        </p:nvSpPr>
+        <p:spPr>
+          <a:xfrm>
+            <a:off x="1187624" y="5949280"/>
+            <a:ext cx="6769802" cy="646331"/>
+          </a:xfrm>
+          <a:prstGeom prst="rect">
+            <a:avLst/>
+          </a:prstGeom>
+          <a:noFill/>
+        </p:spPr>
+        <p:txBody>
+          <a:bodyPr wrap="none" rtlCol="0">
+            <a:spAutoFit/>
           </a:bodyPr>
           <a:lstStyle/>
           <a:p>
-            <a:pPr>
-              <a:lnSpc>
-                <a:spcPct val="170000"/>
-              </a:lnSpc>
-              <a:buNone/>
-            </a:pPr>
-            <a:r>
-              <a:rPr lang="en-US" altLang="ko-KR" sz="4000" dirty="0" smtClean="0"/>
-              <a:t>1.</a:t>
-            </a:r>
-            <a:r>
-              <a:rPr lang="ko-KR" altLang="en-US" sz="4000" dirty="0" err="1" smtClean="0"/>
-              <a:t>인트로</a:t>
-            </a:r>
-            <a:r>
-              <a:rPr lang="en-US" altLang="ko-KR" sz="4000" dirty="0" smtClean="0"/>
-              <a:t>: </a:t>
-            </a:r>
-            <a:r>
-              <a:rPr lang="ko-KR" altLang="en-US" sz="4000" dirty="0" smtClean="0"/>
-              <a:t>식민지 전경 낮 </a:t>
-            </a:r>
-            <a:r>
-              <a:rPr lang="en-US" altLang="ko-KR" sz="4000" dirty="0" smtClean="0"/>
-              <a:t>(</a:t>
-            </a:r>
-            <a:r>
-              <a:rPr lang="ko-KR" altLang="en-US" sz="4000" dirty="0" smtClean="0"/>
-              <a:t>연구소에 바이러스 퍼지는 장면이 보여짐</a:t>
-            </a:r>
-            <a:r>
-              <a:rPr lang="en-US" altLang="ko-KR" sz="4000" dirty="0" smtClean="0"/>
-              <a:t>. </a:t>
-            </a:r>
-            <a:r>
-              <a:rPr lang="ko-KR" altLang="en-US" sz="4000" dirty="0" smtClean="0"/>
-              <a:t>바이러스 </a:t>
-            </a:r>
-            <a:r>
-              <a:rPr lang="en-US" altLang="ko-KR" sz="4000" dirty="0" smtClean="0"/>
-              <a:t>(</a:t>
-            </a:r>
-            <a:r>
-              <a:rPr lang="ko-KR" altLang="en-US" sz="4000" dirty="0" smtClean="0"/>
-              <a:t>보라색 연기로 표현</a:t>
-            </a:r>
-            <a:r>
-              <a:rPr lang="en-US" altLang="ko-KR" sz="4000" dirty="0" smtClean="0"/>
-              <a:t>)</a:t>
-            </a:r>
-            <a:r>
-              <a:rPr lang="ko-KR" altLang="en-US" sz="4000" dirty="0" smtClean="0"/>
-              <a:t>가 퍼지며 시민들이 좀비가 된다</a:t>
-            </a:r>
-            <a:r>
-              <a:rPr lang="en-US" altLang="ko-KR" sz="4000" dirty="0" smtClean="0"/>
-              <a:t>.) &lt;</a:t>
-            </a:r>
-            <a:r>
-              <a:rPr lang="ko-KR" altLang="en-US" sz="4000" dirty="0" smtClean="0"/>
-              <a:t>연출</a:t>
-            </a:r>
-            <a:r>
-              <a:rPr lang="en-US" altLang="ko-KR" sz="4000" dirty="0" smtClean="0"/>
-              <a:t>, play </a:t>
-            </a:r>
-            <a:r>
-              <a:rPr lang="ko-KR" altLang="en-US" sz="4000" dirty="0" smtClean="0"/>
-              <a:t>불가</a:t>
-            </a:r>
-            <a:r>
-              <a:rPr lang="en-US" altLang="ko-KR" sz="4000" dirty="0" smtClean="0"/>
-              <a:t>&gt;</a:t>
-            </a:r>
-          </a:p>
-          <a:p>
-            <a:pPr>
-              <a:lnSpc>
-                <a:spcPct val="170000"/>
-              </a:lnSpc>
-              <a:buNone/>
-            </a:pPr>
-            <a:r>
-              <a:rPr lang="en-US" altLang="ko-KR" sz="4000" dirty="0" smtClean="0"/>
-              <a:t>2.</a:t>
-            </a:r>
-            <a:r>
-              <a:rPr lang="ko-KR" altLang="en-US" sz="4000" dirty="0" smtClean="0"/>
-              <a:t>우주씬</a:t>
-            </a:r>
-            <a:r>
-              <a:rPr lang="en-US" altLang="ko-KR" sz="4000" dirty="0" smtClean="0"/>
-              <a:t>, </a:t>
-            </a:r>
-            <a:r>
-              <a:rPr lang="ko-KR" altLang="en-US" sz="4000" dirty="0" err="1" smtClean="0"/>
-              <a:t>주인공이탄</a:t>
-            </a:r>
-            <a:r>
-              <a:rPr lang="ko-KR" altLang="en-US" sz="4000" dirty="0" smtClean="0"/>
-              <a:t> 우주선이 보여진다</a:t>
-            </a:r>
-            <a:r>
-              <a:rPr lang="en-US" altLang="ko-KR" sz="4000" dirty="0" smtClean="0"/>
-              <a:t>. </a:t>
-            </a:r>
-            <a:r>
-              <a:rPr lang="ko-KR" altLang="en-US" sz="4000" dirty="0" smtClean="0"/>
-              <a:t>게임 배경에 대한 주인공의 독백으로 설명이 나온다</a:t>
-            </a:r>
-            <a:r>
-              <a:rPr lang="en-US" altLang="ko-KR" sz="4000" dirty="0" smtClean="0"/>
-              <a:t>(</a:t>
-            </a:r>
-            <a:r>
-              <a:rPr lang="ko-KR" altLang="en-US" sz="4000" dirty="0" smtClean="0"/>
-              <a:t>영화 </a:t>
-            </a:r>
-            <a:r>
-              <a:rPr lang="ko-KR" altLang="en-US" sz="4000" dirty="0" err="1" smtClean="0"/>
-              <a:t>아바타</a:t>
-            </a:r>
-            <a:r>
-              <a:rPr lang="ko-KR" altLang="en-US" sz="4000" dirty="0" smtClean="0"/>
+            <a:r>
+              <a:rPr lang="ko-KR" altLang="en-US" dirty="0" err="1" smtClean="0"/>
+              <a:t>에일리언의</a:t>
+            </a:r>
+            <a:r>
+              <a:rPr lang="ko-KR" altLang="en-US" dirty="0" smtClean="0"/>
+              <a:t> 우주선 </a:t>
+            </a:r>
+            <a:r>
+              <a:rPr lang="en-US" altLang="ko-KR" dirty="0" smtClean="0"/>
+              <a:t>+ </a:t>
+            </a:r>
+            <a:r>
+              <a:rPr lang="ko-KR" altLang="en-US" dirty="0" err="1" smtClean="0"/>
+              <a:t>아바타의</a:t>
+            </a:r>
+            <a:r>
+              <a:rPr lang="ko-KR" altLang="en-US" dirty="0" smtClean="0"/>
+              <a:t> 먼 행성 배경 </a:t>
+            </a:r>
+            <a:r>
+              <a:rPr lang="en-US" altLang="ko-KR" dirty="0" smtClean="0"/>
+              <a:t>+ </a:t>
+            </a:r>
+            <a:r>
+              <a:rPr lang="ko-KR" altLang="en-US" dirty="0" err="1" smtClean="0"/>
+              <a:t>월드워</a:t>
+            </a:r>
+            <a:r>
+              <a:rPr lang="ko-KR" altLang="en-US" dirty="0" smtClean="0"/>
               <a:t> </a:t>
             </a:r>
             <a:r>
-              <a:rPr lang="ko-KR" altLang="en-US" sz="4000" dirty="0" err="1" smtClean="0"/>
-              <a:t>처럼</a:t>
-            </a:r>
-            <a:r>
-              <a:rPr lang="en-US" altLang="ko-KR" sz="4000" dirty="0" smtClean="0"/>
-              <a:t>) &lt;</a:t>
-            </a:r>
-            <a:r>
-              <a:rPr lang="ko-KR" altLang="en-US" sz="4000" dirty="0" smtClean="0"/>
-              <a:t>연출</a:t>
-            </a:r>
-            <a:r>
-              <a:rPr lang="en-US" altLang="ko-KR" sz="4000" dirty="0" smtClean="0"/>
-              <a:t>, play </a:t>
-            </a:r>
-            <a:r>
-              <a:rPr lang="ko-KR" altLang="en-US" sz="4000" dirty="0" smtClean="0"/>
-              <a:t>불가</a:t>
-            </a:r>
-            <a:r>
-              <a:rPr lang="en-US" altLang="ko-KR" sz="4000" dirty="0" smtClean="0"/>
-              <a:t>&gt;</a:t>
-            </a:r>
-          </a:p>
-          <a:p>
-            <a:pPr>
-              <a:lnSpc>
-                <a:spcPct val="170000"/>
-              </a:lnSpc>
-              <a:buNone/>
-            </a:pPr>
-            <a:r>
-              <a:rPr lang="en-US" altLang="ko-KR" sz="4000" dirty="0" smtClean="0"/>
-              <a:t>3.</a:t>
-            </a:r>
-            <a:r>
-              <a:rPr lang="ko-KR" altLang="en-US" sz="4000" dirty="0" err="1" smtClean="0"/>
-              <a:t>드랍십</a:t>
-            </a:r>
-            <a:r>
-              <a:rPr lang="ko-KR" altLang="en-US" sz="4000" dirty="0" smtClean="0"/>
-              <a:t> 비행장면</a:t>
-            </a:r>
-            <a:r>
-              <a:rPr lang="en-US" altLang="ko-KR" sz="4000" dirty="0" smtClean="0"/>
-              <a:t>(</a:t>
-            </a:r>
-            <a:r>
-              <a:rPr lang="ko-KR" altLang="en-US" sz="4000" dirty="0" smtClean="0"/>
-              <a:t>역시 주인공의 독백이 나온다</a:t>
-            </a:r>
-            <a:r>
-              <a:rPr lang="en-US" altLang="ko-KR" sz="4000" dirty="0" smtClean="0"/>
-              <a:t>.) play </a:t>
-            </a:r>
-            <a:r>
-              <a:rPr lang="ko-KR" altLang="en-US" sz="4000" dirty="0" smtClean="0"/>
-              <a:t>불가</a:t>
-            </a:r>
-          </a:p>
-          <a:p>
-            <a:pPr>
-              <a:lnSpc>
-                <a:spcPct val="170000"/>
-              </a:lnSpc>
-              <a:buNone/>
-            </a:pPr>
-            <a:r>
-              <a:rPr lang="en-US" altLang="ko-KR" sz="4000" dirty="0" smtClean="0"/>
-              <a:t>4.</a:t>
-            </a:r>
-            <a:r>
-              <a:rPr lang="ko-KR" altLang="en-US" sz="4000" dirty="0" smtClean="0"/>
-              <a:t>식민지 전경 밤</a:t>
-            </a:r>
-            <a:r>
-              <a:rPr lang="en-US" altLang="ko-KR" sz="4000" dirty="0" smtClean="0"/>
-              <a:t>: </a:t>
-            </a:r>
-            <a:r>
-              <a:rPr lang="ko-KR" altLang="en-US" sz="4000" dirty="0" err="1" smtClean="0"/>
-              <a:t>드랍십이</a:t>
-            </a:r>
-            <a:r>
-              <a:rPr lang="ko-KR" altLang="en-US" sz="4000" dirty="0" smtClean="0"/>
-              <a:t> 식민지 전경과 함께 보여지며 게임 타이틀이 나온다</a:t>
-            </a:r>
-            <a:r>
-              <a:rPr lang="en-US" altLang="ko-KR" sz="4000" dirty="0" smtClean="0"/>
-              <a:t>.(Escape from N2 Planet) &lt;</a:t>
-            </a:r>
-            <a:r>
-              <a:rPr lang="ko-KR" altLang="en-US" sz="4000" dirty="0" smtClean="0"/>
-              <a:t> 연출</a:t>
-            </a:r>
-            <a:r>
-              <a:rPr lang="en-US" altLang="ko-KR" sz="4000" dirty="0" smtClean="0"/>
-              <a:t>, play </a:t>
-            </a:r>
-            <a:r>
-              <a:rPr lang="ko-KR" altLang="en-US" sz="4000" dirty="0" smtClean="0"/>
-              <a:t>불가</a:t>
-            </a:r>
-            <a:r>
-              <a:rPr lang="en-US" altLang="ko-KR" sz="4000" dirty="0" smtClean="0"/>
-              <a:t>&gt;</a:t>
-            </a:r>
-          </a:p>
-          <a:p>
-            <a:pPr>
-              <a:lnSpc>
-                <a:spcPct val="170000"/>
-              </a:lnSpc>
-              <a:buNone/>
-            </a:pPr>
-            <a:r>
-              <a:rPr lang="en-US" altLang="ko-KR" sz="4000" dirty="0" smtClean="0"/>
-              <a:t>5.</a:t>
-            </a:r>
-            <a:r>
-              <a:rPr lang="ko-KR" altLang="en-US" sz="4000" dirty="0" err="1" smtClean="0"/>
-              <a:t>드랍십</a:t>
-            </a:r>
-            <a:r>
-              <a:rPr lang="ko-KR" altLang="en-US" sz="4000" dirty="0" smtClean="0"/>
+              <a:rPr lang="en-US" altLang="ko-KR" dirty="0" smtClean="0"/>
+              <a:t>Z</a:t>
+            </a:r>
+            <a:r>
+              <a:rPr lang="ko-KR" altLang="en-US" dirty="0" smtClean="0"/>
+              <a:t>의 좀비</a:t>
+            </a:r>
+            <a:endParaRPr lang="en-US" altLang="ko-KR" dirty="0" smtClean="0"/>
+          </a:p>
+          <a:p>
+            <a:r>
+              <a:rPr lang="ko-KR" altLang="en-US" dirty="0" smtClean="0"/>
               <a:t> </a:t>
             </a:r>
             <a:r>
-              <a:rPr lang="ko-KR" altLang="en-US" sz="4000" dirty="0" err="1" smtClean="0"/>
-              <a:t>착륙씬</a:t>
-            </a:r>
-            <a:r>
-              <a:rPr lang="ko-KR" altLang="en-US" sz="4000" dirty="0" smtClean="0"/>
-              <a:t> </a:t>
-            </a:r>
-            <a:r>
-              <a:rPr lang="en-US" altLang="ko-KR" sz="4000" dirty="0" smtClean="0"/>
-              <a:t>(</a:t>
-            </a:r>
-            <a:r>
-              <a:rPr lang="ko-KR" altLang="en-US" sz="4000" dirty="0" smtClean="0"/>
-              <a:t>식민지 옆 개활지에 착륙한다</a:t>
-            </a:r>
-            <a:r>
-              <a:rPr lang="en-US" altLang="ko-KR" sz="4000" dirty="0" smtClean="0"/>
-              <a:t>. </a:t>
-            </a:r>
-            <a:r>
-              <a:rPr lang="ko-KR" altLang="en-US" sz="4000" dirty="0" smtClean="0"/>
-              <a:t>이유</a:t>
-            </a:r>
-            <a:r>
-              <a:rPr lang="en-US" altLang="ko-KR" sz="4000" dirty="0" smtClean="0"/>
-              <a:t>: </a:t>
-            </a:r>
-            <a:r>
-              <a:rPr lang="ko-KR" altLang="en-US" sz="4000" dirty="0" smtClean="0"/>
-              <a:t>식민지와 연락이 안되어 식민지 입구를 열지 못함</a:t>
-            </a:r>
-            <a:r>
-              <a:rPr lang="en-US" altLang="ko-KR" sz="4000" dirty="0" smtClean="0"/>
-              <a:t>) </a:t>
-            </a:r>
-            <a:r>
-              <a:rPr lang="ko-KR" altLang="en-US" sz="4000" dirty="0" err="1" smtClean="0"/>
-              <a:t>드랍십</a:t>
-            </a:r>
-            <a:r>
-              <a:rPr lang="ko-KR" altLang="en-US" sz="4000" dirty="0" smtClean="0"/>
-              <a:t> 착륙 후 </a:t>
-            </a:r>
-            <a:r>
-              <a:rPr lang="ko-KR" altLang="en-US" sz="4000" dirty="0" err="1" smtClean="0"/>
-              <a:t>좀비들</a:t>
-            </a:r>
-            <a:r>
-              <a:rPr lang="ko-KR" altLang="en-US" sz="4000" dirty="0" smtClean="0"/>
-              <a:t> 달려와서 주인공 동료들을 다 물어뜯어 죽임</a:t>
-            </a:r>
-            <a:r>
-              <a:rPr lang="en-US" altLang="ko-KR" sz="4000" dirty="0" smtClean="0"/>
-              <a:t>(</a:t>
-            </a:r>
-            <a:r>
-              <a:rPr lang="ko-KR" altLang="en-US" sz="4000" dirty="0" smtClean="0"/>
-              <a:t>여기서 </a:t>
-            </a:r>
-            <a:r>
-              <a:rPr lang="ko-KR" altLang="en-US" sz="4000" dirty="0" err="1" smtClean="0"/>
-              <a:t>부터</a:t>
-            </a:r>
-            <a:r>
-              <a:rPr lang="ko-KR" altLang="en-US" sz="4000" dirty="0" smtClean="0"/>
-              <a:t> </a:t>
-            </a:r>
-            <a:r>
-              <a:rPr lang="en-US" altLang="ko-KR" sz="4000" dirty="0" smtClean="0"/>
-              <a:t>play </a:t>
-            </a:r>
-            <a:r>
-              <a:rPr lang="ko-KR" altLang="en-US" sz="4000" dirty="0" smtClean="0"/>
-              <a:t>가능</a:t>
-            </a:r>
-            <a:r>
-              <a:rPr lang="en-US" altLang="ko-KR" sz="4000" dirty="0" smtClean="0"/>
-              <a:t>~~)</a:t>
-            </a:r>
-          </a:p>
-          <a:p>
-            <a:pPr>
-              <a:lnSpc>
-                <a:spcPct val="170000"/>
-              </a:lnSpc>
-              <a:buNone/>
-            </a:pPr>
-            <a:r>
-              <a:rPr lang="en-US" altLang="ko-KR" sz="4000" dirty="0" smtClean="0"/>
-              <a:t>6</a:t>
-            </a:r>
-            <a:r>
-              <a:rPr lang="en-US" altLang="ko-KR" sz="4000" dirty="0" smtClean="0"/>
-              <a:t>. 5-</a:t>
-            </a:r>
-            <a:r>
-              <a:rPr lang="en-US" altLang="ko-KR" sz="4000" dirty="0" smtClean="0"/>
-              <a:t>&gt;6 </a:t>
-            </a:r>
-            <a:r>
-              <a:rPr lang="ko-KR" altLang="en-US" sz="4000" dirty="0" smtClean="0"/>
-              <a:t>지하 연구소로 이동 </a:t>
-            </a:r>
-            <a:r>
-              <a:rPr lang="en-US" altLang="ko-KR" sz="4000" dirty="0" smtClean="0"/>
-              <a:t>(</a:t>
-            </a:r>
-            <a:r>
-              <a:rPr lang="ko-KR" altLang="en-US" sz="4000" dirty="0" smtClean="0"/>
-              <a:t>연구소는 지상에 입구만 보인다</a:t>
-            </a:r>
-            <a:r>
-              <a:rPr lang="en-US" altLang="ko-KR" sz="4000" dirty="0" smtClean="0"/>
-              <a:t>. H-Bio Tech </a:t>
-            </a:r>
-            <a:r>
-              <a:rPr lang="ko-KR" altLang="en-US" sz="4000" dirty="0" smtClean="0"/>
-              <a:t>이름이 입구에 보임</a:t>
-            </a:r>
-            <a:r>
-              <a:rPr lang="en-US" altLang="ko-KR" sz="4000" dirty="0" smtClean="0"/>
-              <a:t>.)</a:t>
-            </a:r>
-          </a:p>
-          <a:p>
-            <a:pPr>
-              <a:lnSpc>
-                <a:spcPct val="170000"/>
-              </a:lnSpc>
-              <a:buNone/>
-            </a:pPr>
-            <a:r>
-              <a:rPr lang="en-US" altLang="ko-KR" sz="4000" dirty="0" smtClean="0"/>
-              <a:t>7.</a:t>
-            </a:r>
-            <a:r>
-              <a:rPr lang="ko-KR" altLang="en-US" sz="4000" dirty="0" smtClean="0"/>
-              <a:t>지하 연구소 </a:t>
-            </a:r>
-            <a:r>
-              <a:rPr lang="en-US" altLang="ko-KR" sz="4000" dirty="0" smtClean="0"/>
-              <a:t>2</a:t>
-            </a:r>
-            <a:r>
-              <a:rPr lang="ko-KR" altLang="en-US" sz="4000" dirty="0" smtClean="0"/>
-              <a:t>층에 여자친구 만남</a:t>
-            </a:r>
-            <a:r>
-              <a:rPr lang="en-US" altLang="ko-KR" sz="4000" dirty="0" smtClean="0"/>
-              <a:t>. </a:t>
-            </a:r>
-            <a:r>
-              <a:rPr lang="ko-KR" altLang="en-US" sz="4000" dirty="0" smtClean="0"/>
-              <a:t>여자친구는 </a:t>
-            </a:r>
-            <a:r>
-              <a:rPr lang="en-US" altLang="ko-KR" sz="4000" dirty="0" smtClean="0"/>
-              <a:t>panic room</a:t>
-            </a:r>
-            <a:r>
-              <a:rPr lang="ko-KR" altLang="en-US" sz="4000" dirty="0" smtClean="0"/>
-              <a:t>에 숨어있었음</a:t>
-            </a:r>
-            <a:r>
-              <a:rPr lang="en-US" altLang="ko-KR" sz="4000" dirty="0" smtClean="0"/>
-              <a:t>. </a:t>
-            </a:r>
-            <a:r>
-              <a:rPr lang="ko-KR" altLang="en-US" sz="4000" dirty="0" smtClean="0"/>
-              <a:t>여자친구가 바이러스와 감염자에 대한 설명을 해준다</a:t>
-            </a:r>
-            <a:r>
-              <a:rPr lang="en-US" altLang="ko-KR" sz="4000" dirty="0" smtClean="0"/>
-              <a:t>. </a:t>
-            </a:r>
-            <a:r>
-              <a:rPr lang="ko-KR" altLang="en-US" sz="4000" dirty="0" smtClean="0"/>
-              <a:t>마지막 </a:t>
-            </a:r>
-            <a:r>
-              <a:rPr lang="ko-KR" altLang="en-US" sz="4000" dirty="0" err="1" smtClean="0"/>
-              <a:t>끝층</a:t>
-            </a:r>
-            <a:r>
-              <a:rPr lang="ko-KR" altLang="en-US" sz="4000" dirty="0" smtClean="0"/>
-              <a:t> 지하 </a:t>
-            </a:r>
-            <a:r>
-              <a:rPr lang="en-US" altLang="ko-KR" sz="4000" dirty="0" smtClean="0"/>
-              <a:t>3</a:t>
-            </a:r>
-            <a:r>
-              <a:rPr lang="ko-KR" altLang="en-US" sz="4000" dirty="0" smtClean="0"/>
-              <a:t>층에 백신이 있다고 하여 여자친구와 </a:t>
-            </a:r>
-            <a:r>
-              <a:rPr lang="en-US" altLang="ko-KR" sz="4000" dirty="0" smtClean="0"/>
-              <a:t>3</a:t>
-            </a:r>
-            <a:r>
-              <a:rPr lang="ko-KR" altLang="en-US" sz="4000" dirty="0" smtClean="0"/>
-              <a:t>층으로 이동하려고 하는데</a:t>
-            </a:r>
-          </a:p>
-          <a:p>
-            <a:pPr>
-              <a:lnSpc>
-                <a:spcPct val="170000"/>
-              </a:lnSpc>
-              <a:buNone/>
-            </a:pPr>
-            <a:r>
-              <a:rPr lang="ko-KR" altLang="en-US" sz="4000" dirty="0" smtClean="0"/>
-              <a:t> </a:t>
-            </a:r>
-            <a:r>
-              <a:rPr lang="en-US" altLang="ko-KR" sz="4000" dirty="0" smtClean="0"/>
-              <a:t>3</a:t>
-            </a:r>
-            <a:r>
-              <a:rPr lang="ko-KR" altLang="en-US" sz="4000" dirty="0" smtClean="0"/>
-              <a:t>층 문이 잠겨 </a:t>
-            </a:r>
-            <a:r>
-              <a:rPr lang="en-US" altLang="ko-KR" sz="4000" dirty="0" smtClean="0"/>
-              <a:t>3</a:t>
-            </a:r>
-            <a:r>
-              <a:rPr lang="ko-KR" altLang="en-US" sz="4000" dirty="0" smtClean="0"/>
-              <a:t>층 열쇠를 </a:t>
-            </a:r>
-            <a:r>
-              <a:rPr lang="ko-KR" altLang="en-US" sz="4000" dirty="0" err="1" smtClean="0"/>
-              <a:t>얻기위해</a:t>
-            </a:r>
-            <a:r>
-              <a:rPr lang="ko-KR" altLang="en-US" sz="4000" dirty="0" smtClean="0"/>
-              <a:t> 연구소 내부를 수색한다</a:t>
-            </a:r>
-            <a:r>
-              <a:rPr lang="en-US" altLang="ko-KR" sz="4000" dirty="0" smtClean="0"/>
-              <a:t>. </a:t>
-            </a:r>
-            <a:r>
-              <a:rPr lang="ko-KR" altLang="en-US" sz="4000" dirty="0" smtClean="0"/>
-              <a:t>수색하며 마주친 </a:t>
-            </a:r>
-            <a:r>
-              <a:rPr lang="ko-KR" altLang="en-US" sz="4000" dirty="0" err="1" smtClean="0"/>
-              <a:t>좀비들은</a:t>
-            </a:r>
-            <a:r>
-              <a:rPr lang="ko-KR" altLang="en-US" sz="4000" dirty="0" smtClean="0"/>
-              <a:t> 모두 없앤다</a:t>
-            </a:r>
-            <a:r>
-              <a:rPr lang="en-US" altLang="ko-KR" sz="4000" dirty="0" smtClean="0"/>
-              <a:t>. </a:t>
-            </a:r>
-            <a:r>
-              <a:rPr lang="ko-KR" altLang="en-US" sz="4000" dirty="0" smtClean="0"/>
-              <a:t>연구소 내부에서 연구소 경비가 쓰던 </a:t>
-            </a:r>
-            <a:r>
-              <a:rPr lang="ko-KR" altLang="en-US" sz="4000" dirty="0" err="1" smtClean="0"/>
-              <a:t>샷건을</a:t>
-            </a:r>
-            <a:r>
-              <a:rPr lang="ko-KR" altLang="en-US" sz="4000" dirty="0" smtClean="0"/>
-              <a:t> 발견하여 쓰게 된다</a:t>
-            </a:r>
-            <a:r>
-              <a:rPr lang="en-US" altLang="ko-KR" sz="4000" dirty="0" smtClean="0"/>
+              <a:rPr lang="en-US" altLang="ko-KR" dirty="0" smtClean="0"/>
+              <a:t>+ </a:t>
+            </a:r>
+            <a:r>
+              <a:rPr lang="ko-KR" altLang="en-US" dirty="0" err="1" smtClean="0"/>
+              <a:t>마션의</a:t>
+            </a:r>
+            <a:r>
+              <a:rPr lang="ko-KR" altLang="en-US" dirty="0" smtClean="0"/>
+              <a:t> 화성 분위기 </a:t>
+            </a:r>
+            <a:r>
+              <a:rPr lang="en-US" altLang="ko-KR" dirty="0" smtClean="0"/>
+              <a:t>+ L4D</a:t>
+            </a:r>
+            <a:r>
+              <a:rPr lang="ko-KR" altLang="en-US" dirty="0" smtClean="0"/>
+              <a:t>의 게임 방식 </a:t>
+            </a:r>
+            <a:r>
+              <a:rPr lang="en-US" altLang="ko-KR" dirty="0" smtClean="0"/>
+              <a:t>= </a:t>
+            </a:r>
+            <a:r>
+              <a:rPr lang="ko-KR" altLang="en-US" dirty="0" smtClean="0"/>
+              <a:t>우리 게임</a:t>
+            </a:r>
+            <a:r>
+              <a:rPr lang="en-US" altLang="ko-KR" dirty="0" smtClean="0"/>
               <a:t>.</a:t>
             </a:r>
-          </a:p>
-          <a:p>
-            <a:pPr>
-              <a:lnSpc>
-                <a:spcPct val="170000"/>
-              </a:lnSpc>
-              <a:buNone/>
-            </a:pPr>
-            <a:r>
-              <a:rPr lang="en-US" altLang="ko-KR" sz="4000" dirty="0" smtClean="0"/>
-              <a:t>8.</a:t>
-            </a:r>
-            <a:r>
-              <a:rPr lang="ko-KR" altLang="en-US" sz="4000" dirty="0" smtClean="0"/>
-              <a:t>백신을 구하고 나서</a:t>
-            </a:r>
-            <a:r>
-              <a:rPr lang="en-US" altLang="ko-KR" sz="4000" dirty="0" smtClean="0"/>
-              <a:t>. </a:t>
-            </a:r>
-            <a:r>
-              <a:rPr lang="ko-KR" altLang="en-US" sz="4000" dirty="0" smtClean="0"/>
-              <a:t>연구소 건물에서 컨트롤 룸으로 이동하여 식민지 외부에 있는 </a:t>
-            </a:r>
-            <a:r>
-              <a:rPr lang="ko-KR" altLang="en-US" sz="4000" dirty="0" err="1" smtClean="0"/>
-              <a:t>드랍십을</a:t>
-            </a:r>
-            <a:r>
-              <a:rPr lang="ko-KR" altLang="en-US" sz="4000" dirty="0" smtClean="0"/>
-              <a:t> 원격 조종으로 연구소 옆으로 불러온다</a:t>
-            </a:r>
-            <a:r>
-              <a:rPr lang="en-US" altLang="ko-KR" sz="4000" dirty="0" smtClean="0"/>
-              <a:t>.</a:t>
-            </a:r>
-          </a:p>
-          <a:p>
-            <a:pPr>
-              <a:lnSpc>
-                <a:spcPct val="170000"/>
-              </a:lnSpc>
-              <a:buNone/>
-            </a:pPr>
-            <a:r>
-              <a:rPr lang="en-US" altLang="ko-KR" sz="4000" dirty="0" smtClean="0"/>
-              <a:t>9.</a:t>
-            </a:r>
-            <a:r>
-              <a:rPr lang="ko-KR" altLang="en-US" sz="4000" dirty="0" smtClean="0"/>
-              <a:t>여자 주인공이 남자 주인공에게 어서 가서 </a:t>
-            </a:r>
-            <a:r>
-              <a:rPr lang="ko-KR" altLang="en-US" sz="4000" dirty="0" err="1" smtClean="0"/>
-              <a:t>드랍십</a:t>
-            </a:r>
-            <a:r>
-              <a:rPr lang="ko-KR" altLang="en-US" sz="4000" dirty="0" smtClean="0"/>
-              <a:t> 출발 준비를 하라고 한다</a:t>
-            </a:r>
-            <a:r>
-              <a:rPr lang="en-US" altLang="ko-KR" sz="4000" dirty="0" smtClean="0"/>
-              <a:t>. </a:t>
-            </a:r>
-            <a:r>
-              <a:rPr lang="ko-KR" altLang="en-US" sz="4000" dirty="0" smtClean="0"/>
-              <a:t>자신은 식민지 폭파 카운트 다운을 하겠다고 한다</a:t>
-            </a:r>
-            <a:r>
-              <a:rPr lang="en-US" altLang="ko-KR" sz="4000" dirty="0" smtClean="0"/>
-              <a:t>.</a:t>
-            </a:r>
-          </a:p>
-          <a:p>
-            <a:pPr>
-              <a:lnSpc>
-                <a:spcPct val="170000"/>
-              </a:lnSpc>
-              <a:buNone/>
-            </a:pPr>
-            <a:r>
-              <a:rPr lang="en-US" altLang="ko-KR" sz="4000" dirty="0" smtClean="0"/>
-              <a:t>10.</a:t>
-            </a:r>
-            <a:r>
-              <a:rPr lang="ko-KR" altLang="en-US" sz="4000" dirty="0" smtClean="0"/>
-              <a:t>남자 주인공이 </a:t>
-            </a:r>
-            <a:r>
-              <a:rPr lang="ko-KR" altLang="en-US" sz="4000" dirty="0" err="1" smtClean="0"/>
-              <a:t>드랍십으로</a:t>
-            </a:r>
-            <a:r>
-              <a:rPr lang="ko-KR" altLang="en-US" sz="4000" dirty="0" smtClean="0"/>
-              <a:t> 가고</a:t>
-            </a:r>
-            <a:r>
-              <a:rPr lang="en-US" altLang="ko-KR" sz="4000" dirty="0" smtClean="0"/>
-              <a:t>.. </a:t>
-            </a:r>
-            <a:r>
-              <a:rPr lang="ko-KR" altLang="en-US" sz="4000" dirty="0" smtClean="0"/>
-              <a:t>여자주인공 시점에서 컨트롤 룸의 컴퓨터로 식민지 폭파 조작을 한다</a:t>
-            </a:r>
-            <a:r>
-              <a:rPr lang="en-US" altLang="ko-KR" sz="4000" dirty="0" smtClean="0"/>
-              <a:t>. </a:t>
-            </a:r>
-            <a:r>
-              <a:rPr lang="ko-KR" altLang="en-US" sz="4000" dirty="0" smtClean="0"/>
-              <a:t>이때 </a:t>
-            </a:r>
-            <a:r>
-              <a:rPr lang="ko-KR" altLang="en-US" sz="4000" dirty="0" err="1" smtClean="0"/>
-              <a:t>좀비떼들이</a:t>
-            </a:r>
-            <a:r>
-              <a:rPr lang="ko-KR" altLang="en-US" sz="4000" dirty="0" smtClean="0"/>
-              <a:t> 컨트롤 룸으로 모여 들게 된다</a:t>
-            </a:r>
-            <a:r>
-              <a:rPr lang="en-US" altLang="ko-KR" sz="4000" dirty="0" smtClean="0"/>
-              <a:t>.</a:t>
-            </a:r>
-          </a:p>
-          <a:p>
-            <a:pPr>
-              <a:lnSpc>
-                <a:spcPct val="170000"/>
-              </a:lnSpc>
-              <a:buNone/>
-            </a:pPr>
-            <a:r>
-              <a:rPr lang="en-US" altLang="ko-KR" sz="4000" dirty="0" smtClean="0"/>
-              <a:t>11. </a:t>
-            </a:r>
-            <a:r>
-              <a:rPr lang="ko-KR" altLang="en-US" sz="4000" dirty="0" smtClean="0"/>
-              <a:t>주인공 시점으로 변경이 되고 </a:t>
-            </a:r>
-            <a:r>
-              <a:rPr lang="ko-KR" altLang="en-US" sz="4000" dirty="0" err="1" smtClean="0"/>
-              <a:t>드랍십</a:t>
-            </a:r>
-            <a:r>
-              <a:rPr lang="ko-KR" altLang="en-US" sz="4000" dirty="0" smtClean="0"/>
-              <a:t> 조종석에서 여자친구의 무전을 듣게 된다</a:t>
-            </a:r>
-            <a:r>
-              <a:rPr lang="en-US" altLang="ko-KR" sz="4000" dirty="0" smtClean="0"/>
-              <a:t>. "</a:t>
-            </a:r>
-            <a:r>
-              <a:rPr lang="ko-KR" altLang="en-US" sz="4000" dirty="0" smtClean="0"/>
-              <a:t>나는 </a:t>
-            </a:r>
-            <a:r>
-              <a:rPr lang="ko-KR" altLang="en-US" sz="4000" dirty="0" err="1" smtClean="0"/>
-              <a:t>여기까지인가봐</a:t>
-            </a:r>
-            <a:r>
-              <a:rPr lang="ko-KR" altLang="en-US" sz="4000" dirty="0" smtClean="0"/>
-              <a:t> 탐 나를 기억해줘</a:t>
-            </a:r>
-            <a:r>
-              <a:rPr lang="en-US" altLang="ko-KR" sz="4000" dirty="0" smtClean="0"/>
-              <a:t>.. </a:t>
-            </a:r>
-            <a:r>
-              <a:rPr lang="ko-KR" altLang="en-US" sz="4000" dirty="0" smtClean="0"/>
-              <a:t>탕</a:t>
-            </a:r>
-            <a:r>
-              <a:rPr lang="en-US" altLang="ko-KR" sz="4000" dirty="0" smtClean="0"/>
-              <a:t>" &lt;</a:t>
-            </a:r>
-            <a:r>
-              <a:rPr lang="ko-KR" altLang="en-US" sz="4000" dirty="0" smtClean="0"/>
-              <a:t> 연출</a:t>
-            </a:r>
-            <a:r>
-              <a:rPr lang="en-US" altLang="ko-KR" sz="4000" dirty="0" smtClean="0"/>
-              <a:t>, play </a:t>
-            </a:r>
-            <a:r>
-              <a:rPr lang="ko-KR" altLang="en-US" sz="4000" dirty="0" smtClean="0"/>
-              <a:t>불가</a:t>
-            </a:r>
-            <a:r>
-              <a:rPr lang="en-US" altLang="ko-KR" sz="4000" dirty="0" smtClean="0"/>
-              <a:t>&gt;</a:t>
-            </a:r>
-          </a:p>
-          <a:p>
-            <a:pPr>
-              <a:lnSpc>
-                <a:spcPct val="170000"/>
-              </a:lnSpc>
-              <a:buNone/>
-            </a:pPr>
-            <a:r>
-              <a:rPr lang="en-US" altLang="ko-KR" sz="4000" dirty="0" smtClean="0"/>
-              <a:t>12.</a:t>
-            </a:r>
-            <a:r>
-              <a:rPr lang="ko-KR" altLang="en-US" sz="4000" dirty="0" smtClean="0"/>
-              <a:t>주인공은 눈물을 흘리며 </a:t>
-            </a:r>
-            <a:r>
-              <a:rPr lang="ko-KR" altLang="en-US" sz="4000" dirty="0" err="1" smtClean="0"/>
-              <a:t>드랍십이</a:t>
-            </a:r>
-            <a:r>
-              <a:rPr lang="ko-KR" altLang="en-US" sz="4000" dirty="0" smtClean="0"/>
-              <a:t> 공중으로 뜨고</a:t>
-            </a:r>
-            <a:r>
-              <a:rPr lang="en-US" altLang="ko-KR" sz="4000" dirty="0" smtClean="0"/>
-              <a:t>.. </a:t>
-            </a:r>
-            <a:r>
-              <a:rPr lang="ko-KR" altLang="en-US" sz="4000" dirty="0" smtClean="0"/>
-              <a:t>비행을 하며 하늘로 올라가려던 와중 </a:t>
-            </a:r>
-            <a:r>
-              <a:rPr lang="ko-KR" altLang="en-US" sz="4000" dirty="0" err="1" smtClean="0"/>
-              <a:t>좀비들이</a:t>
-            </a:r>
-            <a:r>
-              <a:rPr lang="ko-KR" altLang="en-US" sz="4000" dirty="0" smtClean="0"/>
-              <a:t> 달려들어 </a:t>
-            </a:r>
-            <a:r>
-              <a:rPr lang="ko-KR" altLang="en-US" sz="4000" dirty="0" err="1" smtClean="0"/>
-              <a:t>드랍십의</a:t>
-            </a:r>
-            <a:r>
-              <a:rPr lang="ko-KR" altLang="en-US" sz="4000" dirty="0" smtClean="0"/>
-              <a:t> 엔진에 불이 붙으며</a:t>
-            </a:r>
-            <a:r>
-              <a:rPr lang="en-US" altLang="ko-KR" sz="4000" dirty="0" smtClean="0"/>
-              <a:t>.. </a:t>
-            </a:r>
-            <a:r>
-              <a:rPr lang="ko-KR" altLang="en-US" sz="4000" dirty="0" smtClean="0"/>
-              <a:t>화면이 멈추고 </a:t>
-            </a:r>
-            <a:r>
-              <a:rPr lang="en-US" altLang="ko-KR" sz="4000" dirty="0" smtClean="0"/>
-              <a:t>(To Be Continued)</a:t>
-            </a:r>
-          </a:p>
-          <a:p>
-            <a:pPr>
-              <a:lnSpc>
-                <a:spcPct val="170000"/>
-              </a:lnSpc>
-              <a:buNone/>
-            </a:pPr>
-            <a:r>
-              <a:rPr lang="en-US" altLang="ko-KR" sz="4000" dirty="0" smtClean="0"/>
-              <a:t>&lt;</a:t>
-            </a:r>
-            <a:r>
-              <a:rPr lang="ko-KR" altLang="en-US" sz="4000" dirty="0" smtClean="0"/>
-              <a:t> 연출</a:t>
-            </a:r>
-            <a:r>
-              <a:rPr lang="en-US" altLang="ko-KR" sz="4000" dirty="0" smtClean="0"/>
-              <a:t>, play </a:t>
-            </a:r>
-            <a:r>
-              <a:rPr lang="ko-KR" altLang="en-US" sz="4000" dirty="0" smtClean="0"/>
-              <a:t>불가</a:t>
-            </a:r>
-            <a:r>
-              <a:rPr lang="en-US" altLang="ko-KR" sz="4000" dirty="0" smtClean="0"/>
-              <a:t>&gt;</a:t>
-            </a:r>
-          </a:p>
-          <a:p>
             <a:endParaRPr lang="ko-KR" altLang="en-US" dirty="0"/>
           </a:p>
         </p:txBody>
@@ -5218,10 +5257,15 @@
             <p:ph idx="1"/>
           </p:nvPr>
         </p:nvSpPr>
-        <p:spPr/>
+        <p:spPr>
+          <a:xfrm>
+            <a:off x="467544" y="1340768"/>
+            <a:ext cx="8229600" cy="5328592"/>
+          </a:xfrm>
+        </p:spPr>
         <p:txBody>
           <a:bodyPr>
-            <a:normAutofit fontScale="47500" lnSpcReduction="20000"/>
+            <a:normAutofit fontScale="25000" lnSpcReduction="20000"/>
           </a:bodyPr>
           <a:lstStyle/>
           <a:p>
@@ -5232,10 +5276,73 @@
               <a:buNone/>
             </a:pPr>
             <a:r>
-              <a:rPr lang="ko-KR" altLang="en-US" dirty="0" smtClean="0"/>
-              <a:t>기획상 특이점</a:t>
-            </a:r>
-            <a:endParaRPr lang="en-US" altLang="ko-KR" dirty="0" smtClean="0"/>
+              <a:rPr lang="en-US" altLang="ko-KR" sz="4000" dirty="0" smtClean="0"/>
+              <a:t>1.</a:t>
+            </a:r>
+            <a:r>
+              <a:rPr lang="ko-KR" altLang="en-US" sz="4000" dirty="0" err="1" smtClean="0"/>
+              <a:t>인트로</a:t>
+            </a:r>
+            <a:r>
+              <a:rPr lang="en-US" altLang="ko-KR" sz="4000" dirty="0" smtClean="0"/>
+              <a:t>: </a:t>
+            </a:r>
+            <a:r>
+              <a:rPr lang="ko-KR" altLang="en-US" sz="4000" dirty="0" smtClean="0"/>
+              <a:t>식민지 전경 낮 </a:t>
+            </a:r>
+            <a:r>
+              <a:rPr lang="en-US" altLang="ko-KR" sz="4000" dirty="0" smtClean="0"/>
+              <a:t>(</a:t>
+            </a:r>
+            <a:r>
+              <a:rPr lang="ko-KR" altLang="en-US" sz="4000" dirty="0" smtClean="0"/>
+              <a:t>연구소에 바이러스 퍼지는 장면이 보여짐</a:t>
+            </a:r>
+            <a:r>
+              <a:rPr lang="en-US" altLang="ko-KR" sz="4000" dirty="0" smtClean="0"/>
+              <a:t>. </a:t>
+            </a:r>
+            <a:r>
+              <a:rPr lang="ko-KR" altLang="en-US" sz="4000" dirty="0" smtClean="0"/>
+              <a:t>바이러스 </a:t>
+            </a:r>
+            <a:r>
+              <a:rPr lang="en-US" altLang="ko-KR" sz="4000" dirty="0" smtClean="0"/>
+              <a:t>(</a:t>
+            </a:r>
+            <a:r>
+              <a:rPr lang="ko-KR" altLang="en-US" sz="4000" dirty="0" smtClean="0"/>
+              <a:t>보라색 연기로 표현</a:t>
+            </a:r>
+            <a:r>
+              <a:rPr lang="en-US" altLang="ko-KR" sz="4000" dirty="0" smtClean="0"/>
+              <a:t>)</a:t>
+            </a:r>
+            <a:r>
+              <a:rPr lang="ko-KR" altLang="en-US" sz="4000" dirty="0" smtClean="0"/>
+              <a:t>가 퍼지며 시민들이 좀비가 된다</a:t>
+            </a:r>
+            <a:r>
+              <a:rPr lang="en-US" altLang="ko-KR" sz="4000" dirty="0" smtClean="0"/>
+              <a:t>.) &lt;</a:t>
+            </a:r>
+            <a:r>
+              <a:rPr lang="ko-KR" altLang="en-US" sz="4000" dirty="0" smtClean="0"/>
+              <a:t>연출</a:t>
+            </a:r>
+            <a:r>
+              <a:rPr lang="en-US" altLang="ko-KR" sz="4000" dirty="0" smtClean="0"/>
+              <a:t>, play </a:t>
+            </a:r>
+            <a:r>
+              <a:rPr lang="ko-KR" altLang="en-US" sz="4000" dirty="0" smtClean="0"/>
+              <a:t>불가</a:t>
+            </a:r>
+            <a:r>
+              <a:rPr lang="en-US" altLang="ko-KR" sz="4000" dirty="0" smtClean="0"/>
+              <a:t>&gt;</a:t>
+            </a:r>
           </a:p>
           <a:p>
             <a:pPr>
@@ -5244,186 +5351,726 @@
               </a:lnSpc>
               <a:buNone/>
             </a:pPr>
-            <a:endParaRPr lang="en-US" altLang="ko-KR" dirty="0" smtClean="0"/>
-          </a:p>
-          <a:p>
-            <a:pPr marL="514350" indent="-514350">
+            <a:r>
+              <a:rPr lang="en-US" altLang="ko-KR" sz="4000" dirty="0" smtClean="0"/>
+              <a:t>2.</a:t>
+            </a:r>
+            <a:r>
+              <a:rPr lang="ko-KR" altLang="en-US" sz="4000" dirty="0" smtClean="0"/>
+              <a:t>우주씬</a:t>
+            </a:r>
+            <a:r>
+              <a:rPr lang="en-US" altLang="ko-KR" sz="4000" dirty="0" smtClean="0"/>
+              <a:t>, </a:t>
+            </a:r>
+            <a:r>
+              <a:rPr lang="ko-KR" altLang="en-US" sz="4000" dirty="0" err="1" smtClean="0"/>
+              <a:t>주인공이탄</a:t>
+            </a:r>
+            <a:r>
+              <a:rPr lang="ko-KR" altLang="en-US" sz="4000" dirty="0" smtClean="0"/>
+              <a:t> 우주선이 보여진다</a:t>
+            </a:r>
+            <a:r>
+              <a:rPr lang="en-US" altLang="ko-KR" sz="4000" dirty="0" smtClean="0"/>
+              <a:t>. </a:t>
+            </a:r>
+            <a:r>
+              <a:rPr lang="ko-KR" altLang="en-US" sz="4000" dirty="0" smtClean="0"/>
+              <a:t>게임 배경에 대한 주인공의 독백으로 설명이 나온다</a:t>
+            </a:r>
+            <a:r>
+              <a:rPr lang="en-US" altLang="ko-KR" sz="4000" dirty="0" smtClean="0"/>
+              <a:t>(</a:t>
+            </a:r>
+            <a:r>
+              <a:rPr lang="ko-KR" altLang="en-US" sz="4000" dirty="0" smtClean="0"/>
+              <a:t>영화 </a:t>
+            </a:r>
+            <a:r>
+              <a:rPr lang="ko-KR" altLang="en-US" sz="4000" dirty="0" err="1" smtClean="0"/>
+              <a:t>아바타</a:t>
+            </a:r>
+            <a:r>
+              <a:rPr lang="ko-KR" altLang="en-US" sz="4000" dirty="0" smtClean="0"/>
+              <a:t> </a:t>
+            </a:r>
+            <a:r>
+              <a:rPr lang="ko-KR" altLang="en-US" sz="4000" dirty="0" err="1" smtClean="0"/>
+              <a:t>처럼</a:t>
+            </a:r>
+            <a:r>
+              <a:rPr lang="en-US" altLang="ko-KR" sz="4000" dirty="0" smtClean="0"/>
+              <a:t>) &lt;</a:t>
+            </a:r>
+            <a:r>
+              <a:rPr lang="ko-KR" altLang="en-US" sz="4000" dirty="0" smtClean="0"/>
+              <a:t>연출</a:t>
+            </a:r>
+            <a:r>
+              <a:rPr lang="en-US" altLang="ko-KR" sz="4000" dirty="0" smtClean="0"/>
+              <a:t>, play </a:t>
+            </a:r>
+            <a:r>
+              <a:rPr lang="ko-KR" altLang="en-US" sz="4000" dirty="0" smtClean="0"/>
+              <a:t>불가</a:t>
+            </a:r>
+            <a:r>
+              <a:rPr lang="en-US" altLang="ko-KR" sz="4000" dirty="0" smtClean="0"/>
+              <a:t>&gt;</a:t>
+            </a:r>
+          </a:p>
+          <a:p>
+            <a:pPr>
               <a:lnSpc>
                 <a:spcPct val="170000"/>
               </a:lnSpc>
-              <a:buFont typeface="+mj-lt"/>
-              <a:buAutoNum type="arabicPeriod"/>
+              <a:buNone/>
             </a:pPr>
             <a:r>
-              <a:rPr lang="ko-KR" altLang="en-US" dirty="0" smtClean="0"/>
-              <a:t>여자 주인공은 문을 열 수 있음</a:t>
-            </a:r>
-            <a:r>
-              <a:rPr lang="en-US" altLang="ko-KR" dirty="0" smtClean="0"/>
+              <a:rPr lang="en-US" altLang="ko-KR" sz="4000" dirty="0" smtClean="0"/>
+              <a:t>3.</a:t>
+            </a:r>
+            <a:r>
+              <a:rPr lang="ko-KR" altLang="en-US" sz="4000" dirty="0" err="1" smtClean="0"/>
+              <a:t>드랍십</a:t>
+            </a:r>
+            <a:r>
+              <a:rPr lang="ko-KR" altLang="en-US" sz="4000" dirty="0" smtClean="0"/>
+              <a:t> 비행장면</a:t>
+            </a:r>
+            <a:r>
+              <a:rPr lang="en-US" altLang="ko-KR" sz="4000" dirty="0" smtClean="0"/>
               <a:t>(</a:t>
             </a:r>
             <a:r>
-              <a:rPr lang="ko-KR" altLang="en-US" dirty="0" smtClean="0"/>
-              <a:t>권총이 있음</a:t>
-            </a:r>
-            <a:r>
-              <a:rPr lang="en-US" altLang="ko-KR" dirty="0" smtClean="0"/>
-              <a:t>) </a:t>
-            </a:r>
-            <a:r>
-              <a:rPr lang="ko-KR" altLang="en-US" dirty="0" smtClean="0"/>
-              <a:t>남자 주인공은 총을 쏠 수 있음</a:t>
-            </a:r>
-            <a:r>
-              <a:rPr lang="en-US" altLang="ko-KR" dirty="0" smtClean="0"/>
-              <a:t>(</a:t>
-            </a:r>
-            <a:r>
-              <a:rPr lang="ko-KR" altLang="en-US" dirty="0" err="1" smtClean="0"/>
-              <a:t>샷건</a:t>
-            </a:r>
-            <a:r>
-              <a:rPr lang="en-US" altLang="ko-KR" dirty="0" smtClean="0"/>
-              <a:t>)</a:t>
-            </a:r>
-          </a:p>
-          <a:p>
-            <a:pPr marL="514350" indent="-514350">
+              <a:rPr lang="ko-KR" altLang="en-US" sz="4000" dirty="0" smtClean="0"/>
+              <a:t>역시 주인공의 독백이 나온다</a:t>
+            </a:r>
+            <a:r>
+              <a:rPr lang="en-US" altLang="ko-KR" sz="4000" dirty="0" smtClean="0"/>
+              <a:t>.) play </a:t>
+            </a:r>
+            <a:r>
+              <a:rPr lang="ko-KR" altLang="en-US" sz="4000" dirty="0" smtClean="0"/>
+              <a:t>불가</a:t>
+            </a:r>
+          </a:p>
+          <a:p>
+            <a:pPr>
               <a:lnSpc>
                 <a:spcPct val="170000"/>
               </a:lnSpc>
-              <a:buFont typeface="+mj-lt"/>
-              <a:buAutoNum type="arabicPeriod"/>
+              <a:buNone/>
             </a:pPr>
             <a:r>
-              <a:rPr lang="en-US" altLang="ko-KR" dirty="0" smtClean="0"/>
-              <a:t>F2</a:t>
-            </a:r>
-            <a:r>
-              <a:rPr lang="ko-KR" altLang="en-US" dirty="0" smtClean="0"/>
-              <a:t>키를 누르면 주인공 변경을 할 수 있다</a:t>
-            </a:r>
-            <a:r>
-              <a:rPr lang="en-US" altLang="ko-KR" dirty="0" smtClean="0"/>
-              <a:t>.</a:t>
-            </a:r>
-          </a:p>
-          <a:p>
-            <a:pPr marL="514350" indent="-514350">
+              <a:rPr lang="en-US" altLang="ko-KR" sz="4000" dirty="0" smtClean="0"/>
+              <a:t>4.</a:t>
+            </a:r>
+            <a:r>
+              <a:rPr lang="ko-KR" altLang="en-US" sz="4000" dirty="0" smtClean="0"/>
+              <a:t>식민지 전경 밤</a:t>
+            </a:r>
+            <a:r>
+              <a:rPr lang="en-US" altLang="ko-KR" sz="4000" dirty="0" smtClean="0"/>
+              <a:t>: </a:t>
+            </a:r>
+            <a:r>
+              <a:rPr lang="ko-KR" altLang="en-US" sz="4000" dirty="0" err="1" smtClean="0"/>
+              <a:t>드랍십이</a:t>
+            </a:r>
+            <a:r>
+              <a:rPr lang="ko-KR" altLang="en-US" sz="4000" dirty="0" smtClean="0"/>
+              <a:t> 식민지 전경과 함께 보여지며 게임 타이틀이 나온다</a:t>
+            </a:r>
+            <a:r>
+              <a:rPr lang="en-US" altLang="ko-KR" sz="4000" dirty="0" smtClean="0"/>
+              <a:t>.(Escape from N2 Planet) &lt;</a:t>
+            </a:r>
+            <a:r>
+              <a:rPr lang="ko-KR" altLang="en-US" sz="4000" dirty="0" smtClean="0"/>
+              <a:t> 연출</a:t>
+            </a:r>
+            <a:r>
+              <a:rPr lang="en-US" altLang="ko-KR" sz="4000" dirty="0" smtClean="0"/>
+              <a:t>, play </a:t>
+            </a:r>
+            <a:r>
+              <a:rPr lang="ko-KR" altLang="en-US" sz="4000" dirty="0" smtClean="0"/>
+              <a:t>불가</a:t>
+            </a:r>
+            <a:r>
+              <a:rPr lang="en-US" altLang="ko-KR" sz="4000" dirty="0" smtClean="0"/>
+              <a:t>&gt;</a:t>
+            </a:r>
+          </a:p>
+          <a:p>
+            <a:pPr>
               <a:lnSpc>
                 <a:spcPct val="170000"/>
               </a:lnSpc>
-              <a:buFont typeface="+mj-lt"/>
-              <a:buAutoNum type="arabicPeriod"/>
+              <a:buNone/>
             </a:pPr>
             <a:r>
-              <a:rPr lang="ko-KR" altLang="en-US" dirty="0" smtClean="0"/>
-              <a:t>여자 주인공은 연구소의 문을 열 수 있고</a:t>
-            </a:r>
-            <a:r>
-              <a:rPr lang="en-US" altLang="ko-KR" dirty="0" smtClean="0"/>
-              <a:t>. N2 </a:t>
-            </a:r>
-            <a:r>
-              <a:rPr lang="ko-KR" altLang="en-US" dirty="0" smtClean="0"/>
-              <a:t>행성의 식민지에 있는 컴퓨터들을 조작 할 수 있다</a:t>
-            </a:r>
-            <a:r>
-              <a:rPr lang="en-US" altLang="ko-KR" dirty="0" smtClean="0"/>
-              <a:t>.</a:t>
-            </a:r>
-          </a:p>
-          <a:p>
-            <a:pPr marL="514350" indent="-514350">
+              <a:rPr lang="en-US" altLang="ko-KR" sz="4000" dirty="0" smtClean="0"/>
+              <a:t>5.</a:t>
+            </a:r>
+            <a:r>
+              <a:rPr lang="ko-KR" altLang="en-US" sz="4000" dirty="0" err="1" smtClean="0"/>
+              <a:t>드랍십</a:t>
+            </a:r>
+            <a:r>
+              <a:rPr lang="ko-KR" altLang="en-US" sz="4000" dirty="0" smtClean="0"/>
+              <a:t> </a:t>
+            </a:r>
+            <a:r>
+              <a:rPr lang="ko-KR" altLang="en-US" sz="4000" dirty="0" err="1" smtClean="0"/>
+              <a:t>착륙씬</a:t>
+            </a:r>
+            <a:r>
+              <a:rPr lang="ko-KR" altLang="en-US" sz="4000" dirty="0" smtClean="0"/>
+              <a:t> </a:t>
+            </a:r>
+            <a:r>
+              <a:rPr lang="en-US" altLang="ko-KR" sz="4000" dirty="0" smtClean="0"/>
+              <a:t>(</a:t>
+            </a:r>
+            <a:r>
+              <a:rPr lang="ko-KR" altLang="en-US" sz="4000" dirty="0" smtClean="0"/>
+              <a:t>식민지 옆 개활지에 착륙한다</a:t>
+            </a:r>
+            <a:r>
+              <a:rPr lang="en-US" altLang="ko-KR" sz="4000" dirty="0" smtClean="0"/>
+              <a:t>. </a:t>
+            </a:r>
+            <a:r>
+              <a:rPr lang="ko-KR" altLang="en-US" sz="4000" dirty="0" smtClean="0"/>
+              <a:t>이유</a:t>
+            </a:r>
+            <a:r>
+              <a:rPr lang="en-US" altLang="ko-KR" sz="4000" dirty="0" smtClean="0"/>
+              <a:t>: </a:t>
+            </a:r>
+            <a:r>
+              <a:rPr lang="ko-KR" altLang="en-US" sz="4000" dirty="0" smtClean="0"/>
+              <a:t>식민지와 연락이 안되어 식민지 입구를 열지 못함</a:t>
+            </a:r>
+            <a:r>
+              <a:rPr lang="en-US" altLang="ko-KR" sz="4000" dirty="0" smtClean="0"/>
+              <a:t>) </a:t>
+            </a:r>
+            <a:r>
+              <a:rPr lang="ko-KR" altLang="en-US" sz="4000" dirty="0" err="1" smtClean="0"/>
+              <a:t>드랍십</a:t>
+            </a:r>
+            <a:r>
+              <a:rPr lang="ko-KR" altLang="en-US" sz="4000" dirty="0" smtClean="0"/>
+              <a:t> 착륙 후 </a:t>
+            </a:r>
+            <a:r>
+              <a:rPr lang="ko-KR" altLang="en-US" sz="4000" dirty="0" err="1" smtClean="0"/>
+              <a:t>좀비들</a:t>
+            </a:r>
+            <a:r>
+              <a:rPr lang="ko-KR" altLang="en-US" sz="4000" dirty="0" smtClean="0"/>
+              <a:t> 달려와서 주인공 동료들을 다 물어뜯어 죽임</a:t>
+            </a:r>
+            <a:r>
+              <a:rPr lang="en-US" altLang="ko-KR" sz="4000" dirty="0" smtClean="0"/>
+              <a:t>(</a:t>
+            </a:r>
+            <a:r>
+              <a:rPr lang="ko-KR" altLang="en-US" sz="4000" dirty="0" smtClean="0"/>
+              <a:t>여기서 </a:t>
+            </a:r>
+            <a:r>
+              <a:rPr lang="ko-KR" altLang="en-US" sz="4000" dirty="0" err="1" smtClean="0"/>
+              <a:t>부터</a:t>
+            </a:r>
+            <a:r>
+              <a:rPr lang="ko-KR" altLang="en-US" sz="4000" dirty="0" smtClean="0"/>
+              <a:t> </a:t>
+            </a:r>
+            <a:r>
+              <a:rPr lang="en-US" altLang="ko-KR" sz="4000" dirty="0" smtClean="0"/>
+              <a:t>play </a:t>
+            </a:r>
+            <a:r>
+              <a:rPr lang="ko-KR" altLang="en-US" sz="4000" dirty="0" smtClean="0"/>
+              <a:t>가능</a:t>
+            </a:r>
+            <a:r>
+              <a:rPr lang="en-US" altLang="ko-KR" sz="4000" dirty="0" smtClean="0"/>
+              <a:t>~~)</a:t>
+            </a:r>
+          </a:p>
+          <a:p>
+            <a:pPr>
               <a:lnSpc>
                 <a:spcPct val="170000"/>
               </a:lnSpc>
-              <a:buFont typeface="+mj-lt"/>
-              <a:buAutoNum type="arabicPeriod"/>
+              <a:buNone/>
             </a:pPr>
             <a:r>
-              <a:rPr lang="ko-KR" altLang="en-US" dirty="0" smtClean="0"/>
-              <a:t>남자 주인공은 총을 쏠 수 있는데</a:t>
-            </a:r>
-            <a:r>
-              <a:rPr lang="en-US" altLang="ko-KR" dirty="0" smtClean="0"/>
-              <a:t>. </a:t>
-            </a:r>
-            <a:r>
-              <a:rPr lang="ko-KR" altLang="en-US" dirty="0" smtClean="0"/>
-              <a:t>여자 주인공만 권총을 쓸 수 있는 설정으로 변경한다</a:t>
-            </a:r>
-            <a:r>
-              <a:rPr lang="en-US" altLang="ko-KR" dirty="0" smtClean="0"/>
-              <a:t>.</a:t>
-            </a:r>
-            <a:endParaRPr lang="en-US" altLang="ko-KR" dirty="0" smtClean="0"/>
-          </a:p>
-          <a:p>
-            <a:pPr marL="514350" indent="-514350">
+              <a:rPr lang="en-US" altLang="ko-KR" sz="4000" dirty="0" smtClean="0"/>
+              <a:t>6. 5-&gt;6 </a:t>
+            </a:r>
+            <a:r>
+              <a:rPr lang="ko-KR" altLang="en-US" sz="4000" dirty="0" smtClean="0"/>
+              <a:t>지하 연구소로 이동 </a:t>
+            </a:r>
+            <a:r>
+              <a:rPr lang="en-US" altLang="ko-KR" sz="4000" dirty="0" smtClean="0"/>
+              <a:t>(</a:t>
+            </a:r>
+            <a:r>
+              <a:rPr lang="ko-KR" altLang="en-US" sz="4000" dirty="0" smtClean="0"/>
+              <a:t>연구소는 지상에 입구만 보인다</a:t>
+            </a:r>
+            <a:r>
+              <a:rPr lang="en-US" altLang="ko-KR" sz="4000" dirty="0" smtClean="0"/>
+              <a:t>. H-Bio Tech </a:t>
+            </a:r>
+            <a:r>
+              <a:rPr lang="ko-KR" altLang="en-US" sz="4000" dirty="0" smtClean="0"/>
+              <a:t>이름이 입구에 보임</a:t>
+            </a:r>
+            <a:r>
+              <a:rPr lang="en-US" altLang="ko-KR" sz="4000" dirty="0" smtClean="0"/>
+              <a:t>.)</a:t>
+            </a:r>
+          </a:p>
+          <a:p>
+            <a:pPr>
               <a:lnSpc>
                 <a:spcPct val="170000"/>
               </a:lnSpc>
-              <a:buFont typeface="+mj-lt"/>
-              <a:buAutoNum type="arabicPeriod"/>
+              <a:buNone/>
             </a:pPr>
             <a:r>
-              <a:rPr lang="ko-KR" altLang="en-US" dirty="0" smtClean="0"/>
-              <a:t>여자주인공 또는 남자 주인공은 쓰러진 남자주인공</a:t>
-            </a:r>
-            <a:r>
-              <a:rPr lang="en-US" altLang="ko-KR" dirty="0" smtClean="0"/>
-              <a:t>(</a:t>
-            </a:r>
-            <a:r>
-              <a:rPr lang="ko-KR" altLang="en-US" dirty="0" smtClean="0"/>
-              <a:t>또는 여자주인공</a:t>
-            </a:r>
-            <a:r>
-              <a:rPr lang="en-US" altLang="ko-KR" dirty="0" smtClean="0"/>
-              <a:t>)</a:t>
-            </a:r>
-            <a:r>
-              <a:rPr lang="ko-KR" altLang="en-US" dirty="0" smtClean="0"/>
-              <a:t>을 일으켜서 세울 수 있다</a:t>
-            </a:r>
-            <a:r>
-              <a:rPr lang="en-US" altLang="ko-KR" dirty="0" smtClean="0"/>
+              <a:rPr lang="en-US" altLang="ko-KR" sz="4000" dirty="0" smtClean="0"/>
+              <a:t>7.</a:t>
+            </a:r>
+            <a:r>
+              <a:rPr lang="ko-KR" altLang="en-US" sz="4000" dirty="0" smtClean="0"/>
+              <a:t>지하 연구소 </a:t>
+            </a:r>
+            <a:r>
+              <a:rPr lang="en-US" altLang="ko-KR" sz="4000" dirty="0" smtClean="0"/>
+              <a:t>2</a:t>
+            </a:r>
+            <a:r>
+              <a:rPr lang="ko-KR" altLang="en-US" sz="4000" dirty="0" smtClean="0"/>
+              <a:t>층에 여자친구 만남</a:t>
+            </a:r>
+            <a:r>
+              <a:rPr lang="en-US" altLang="ko-KR" sz="4000" dirty="0" smtClean="0"/>
               <a:t>. </a:t>
             </a:r>
             <a:r>
-              <a:rPr lang="ko-KR" altLang="en-US" dirty="0" smtClean="0"/>
-              <a:t>동료 캐릭터가 쓰러지면 일정 시간 동안 버티다가 바로 사망한다</a:t>
-            </a:r>
-            <a:r>
-              <a:rPr lang="en-US" altLang="ko-KR" dirty="0" smtClean="0"/>
-              <a:t>(</a:t>
-            </a:r>
-            <a:r>
-              <a:rPr lang="ko-KR" altLang="en-US" dirty="0" smtClean="0"/>
-              <a:t>게임 오버</a:t>
-            </a:r>
-            <a:r>
-              <a:rPr lang="en-US" altLang="ko-KR" dirty="0" smtClean="0"/>
-              <a:t>) </a:t>
-            </a:r>
-            <a:r>
-              <a:rPr lang="ko-KR" altLang="en-US" dirty="0" smtClean="0"/>
-              <a:t>일정 시간 안에 빨리 다가가서 일으켜 세워야 한다 </a:t>
-            </a:r>
-            <a:r>
-              <a:rPr lang="en-US" altLang="ko-KR" dirty="0" smtClean="0"/>
-              <a:t>(R </a:t>
-            </a:r>
-            <a:r>
-              <a:rPr lang="ko-KR" altLang="en-US" dirty="0" smtClean="0"/>
-              <a:t>키</a:t>
-            </a:r>
-            <a:r>
-              <a:rPr lang="en-US" altLang="ko-KR" dirty="0" smtClean="0"/>
-              <a:t>)</a:t>
-            </a:r>
-            <a:endParaRPr lang="en-US" altLang="ko-KR" dirty="0" smtClean="0"/>
+              <a:rPr lang="ko-KR" altLang="en-US" sz="4000" dirty="0" smtClean="0"/>
+              <a:t>여자친구는 </a:t>
+            </a:r>
+            <a:r>
+              <a:rPr lang="en-US" altLang="ko-KR" sz="4000" dirty="0" smtClean="0"/>
+              <a:t>panic room</a:t>
+            </a:r>
+            <a:r>
+              <a:rPr lang="ko-KR" altLang="en-US" sz="4000" dirty="0" smtClean="0"/>
+              <a:t>에 숨어있었음</a:t>
+            </a:r>
+            <a:r>
+              <a:rPr lang="en-US" altLang="ko-KR" sz="4000" dirty="0" smtClean="0"/>
+              <a:t>. </a:t>
+            </a:r>
+            <a:r>
+              <a:rPr lang="ko-KR" altLang="en-US" sz="4000" dirty="0" smtClean="0"/>
+              <a:t>여자친구가 바이러스와 감염자에 대한 설명을 해준다</a:t>
+            </a:r>
+            <a:r>
+              <a:rPr lang="en-US" altLang="ko-KR" sz="4000" dirty="0" smtClean="0"/>
+              <a:t>. </a:t>
+            </a:r>
+            <a:r>
+              <a:rPr lang="ko-KR" altLang="en-US" sz="4000" dirty="0" smtClean="0"/>
+              <a:t>마지막 </a:t>
+            </a:r>
+            <a:r>
+              <a:rPr lang="ko-KR" altLang="en-US" sz="4000" dirty="0" err="1" smtClean="0"/>
+              <a:t>끝층</a:t>
+            </a:r>
+            <a:r>
+              <a:rPr lang="ko-KR" altLang="en-US" sz="4000" dirty="0" smtClean="0"/>
+              <a:t> 지하 </a:t>
+            </a:r>
+            <a:r>
+              <a:rPr lang="en-US" altLang="ko-KR" sz="4000" dirty="0" smtClean="0"/>
+              <a:t>3</a:t>
+            </a:r>
+            <a:r>
+              <a:rPr lang="ko-KR" altLang="en-US" sz="4000" dirty="0" smtClean="0"/>
+              <a:t>층에 백신이 있다고 하여 여자친구와 </a:t>
+            </a:r>
+            <a:r>
+              <a:rPr lang="en-US" altLang="ko-KR" sz="4000" dirty="0" smtClean="0"/>
+              <a:t>3</a:t>
+            </a:r>
+            <a:r>
+              <a:rPr lang="ko-KR" altLang="en-US" sz="4000" dirty="0" smtClean="0"/>
+              <a:t>층으로 이동하려고 하는데</a:t>
+            </a:r>
+          </a:p>
+          <a:p>
+            <a:pPr>
+              <a:lnSpc>
+                <a:spcPct val="170000"/>
+              </a:lnSpc>
+              <a:buNone/>
+            </a:pPr>
+            <a:r>
+              <a:rPr lang="ko-KR" altLang="en-US" sz="4000" dirty="0" smtClean="0"/>
+              <a:t> </a:t>
+            </a:r>
+            <a:r>
+              <a:rPr lang="en-US" altLang="ko-KR" sz="4000" dirty="0" smtClean="0"/>
+              <a:t>3</a:t>
+            </a:r>
+            <a:r>
+              <a:rPr lang="ko-KR" altLang="en-US" sz="4000" dirty="0" smtClean="0"/>
+              <a:t>층 문이 잠겨 </a:t>
+            </a:r>
+            <a:r>
+              <a:rPr lang="en-US" altLang="ko-KR" sz="4000" dirty="0" smtClean="0"/>
+              <a:t>3</a:t>
+            </a:r>
+            <a:r>
+              <a:rPr lang="ko-KR" altLang="en-US" sz="4000" dirty="0" smtClean="0"/>
+              <a:t>층 열쇠를 </a:t>
+            </a:r>
+            <a:r>
+              <a:rPr lang="ko-KR" altLang="en-US" sz="4000" dirty="0" err="1" smtClean="0"/>
+              <a:t>얻기위해</a:t>
+            </a:r>
+            <a:r>
+              <a:rPr lang="ko-KR" altLang="en-US" sz="4000" dirty="0" smtClean="0"/>
+              <a:t> 연구소 내부를 수색한다</a:t>
+            </a:r>
+            <a:r>
+              <a:rPr lang="en-US" altLang="ko-KR" sz="4000" dirty="0" smtClean="0"/>
+              <a:t>. </a:t>
+            </a:r>
+            <a:r>
+              <a:rPr lang="ko-KR" altLang="en-US" sz="4000" dirty="0" smtClean="0"/>
+              <a:t>수색하며 마주친 </a:t>
+            </a:r>
+            <a:r>
+              <a:rPr lang="ko-KR" altLang="en-US" sz="4000" dirty="0" err="1" smtClean="0"/>
+              <a:t>좀비들은</a:t>
+            </a:r>
+            <a:r>
+              <a:rPr lang="ko-KR" altLang="en-US" sz="4000" dirty="0" smtClean="0"/>
+              <a:t> 모두 없앤다</a:t>
+            </a:r>
+            <a:r>
+              <a:rPr lang="en-US" altLang="ko-KR" sz="4000" dirty="0" smtClean="0"/>
+              <a:t>. </a:t>
+            </a:r>
+            <a:r>
+              <a:rPr lang="ko-KR" altLang="en-US" sz="4000" dirty="0" smtClean="0"/>
+              <a:t>연구소 내부에서 연구소 경비가 쓰던 </a:t>
+            </a:r>
+            <a:r>
+              <a:rPr lang="ko-KR" altLang="en-US" sz="4000" dirty="0" err="1" smtClean="0"/>
+              <a:t>샷건을</a:t>
+            </a:r>
+            <a:r>
+              <a:rPr lang="ko-KR" altLang="en-US" sz="4000" dirty="0" smtClean="0"/>
+              <a:t> 발견하여 쓰게 된다</a:t>
+            </a:r>
+            <a:r>
+              <a:rPr lang="en-US" altLang="ko-KR" sz="4000" dirty="0" smtClean="0"/>
+              <a:t>.</a:t>
+            </a:r>
+          </a:p>
+          <a:p>
+            <a:pPr>
+              <a:lnSpc>
+                <a:spcPct val="170000"/>
+              </a:lnSpc>
+              <a:buNone/>
+            </a:pPr>
+            <a:r>
+              <a:rPr lang="en-US" altLang="ko-KR" sz="4000" dirty="0" smtClean="0"/>
+              <a:t>8.</a:t>
+            </a:r>
+            <a:r>
+              <a:rPr lang="ko-KR" altLang="en-US" sz="4000" dirty="0" smtClean="0"/>
+              <a:t>백신을 구하고 나서</a:t>
+            </a:r>
+            <a:r>
+              <a:rPr lang="en-US" altLang="ko-KR" sz="4000" dirty="0" smtClean="0"/>
+              <a:t>. </a:t>
+            </a:r>
+            <a:r>
+              <a:rPr lang="ko-KR" altLang="en-US" sz="4000" dirty="0" smtClean="0"/>
+              <a:t>연구소 건물에서 컨트롤 룸으로 이동하여 식민지 외부에 있는 </a:t>
+            </a:r>
+            <a:r>
+              <a:rPr lang="ko-KR" altLang="en-US" sz="4000" dirty="0" err="1" smtClean="0"/>
+              <a:t>드랍십을</a:t>
+            </a:r>
+            <a:r>
+              <a:rPr lang="ko-KR" altLang="en-US" sz="4000" dirty="0" smtClean="0"/>
+              <a:t> 원격 조종으로 연구소 옆으로 불러온다</a:t>
+            </a:r>
+            <a:r>
+              <a:rPr lang="en-US" altLang="ko-KR" sz="4000" dirty="0" smtClean="0"/>
+              <a:t>.</a:t>
+            </a:r>
+          </a:p>
+          <a:p>
+            <a:pPr>
+              <a:lnSpc>
+                <a:spcPct val="170000"/>
+              </a:lnSpc>
+              <a:buNone/>
+            </a:pPr>
+            <a:r>
+              <a:rPr lang="en-US" altLang="ko-KR" sz="4000" dirty="0" smtClean="0"/>
+              <a:t>9.</a:t>
+            </a:r>
+            <a:r>
+              <a:rPr lang="ko-KR" altLang="en-US" sz="4000" dirty="0" smtClean="0"/>
+              <a:t>여자 주인공이 남자 주인공에게 어서 가서 </a:t>
+            </a:r>
+            <a:r>
+              <a:rPr lang="ko-KR" altLang="en-US" sz="4000" dirty="0" err="1" smtClean="0"/>
+              <a:t>드랍십</a:t>
+            </a:r>
+            <a:r>
+              <a:rPr lang="ko-KR" altLang="en-US" sz="4000" dirty="0" smtClean="0"/>
+              <a:t> 출발 준비를 하라고 한다</a:t>
+            </a:r>
+            <a:r>
+              <a:rPr lang="en-US" altLang="ko-KR" sz="4000" dirty="0" smtClean="0"/>
+              <a:t>. </a:t>
+            </a:r>
+            <a:r>
+              <a:rPr lang="ko-KR" altLang="en-US" sz="4000" dirty="0" smtClean="0"/>
+              <a:t>자신은 식민지 폭파 카운트 다운을 하겠다고 한다</a:t>
+            </a:r>
+            <a:r>
+              <a:rPr lang="en-US" altLang="ko-KR" sz="4000" dirty="0" smtClean="0"/>
+              <a:t>.</a:t>
+            </a:r>
+          </a:p>
+          <a:p>
+            <a:pPr>
+              <a:lnSpc>
+                <a:spcPct val="170000"/>
+              </a:lnSpc>
+              <a:buNone/>
+            </a:pPr>
+            <a:r>
+              <a:rPr lang="en-US" altLang="ko-KR" sz="4000" dirty="0" smtClean="0"/>
+              <a:t>10.</a:t>
+            </a:r>
+            <a:r>
+              <a:rPr lang="ko-KR" altLang="en-US" sz="4000" dirty="0" smtClean="0"/>
+              <a:t>남자 주인공이 </a:t>
+            </a:r>
+            <a:r>
+              <a:rPr lang="ko-KR" altLang="en-US" sz="4000" dirty="0" err="1" smtClean="0"/>
+              <a:t>드랍십으로</a:t>
+            </a:r>
+            <a:r>
+              <a:rPr lang="ko-KR" altLang="en-US" sz="4000" dirty="0" smtClean="0"/>
+              <a:t> 가고</a:t>
+            </a:r>
+            <a:r>
+              <a:rPr lang="en-US" altLang="ko-KR" sz="4000" dirty="0" smtClean="0"/>
+              <a:t>.. </a:t>
+            </a:r>
+            <a:r>
+              <a:rPr lang="ko-KR" altLang="en-US" sz="4000" dirty="0" smtClean="0"/>
+              <a:t>여자주인공 시점에서 컨트롤 룸의 컴퓨터로 식민지 폭파 조작을 한다</a:t>
+            </a:r>
+            <a:r>
+              <a:rPr lang="en-US" altLang="ko-KR" sz="4000" dirty="0" smtClean="0"/>
+              <a:t>. </a:t>
+            </a:r>
+            <a:r>
+              <a:rPr lang="ko-KR" altLang="en-US" sz="4000" dirty="0" smtClean="0"/>
+              <a:t>이때 </a:t>
+            </a:r>
+            <a:r>
+              <a:rPr lang="ko-KR" altLang="en-US" sz="4000" dirty="0" err="1" smtClean="0"/>
+              <a:t>좀비떼들이</a:t>
+            </a:r>
+            <a:r>
+              <a:rPr lang="ko-KR" altLang="en-US" sz="4000" dirty="0" smtClean="0"/>
+              <a:t> 컨트롤 룸으로 모여 들게 된다</a:t>
+            </a:r>
+            <a:r>
+              <a:rPr lang="en-US" altLang="ko-KR" sz="4000" dirty="0" smtClean="0"/>
+              <a:t>.</a:t>
+            </a:r>
+          </a:p>
+          <a:p>
+            <a:pPr>
+              <a:lnSpc>
+                <a:spcPct val="170000"/>
+              </a:lnSpc>
+              <a:buNone/>
+            </a:pPr>
+            <a:r>
+              <a:rPr lang="en-US" altLang="ko-KR" sz="4000" dirty="0" smtClean="0"/>
+              <a:t>11. </a:t>
+            </a:r>
+            <a:r>
+              <a:rPr lang="ko-KR" altLang="en-US" sz="4000" dirty="0" smtClean="0"/>
+              <a:t>주인공 시점으로 변경이 되고 </a:t>
+            </a:r>
+            <a:r>
+              <a:rPr lang="ko-KR" altLang="en-US" sz="4000" dirty="0" err="1" smtClean="0"/>
+              <a:t>드랍십</a:t>
+            </a:r>
+            <a:r>
+              <a:rPr lang="ko-KR" altLang="en-US" sz="4000" dirty="0" smtClean="0"/>
+              <a:t> 조종석에서 여자친구의 무전을 듣게 된다</a:t>
+            </a:r>
+            <a:r>
+              <a:rPr lang="en-US" altLang="ko-KR" sz="4000" dirty="0" smtClean="0"/>
+              <a:t>. "</a:t>
+            </a:r>
+            <a:r>
+              <a:rPr lang="ko-KR" altLang="en-US" sz="4000" dirty="0" smtClean="0"/>
+              <a:t>나는 </a:t>
+            </a:r>
+            <a:r>
+              <a:rPr lang="ko-KR" altLang="en-US" sz="4000" dirty="0" err="1" smtClean="0"/>
+              <a:t>여기까지인가봐</a:t>
+            </a:r>
+            <a:r>
+              <a:rPr lang="ko-KR" altLang="en-US" sz="4000" dirty="0" smtClean="0"/>
+              <a:t> 탐 나를 기억해줘</a:t>
+            </a:r>
+            <a:r>
+              <a:rPr lang="en-US" altLang="ko-KR" sz="4000" dirty="0" smtClean="0"/>
+              <a:t>.. </a:t>
+            </a:r>
+            <a:r>
+              <a:rPr lang="ko-KR" altLang="en-US" sz="4000" dirty="0" smtClean="0"/>
+              <a:t>탕</a:t>
+            </a:r>
+            <a:r>
+              <a:rPr lang="en-US" altLang="ko-KR" sz="4000" dirty="0" smtClean="0"/>
+              <a:t>" &lt;</a:t>
+            </a:r>
+            <a:r>
+              <a:rPr lang="ko-KR" altLang="en-US" sz="4000" dirty="0" smtClean="0"/>
+              <a:t> 연출</a:t>
+            </a:r>
+            <a:r>
+              <a:rPr lang="en-US" altLang="ko-KR" sz="4000" dirty="0" smtClean="0"/>
+              <a:t>, play </a:t>
+            </a:r>
+            <a:r>
+              <a:rPr lang="ko-KR" altLang="en-US" sz="4000" dirty="0" smtClean="0"/>
+              <a:t>불가</a:t>
+            </a:r>
+            <a:r>
+              <a:rPr lang="en-US" altLang="ko-KR" sz="4000" dirty="0" smtClean="0"/>
+              <a:t>&gt;</a:t>
+            </a:r>
+          </a:p>
+          <a:p>
+            <a:pPr>
+              <a:lnSpc>
+                <a:spcPct val="170000"/>
+              </a:lnSpc>
+              <a:buNone/>
+            </a:pPr>
+            <a:r>
+              <a:rPr lang="en-US" altLang="ko-KR" sz="4000" dirty="0" smtClean="0"/>
+              <a:t>12.</a:t>
+            </a:r>
+            <a:r>
+              <a:rPr lang="ko-KR" altLang="en-US" sz="4000" dirty="0" smtClean="0"/>
+              <a:t>주인공은 눈물을 흘리며 </a:t>
+            </a:r>
+            <a:r>
+              <a:rPr lang="ko-KR" altLang="en-US" sz="4000" dirty="0" err="1" smtClean="0"/>
+              <a:t>드랍십이</a:t>
+            </a:r>
+            <a:r>
+              <a:rPr lang="ko-KR" altLang="en-US" sz="4000" dirty="0" smtClean="0"/>
+              <a:t> 공중으로 뜨고</a:t>
+            </a:r>
+            <a:r>
+              <a:rPr lang="en-US" altLang="ko-KR" sz="4000" dirty="0" smtClean="0"/>
+              <a:t>.. </a:t>
+            </a:r>
+            <a:r>
+              <a:rPr lang="ko-KR" altLang="en-US" sz="4000" dirty="0" smtClean="0"/>
+              <a:t>비행을 하며 하늘로 올라가려던 와중 </a:t>
+            </a:r>
+            <a:r>
+              <a:rPr lang="ko-KR" altLang="en-US" sz="4000" dirty="0" err="1" smtClean="0"/>
+              <a:t>좀비들이</a:t>
+            </a:r>
+            <a:r>
+              <a:rPr lang="ko-KR" altLang="en-US" sz="4000" dirty="0" smtClean="0"/>
+              <a:t> 달려들어 </a:t>
+            </a:r>
+            <a:r>
+              <a:rPr lang="ko-KR" altLang="en-US" sz="4000" dirty="0" err="1" smtClean="0"/>
+              <a:t>드랍십의</a:t>
+            </a:r>
+            <a:r>
+              <a:rPr lang="ko-KR" altLang="en-US" sz="4000" dirty="0" smtClean="0"/>
+              <a:t> 엔진에 불이 붙으며</a:t>
+            </a:r>
+            <a:r>
+              <a:rPr lang="en-US" altLang="ko-KR" sz="4000" dirty="0" smtClean="0"/>
+              <a:t>.. </a:t>
+            </a:r>
+            <a:r>
+              <a:rPr lang="ko-KR" altLang="en-US" sz="4000" dirty="0" smtClean="0"/>
+              <a:t>화면이 멈추고 </a:t>
+            </a:r>
+            <a:r>
+              <a:rPr lang="en-US" altLang="ko-KR" sz="4000" dirty="0" smtClean="0"/>
+              <a:t>(To Be Continued)</a:t>
+            </a:r>
+          </a:p>
+          <a:p>
+            <a:pPr>
+              <a:lnSpc>
+                <a:spcPct val="170000"/>
+              </a:lnSpc>
+              <a:buNone/>
+            </a:pPr>
+            <a:r>
+              <a:rPr lang="en-US" altLang="ko-KR" sz="4000" dirty="0" smtClean="0"/>
+              <a:t>&lt;</a:t>
+            </a:r>
+            <a:r>
+              <a:rPr lang="ko-KR" altLang="en-US" sz="4000" dirty="0" smtClean="0"/>
+              <a:t> 연출</a:t>
+            </a:r>
+            <a:r>
+              <a:rPr lang="en-US" altLang="ko-KR" sz="4000" dirty="0" smtClean="0"/>
+              <a:t>, play </a:t>
+            </a:r>
+            <a:r>
+              <a:rPr lang="ko-KR" altLang="en-US" sz="4000" dirty="0" smtClean="0"/>
+              <a:t>불가</a:t>
+            </a:r>
+            <a:r>
+              <a:rPr lang="en-US" altLang="ko-KR" sz="4000" dirty="0" smtClean="0"/>
+              <a:t>&gt;</a:t>
+            </a:r>
           </a:p>
           <a:p>
             <a:endParaRPr lang="ko-KR" altLang="en-US" dirty="0"/>
@@ -5472,48 +6119,345 @@
           <a:p>
             <a:r>
               <a:rPr lang="en-US" altLang="ko-KR" dirty="0" smtClean="0"/>
-              <a:t>3</a:t>
+              <a:t>2. </a:t>
+            </a:r>
+            <a:r>
+              <a:rPr lang="ko-KR" altLang="en-US" dirty="0" smtClean="0"/>
+              <a:t>기획 내용</a:t>
+            </a:r>
+            <a:r>
+              <a:rPr lang="en-US" altLang="ko-KR" dirty="0" smtClean="0"/>
+              <a:t> (Cont.)</a:t>
+            </a:r>
+            <a:endParaRPr lang="ko-KR" altLang="en-US" dirty="0"/>
+          </a:p>
+        </p:txBody>
+      </p:sp>
+      <p:sp>
+        <p:nvSpPr>
+          <p:cNvPr id="3" name="내용 개체 틀 2"/>
+          <p:cNvSpPr>
+            <a:spLocks noGrp="1"/>
+          </p:cNvSpPr>
+          <p:nvPr>
+            <p:ph idx="1"/>
+          </p:nvPr>
+        </p:nvSpPr>
+        <p:spPr/>
+        <p:txBody>
+          <a:bodyPr>
+            <a:normAutofit fontScale="47500" lnSpcReduction="20000"/>
+          </a:bodyPr>
+          <a:lstStyle/>
+          <a:p>
+            <a:pPr>
+              <a:lnSpc>
+                <a:spcPct val="170000"/>
+              </a:lnSpc>
+              <a:buNone/>
+            </a:pPr>
+            <a:r>
+              <a:rPr lang="ko-KR" altLang="en-US" dirty="0" smtClean="0"/>
+              <a:t>기획상 특이점</a:t>
+            </a:r>
+            <a:endParaRPr lang="en-US" altLang="ko-KR" dirty="0" smtClean="0"/>
+          </a:p>
+          <a:p>
+            <a:pPr>
+              <a:lnSpc>
+                <a:spcPct val="170000"/>
+              </a:lnSpc>
+              <a:buNone/>
+            </a:pPr>
+            <a:endParaRPr lang="en-US" altLang="ko-KR" dirty="0" smtClean="0"/>
+          </a:p>
+          <a:p>
+            <a:pPr marL="514350" indent="-514350">
+              <a:lnSpc>
+                <a:spcPct val="170000"/>
+              </a:lnSpc>
+              <a:buFont typeface="+mj-lt"/>
+              <a:buAutoNum type="arabicPeriod"/>
+            </a:pPr>
+            <a:r>
+              <a:rPr lang="en-US" altLang="ko-KR" dirty="0" smtClean="0"/>
+              <a:t>F2</a:t>
+            </a:r>
+            <a:r>
+              <a:rPr lang="ko-KR" altLang="en-US" dirty="0" smtClean="0"/>
+              <a:t>키를 누르면 주인공 </a:t>
+            </a:r>
+            <a:r>
+              <a:rPr lang="ko-KR" altLang="en-US" dirty="0" smtClean="0"/>
+              <a:t>변경</a:t>
+            </a:r>
+            <a:r>
+              <a:rPr lang="en-US" altLang="ko-KR" dirty="0" smtClean="0"/>
+              <a:t>(</a:t>
+            </a:r>
+            <a:r>
+              <a:rPr lang="ko-KR" altLang="en-US" dirty="0" smtClean="0"/>
+              <a:t>여자 </a:t>
+            </a:r>
+            <a:r>
+              <a:rPr lang="en-US" altLang="ko-KR" dirty="0" smtClean="0"/>
+              <a:t>&lt;-&gt; </a:t>
+            </a:r>
+            <a:r>
+              <a:rPr lang="ko-KR" altLang="en-US" dirty="0" smtClean="0"/>
+              <a:t>남자</a:t>
+            </a:r>
+            <a:r>
+              <a:rPr lang="en-US" altLang="ko-KR" dirty="0" smtClean="0"/>
+              <a:t>) </a:t>
+            </a:r>
+            <a:r>
+              <a:rPr lang="ko-KR" altLang="en-US" dirty="0" smtClean="0"/>
+              <a:t>을 </a:t>
+            </a:r>
+            <a:r>
+              <a:rPr lang="ko-KR" altLang="en-US" dirty="0" smtClean="0"/>
+              <a:t>할 수 있다</a:t>
             </a:r>
             <a:r>
               <a:rPr lang="en-US" altLang="ko-KR" dirty="0" smtClean="0"/>
               <a:t>. </a:t>
             </a:r>
+            <a:endParaRPr lang="en-US" altLang="ko-KR" dirty="0" smtClean="0"/>
+          </a:p>
+          <a:p>
+            <a:pPr marL="514350" indent="-514350">
+              <a:lnSpc>
+                <a:spcPct val="170000"/>
+              </a:lnSpc>
+              <a:buFont typeface="+mj-lt"/>
+              <a:buAutoNum type="arabicPeriod"/>
+            </a:pPr>
             <a:r>
               <a:rPr lang="ko-KR" altLang="en-US" dirty="0" smtClean="0"/>
-              <a:t>엔진 소개 </a:t>
+              <a:t>여자 </a:t>
+            </a:r>
+            <a:r>
+              <a:rPr lang="ko-KR" altLang="en-US" dirty="0" smtClean="0"/>
+              <a:t>주인공은 문을 열 수 있음</a:t>
             </a:r>
             <a:r>
               <a:rPr lang="en-US" altLang="ko-KR" dirty="0" smtClean="0"/>
-              <a:t>(&amp; </a:t>
+              <a:t>(+ </a:t>
             </a:r>
             <a:r>
               <a:rPr lang="ko-KR" altLang="en-US" dirty="0" smtClean="0"/>
-              <a:t>게임 시연</a:t>
+              <a:t>권총사격 가능</a:t>
+            </a:r>
+            <a:r>
+              <a:rPr lang="en-US" altLang="ko-KR" dirty="0" smtClean="0"/>
+              <a:t>) </a:t>
+            </a:r>
+            <a:r>
+              <a:rPr lang="ko-KR" altLang="en-US" dirty="0" smtClean="0"/>
+              <a:t>남자 주인공은 </a:t>
+            </a:r>
+            <a:r>
+              <a:rPr lang="ko-KR" altLang="en-US" dirty="0" smtClean="0"/>
+              <a:t>총만 </a:t>
+            </a:r>
+            <a:r>
+              <a:rPr lang="ko-KR" altLang="en-US" dirty="0" smtClean="0"/>
+              <a:t>쏠 수 있음</a:t>
+            </a:r>
+            <a:r>
+              <a:rPr lang="en-US" altLang="ko-KR" dirty="0" smtClean="0"/>
+              <a:t>(</a:t>
+            </a:r>
+            <a:r>
+              <a:rPr lang="ko-KR" altLang="en-US" dirty="0" err="1" smtClean="0"/>
+              <a:t>샷건</a:t>
             </a:r>
             <a:r>
               <a:rPr lang="en-US" altLang="ko-KR" dirty="0" smtClean="0"/>
               <a:t>)</a:t>
             </a:r>
+            <a:endParaRPr lang="en-US" altLang="ko-KR" dirty="0" smtClean="0"/>
+          </a:p>
+          <a:p>
+            <a:pPr marL="514350" indent="-514350">
+              <a:lnSpc>
+                <a:spcPct val="170000"/>
+              </a:lnSpc>
+              <a:buFont typeface="+mj-lt"/>
+              <a:buAutoNum type="arabicPeriod"/>
+            </a:pPr>
+            <a:r>
+              <a:rPr lang="ko-KR" altLang="en-US" dirty="0" smtClean="0"/>
+              <a:t>여자 주인공은 연구소의 문을 열 수 있고</a:t>
+            </a:r>
+            <a:r>
+              <a:rPr lang="en-US" altLang="ko-KR" dirty="0" smtClean="0"/>
+              <a:t>. N2 </a:t>
+            </a:r>
+            <a:r>
+              <a:rPr lang="ko-KR" altLang="en-US" dirty="0" smtClean="0"/>
+              <a:t>행성의 식민지에 있는 컴퓨터들을 조작 할 수 있다</a:t>
+            </a:r>
+            <a:r>
+              <a:rPr lang="en-US" altLang="ko-KR" dirty="0" smtClean="0"/>
+              <a:t>.</a:t>
+            </a:r>
+            <a:endParaRPr lang="en-US" altLang="ko-KR" dirty="0" smtClean="0"/>
+          </a:p>
+          <a:p>
+            <a:pPr marL="514350" indent="-514350">
+              <a:lnSpc>
+                <a:spcPct val="170000"/>
+              </a:lnSpc>
+              <a:buFont typeface="+mj-lt"/>
+              <a:buAutoNum type="arabicPeriod"/>
+            </a:pPr>
+            <a:r>
+              <a:rPr lang="ko-KR" altLang="en-US" dirty="0" smtClean="0"/>
+              <a:t>여자주인공 또는 남자 주인공은 쓰러진 남자주인공</a:t>
+            </a:r>
+            <a:r>
+              <a:rPr lang="en-US" altLang="ko-KR" dirty="0" smtClean="0"/>
+              <a:t>(</a:t>
+            </a:r>
+            <a:r>
+              <a:rPr lang="ko-KR" altLang="en-US" dirty="0" smtClean="0"/>
+              <a:t>또는 여자주인공</a:t>
+            </a:r>
+            <a:r>
+              <a:rPr lang="en-US" altLang="ko-KR" dirty="0" smtClean="0"/>
+              <a:t>)</a:t>
+            </a:r>
+            <a:r>
+              <a:rPr lang="ko-KR" altLang="en-US" dirty="0" smtClean="0"/>
+              <a:t>을 일으켜서 세울 수 있다</a:t>
+            </a:r>
+            <a:r>
+              <a:rPr lang="en-US" altLang="ko-KR" dirty="0" smtClean="0"/>
+              <a:t>. </a:t>
+            </a:r>
+            <a:r>
+              <a:rPr lang="ko-KR" altLang="en-US" dirty="0" smtClean="0"/>
+              <a:t>동료 캐릭터가 쓰러지면 일정 시간 동안 버티다가 바로 사망한다</a:t>
+            </a:r>
+            <a:r>
+              <a:rPr lang="en-US" altLang="ko-KR" dirty="0" smtClean="0"/>
+              <a:t>(</a:t>
+            </a:r>
+            <a:r>
+              <a:rPr lang="ko-KR" altLang="en-US" dirty="0" smtClean="0"/>
+              <a:t>게임 오버</a:t>
+            </a:r>
+            <a:r>
+              <a:rPr lang="en-US" altLang="ko-KR" dirty="0" smtClean="0"/>
+              <a:t>) </a:t>
+            </a:r>
+            <a:r>
+              <a:rPr lang="ko-KR" altLang="en-US" dirty="0" smtClean="0"/>
+              <a:t>일정 시간 안에 빨리 다가가서 일으켜 세워야 한다 </a:t>
+            </a:r>
+            <a:r>
+              <a:rPr lang="en-US" altLang="ko-KR" dirty="0" smtClean="0"/>
+              <a:t>(Q </a:t>
+            </a:r>
+            <a:r>
+              <a:rPr lang="ko-KR" altLang="en-US" dirty="0" smtClean="0"/>
+              <a:t>키</a:t>
+            </a:r>
+            <a:r>
+              <a:rPr lang="en-US" altLang="ko-KR" dirty="0" smtClean="0"/>
+              <a:t>)</a:t>
+            </a:r>
+          </a:p>
+          <a:p>
+            <a:pPr marL="514350" indent="-514350">
+              <a:lnSpc>
+                <a:spcPct val="170000"/>
+              </a:lnSpc>
+              <a:buFont typeface="+mj-lt"/>
+              <a:buAutoNum type="arabicPeriod"/>
+            </a:pPr>
+            <a:r>
+              <a:rPr lang="ko-KR" altLang="en-US" dirty="0" smtClean="0"/>
+              <a:t>조작</a:t>
+            </a:r>
+            <a:r>
+              <a:rPr lang="en-US" altLang="ko-KR" dirty="0" smtClean="0"/>
+              <a:t>: W,A,S,D(</a:t>
+            </a:r>
+            <a:r>
+              <a:rPr lang="ko-KR" altLang="en-US" dirty="0" smtClean="0"/>
+              <a:t>앞뒤 좌우 이동</a:t>
+            </a:r>
+            <a:r>
+              <a:rPr lang="en-US" altLang="ko-KR" dirty="0" smtClean="0"/>
+              <a:t>) + </a:t>
+            </a:r>
+            <a:r>
+              <a:rPr lang="ko-KR" altLang="en-US" dirty="0" smtClean="0"/>
+              <a:t>마우스 시야 변경</a:t>
+            </a:r>
+            <a:r>
+              <a:rPr lang="en-US" altLang="ko-KR" dirty="0" smtClean="0"/>
+              <a:t>,   E</a:t>
+            </a:r>
+            <a:r>
+              <a:rPr lang="ko-KR" altLang="en-US" dirty="0" smtClean="0"/>
+              <a:t>키</a:t>
+            </a:r>
+            <a:r>
+              <a:rPr lang="en-US" altLang="ko-KR" dirty="0" smtClean="0"/>
+              <a:t>: </a:t>
+            </a:r>
+            <a:r>
+              <a:rPr lang="ko-KR" altLang="en-US" dirty="0" err="1" smtClean="0"/>
+              <a:t>문열기</a:t>
+            </a:r>
+            <a:r>
+              <a:rPr lang="en-US" altLang="ko-KR" dirty="0" smtClean="0"/>
+              <a:t>, </a:t>
+            </a:r>
+            <a:r>
+              <a:rPr lang="ko-KR" altLang="en-US" dirty="0" smtClean="0"/>
+              <a:t>오브젝트와 상호작용</a:t>
+            </a:r>
+            <a:r>
+              <a:rPr lang="en-US" altLang="ko-KR" dirty="0" smtClean="0"/>
+              <a:t>,		R</a:t>
+            </a:r>
+            <a:r>
+              <a:rPr lang="ko-KR" altLang="en-US" dirty="0" smtClean="0"/>
+              <a:t>키</a:t>
+            </a:r>
+            <a:r>
+              <a:rPr lang="en-US" altLang="ko-KR" dirty="0" smtClean="0"/>
+              <a:t>:</a:t>
+            </a:r>
+            <a:r>
+              <a:rPr lang="ko-KR" altLang="en-US" dirty="0" smtClean="0"/>
+              <a:t>총알 </a:t>
+            </a:r>
+            <a:r>
+              <a:rPr lang="en-US" altLang="ko-KR" dirty="0" smtClean="0"/>
+              <a:t>Reload, </a:t>
+            </a:r>
+            <a:r>
+              <a:rPr lang="ko-KR" altLang="en-US" dirty="0" smtClean="0"/>
+              <a:t>스페이스</a:t>
+            </a:r>
+            <a:r>
+              <a:rPr lang="en-US" altLang="ko-KR" dirty="0" smtClean="0"/>
+              <a:t>: </a:t>
+            </a:r>
+            <a:r>
+              <a:rPr lang="ko-KR" altLang="en-US" dirty="0" smtClean="0"/>
+              <a:t>점프</a:t>
+            </a:r>
+            <a:endParaRPr lang="en-US" altLang="ko-KR" dirty="0" smtClean="0"/>
+          </a:p>
+          <a:p>
             <a:endParaRPr lang="ko-KR" altLang="en-US" dirty="0"/>
-          </a:p>
-        </p:txBody>
-      </p:sp>
-      <p:sp>
-        <p:nvSpPr>
-          <p:cNvPr id="3" name="내용 개체 틀 2"/>
-          <p:cNvSpPr>
-            <a:spLocks noGrp="1"/>
-          </p:cNvSpPr>
-          <p:nvPr>
-            <p:ph idx="1"/>
-          </p:nvPr>
-        </p:nvSpPr>
-        <p:spPr/>
-        <p:txBody>
-          <a:bodyPr/>
-          <a:lstStyle/>
-          <a:p>
-            <a:endParaRPr lang="ko-KR" altLang="en-US"/>
           </a:p>
         </p:txBody>
       </p:sp>
@@ -5559,11 +6503,90 @@
           <a:p>
             <a:r>
               <a:rPr lang="en-US" altLang="ko-KR" dirty="0" smtClean="0"/>
-              <a:t>4</a:t>
+              <a:t>3. </a:t>
+            </a:r>
+            <a:r>
+              <a:rPr lang="ko-KR" altLang="en-US" dirty="0" smtClean="0"/>
+              <a:t>엔진 소개 </a:t>
             </a:r>
             <a:r>
               <a:rPr lang="en-US" altLang="ko-KR" dirty="0" smtClean="0"/>
-              <a:t>. </a:t>
+              <a:t>(&amp; </a:t>
+            </a:r>
+            <a:r>
+              <a:rPr lang="ko-KR" altLang="en-US" dirty="0" smtClean="0"/>
+              <a:t>게임 시연</a:t>
+            </a:r>
+            <a:r>
+              <a:rPr lang="en-US" altLang="ko-KR" dirty="0" smtClean="0"/>
+              <a:t>)</a:t>
+            </a:r>
+            <a:endParaRPr lang="ko-KR" altLang="en-US" dirty="0"/>
+          </a:p>
+        </p:txBody>
+      </p:sp>
+      <p:sp>
+        <p:nvSpPr>
+          <p:cNvPr id="3" name="내용 개체 틀 2"/>
+          <p:cNvSpPr>
+            <a:spLocks noGrp="1"/>
+          </p:cNvSpPr>
+          <p:nvPr>
+            <p:ph idx="1"/>
+          </p:nvPr>
+        </p:nvSpPr>
+        <p:spPr/>
+        <p:txBody>
+          <a:bodyPr/>
+          <a:lstStyle/>
+          <a:p>
+            <a:endParaRPr lang="ko-KR" altLang="en-US"/>
+          </a:p>
+        </p:txBody>
+      </p:sp>
+    </p:spTree>
+  </p:cSld>
+  <p:clrMapOvr>
+    <a:masterClrMapping/>
+  </p:clrMapOvr>
+</p:sld>
+</file>
+
+<file path=ppt/slides/slide9.xml><?xml version="1.0" encoding="utf-8"?>
+<p:sld xmlns:a="http://schemas.openxmlformats.org/drawingml/2006/main" xmlns:r="http://schemas.openxmlformats.org/officeDocument/2006/relationships" xmlns:p="http://schemas.openxmlformats.org/presentationml/2006/main">
+  <p:cSld>
+    <p:spTree>
+      <p:nvGrpSpPr>
+        <p:cNvPr id="1" name=""/>
+        <p:cNvGrpSpPr/>
+        <p:nvPr/>
+      </p:nvGrpSpPr>
+      <p:grpSpPr>
+        <a:xfrm>
+          <a:off x="0" y="0"/>
+          <a:ext cx="0" cy="0"/>
+          <a:chOff x="0" y="0"/>
+          <a:chExt cx="0" cy="0"/>
+        </a:xfrm>
+      </p:grpSpPr>
+      <p:sp>
+        <p:nvSpPr>
+          <p:cNvPr id="2" name="제목 1"/>
+          <p:cNvSpPr>
+            <a:spLocks noGrp="1"/>
+          </p:cNvSpPr>
+          <p:nvPr>
+            <p:ph type="title"/>
+          </p:nvPr>
+        </p:nvSpPr>
+        <p:spPr/>
+        <p:txBody>
+          <a:bodyPr/>
+          <a:lstStyle/>
+          <a:p>
+            <a:r>
+              <a:rPr lang="en-US" altLang="ko-KR" dirty="0" smtClean="0"/>
+              <a:t>4. </a:t>
             </a:r>
             <a:r>
               <a:rPr lang="ko-KR" altLang="en-US" dirty="0" smtClean="0"/>
@@ -5885,4 +6908,287 @@
   <a:objectDefaults/>
   <a:extraClrSchemeLst/>
 </a:theme>
+</file>
+
+<file path=ppt/theme/theme2.xml><?xml version="1.0" encoding="utf-8"?>
+<a:theme xmlns:a="http://schemas.openxmlformats.org/drawingml/2006/main" name="Office 테마">
+  <a:themeElements>
+    <a:clrScheme name="Office">
+      <a:dk1>
+        <a:sysClr val="windowText" lastClr="000000"/>
+      </a:dk1>
+      <a:lt1>
+        <a:sysClr val="window" lastClr="FFFFFF"/>
+      </a:lt1>
+      <a:dk2>
+        <a:srgbClr val="1F497D"/>
+      </a:dk2>
+      <a:lt2>
+        <a:srgbClr val="EEECE1"/>
+      </a:lt2>
+      <a:accent1>
+        <a:srgbClr val="4F81BD"/>
+      </a:accent1>
+      <a:accent2>
+        <a:srgbClr val="C0504D"/>
+      </a:accent2>
+      <a:accent3>
+        <a:srgbClr val="9BBB59"/>
+      </a:accent3>
+      <a:accent4>
+        <a:srgbClr val="8064A2"/>
+      </a:accent4>
+      <a:accent5>
+        <a:srgbClr val="4BACC6"/>
+      </a:accent5>
+      <a:accent6>
+        <a:srgbClr val="F79646"/>
+      </a:accent6>
+      <a:hlink>
+        <a:srgbClr val="0000FF"/>
+      </a:hlink>
+      <a:folHlink>
+        <a:srgbClr val="800080"/>
+      </a:folHlink>
+    </a:clrScheme>
+    <a:fontScheme name="Office">
+      <a:majorFont>
+        <a:latin typeface="맑은 고딕"/>
+        <a:ea typeface=""/>
+        <a:cs typeface=""/>
+        <a:font script="Jpan" typeface="ＭＳ Ｐゴシック"/>
+        <a:font script="Hang" typeface="맑은 고딕"/>
+        <a:font script="Hans" typeface="宋体"/>
+        <a:font script="Hant" typeface="新細明體"/>
+        <a:font script="Arab" typeface="Times New Roman"/>
+        <a:font script="Hebr" typeface="Times New Roman"/>
+        <a:font script="Thai" typeface="Angsana New"/>
+        <a:font script="Ethi" typeface="Nyala"/>
+        <a:font script="Beng" typeface="Vrinda"/>
+        <a:font script="Gujr" typeface="Shruti"/>
+        <a:font script="Khmr" typeface="MoolBoran"/>
+        <a:font script="Knda" typeface="Tunga"/>
+        <a:font script="Guru" typeface="Raavi"/>
+        <a:font script="Cans" typeface="Euphemia"/>
+        <a:font script="Cher" typeface="Plantagenet Cherokee"/>
+        <a:font script="Yiii" typeface="Microsoft Yi Baiti"/>
+        <a:font script="Tibt" typeface="Microsoft Himalaya"/>
+        <a:font script="Thaa" typeface="MV Boli"/>
+        <a:font script="Deva" typeface="Mangal"/>
+        <a:font script="Telu" typeface="Gautami"/>
+        <a:font script="Taml" typeface="Latha"/>
+        <a:font script="Syrc" typeface="Estrangelo Edessa"/>
+        <a:font script="Orya" typeface="Kalinga"/>
+        <a:font script="Mlym" typeface="Kartika"/>
+        <a:font script="Laoo" typeface="DokChampa"/>
+        <a:font script="Sinh" typeface="Iskoola Pota"/>
+        <a:font script="Mong" typeface="Mongolian Baiti"/>
+        <a:font script="Viet" typeface="Times New Roman"/>
+        <a:font script="Uigh" typeface="Microsoft Uighur"/>
+      </a:majorFont>
+      <a:minorFont>
+        <a:latin typeface="맑은 고딕"/>
+        <a:ea typeface=""/>
+        <a:cs typeface=""/>
+        <a:font script="Jpan" typeface="ＭＳ Ｐゴシック"/>
+        <a:font script="Hang" typeface="맑은 고딕"/>
+        <a:font script="Hans" typeface="宋体"/>
+        <a:font script="Hant" typeface="新細明體"/>
+        <a:font script="Arab" typeface="Arial"/>
+        <a:font script="Hebr" typeface="Arial"/>
+        <a:font script="Thai" typeface="Cordia New"/>
+        <a:font script="Ethi" typeface="Nyala"/>
+        <a:font script="Beng" typeface="Vrinda"/>
+        <a:font script="Gujr" typeface="Shruti"/>
+        <a:font script="Khmr" typeface="DaunPenh"/>
+        <a:font script="Knda" typeface="Tunga"/>
+        <a:font script="Guru" typeface="Raavi"/>
+        <a:font script="Cans" typeface="Euphemia"/>
+        <a:font script="Cher" typeface="Plantagenet Cherokee"/>
+        <a:font script="Yiii" typeface="Microsoft Yi Baiti"/>
+        <a:font script="Tibt" typeface="Microsoft Himalaya"/>
+        <a:font script="Thaa" typeface="MV Boli"/>
+        <a:font script="Deva" typeface="Mangal"/>
+        <a:font script="Telu" typeface="Gautami"/>
+        <a:font script="Taml" typeface="Latha"/>
+        <a:font script="Syrc" typeface="Estrangelo Edessa"/>
+        <a:font script="Orya" typeface="Kalinga"/>
+        <a:font script="Mlym" typeface="Kartika"/>
+        <a:font script="Laoo" typeface="DokChampa"/>
+        <a:font script="Sinh" typeface="Iskoola Pota"/>
+        <a:font script="Mong" typeface="Mongolian Baiti"/>
+        <a:font script="Viet" typeface="Arial"/>
+        <a:font script="Uigh" typeface="Microsoft Uighur"/>
+      </a:minorFont>
+    </a:fontScheme>
+    <a:fmtScheme name="Office">
+      <a:fillStyleLst>
+        <a:solidFill>
+          <a:schemeClr val="phClr"/>
+        </a:solidFill>
+        <a:gradFill rotWithShape="1">
+          <a:gsLst>
+            <a:gs pos="0">
+              <a:schemeClr val="phClr">
+                <a:tint val="50000"/>
+                <a:satMod val="300000"/>
+              </a:schemeClr>
+            </a:gs>
+            <a:gs pos="35000">
+              <a:schemeClr val="phClr">
+                <a:tint val="37000"/>
+                <a:satMod val="300000"/>
+              </a:schemeClr>
+            </a:gs>
+            <a:gs pos="100000">
+              <a:schemeClr val="phClr">
+                <a:tint val="15000"/>
+                <a:satMod val="350000"/>
+              </a:schemeClr>
+            </a:gs>
+          </a:gsLst>
+          <a:lin ang="16200000" scaled="1"/>
+        </a:gradFill>
+        <a:gradFill rotWithShape="1">
+          <a:gsLst>
+            <a:gs pos="0">
+              <a:schemeClr val="phClr">
+                <a:shade val="51000"/>
+                <a:satMod val="130000"/>
+              </a:schemeClr>
+            </a:gs>
+            <a:gs pos="80000">
+              <a:schemeClr val="phClr">
+                <a:shade val="93000"/>
+                <a:satMod val="130000"/>
+              </a:schemeClr>
+            </a:gs>
+            <a:gs pos="100000">
+              <a:schemeClr val="phClr">
+                <a:shade val="94000"/>
+                <a:satMod val="135000"/>
+              </a:schemeClr>
+            </a:gs>
+          </a:gsLst>
+          <a:lin ang="16200000" scaled="0"/>
+        </a:gradFill>
+      </a:fillStyleLst>
+      <a:lnStyleLst>
+        <a:ln w="9525" cap="flat" cmpd="sng" algn="ctr">
+          <a:solidFill>
+            <a:schemeClr val="phClr">
+              <a:shade val="95000"/>
+              <a:satMod val="105000"/>
+            </a:schemeClr>
+          </a:solidFill>
+          <a:prstDash val="solid"/>
+        </a:ln>
+        <a:ln w="25400" cap="flat" cmpd="sng" algn="ctr">
+          <a:solidFill>
+            <a:schemeClr val="phClr"/>
+          </a:solidFill>
+          <a:prstDash val="solid"/>
+        </a:ln>
+        <a:ln w="38100" cap="flat" cmpd="sng" algn="ctr">
+          <a:solidFill>
+            <a:schemeClr val="phClr"/>
+          </a:solidFill>
+          <a:prstDash val="solid"/>
+        </a:ln>
+      </a:lnStyleLst>
+      <a:effectStyleLst>
+        <a:effectStyle>
+          <a:effectLst>
+            <a:outerShdw blurRad="40000" dist="20000" dir="5400000" rotWithShape="0">
+              <a:srgbClr val="000000">
+                <a:alpha val="38000"/>
+              </a:srgbClr>
+            </a:outerShdw>
+          </a:effectLst>
+        </a:effectStyle>
+        <a:effectStyle>
+          <a:effectLst>
+            <a:outerShdw blurRad="40000" dist="23000" dir="5400000" rotWithShape="0">
+              <a:srgbClr val="000000">
+                <a:alpha val="35000"/>
+              </a:srgbClr>
+            </a:outerShdw>
+          </a:effectLst>
+        </a:effectStyle>
+        <a:effectStyle>
+          <a:effectLst>
+            <a:outerShdw blurRad="40000" dist="23000" dir="5400000" rotWithShape="0">
+              <a:srgbClr val="000000">
+                <a:alpha val="35000"/>
+              </a:srgbClr>
+            </a:outerShdw>
+          </a:effectLst>
+          <a:scene3d>
+            <a:camera prst="orthographicFront">
+              <a:rot lat="0" lon="0" rev="0"/>
+            </a:camera>
+            <a:lightRig rig="threePt" dir="t">
+              <a:rot lat="0" lon="0" rev="1200000"/>
+            </a:lightRig>
+          </a:scene3d>
+          <a:sp3d>
+            <a:bevelT w="63500" h="25400"/>
+          </a:sp3d>
+        </a:effectStyle>
+      </a:effectStyleLst>
+      <a:bgFillStyleLst>
+        <a:solidFill>
+          <a:schemeClr val="phClr"/>
+        </a:solidFill>
+        <a:gradFill rotWithShape="1">
+          <a:gsLst>
+            <a:gs pos="0">
+              <a:schemeClr val="phClr">
+                <a:tint val="40000"/>
+                <a:satMod val="350000"/>
+              </a:schemeClr>
+            </a:gs>
+            <a:gs pos="40000">
+              <a:schemeClr val="phClr">
+                <a:tint val="45000"/>
+                <a:shade val="99000"/>
+                <a:satMod val="350000"/>
+              </a:schemeClr>
+            </a:gs>
+            <a:gs pos="100000">
+              <a:schemeClr val="phClr">
+                <a:shade val="20000"/>
+                <a:satMod val="255000"/>
+              </a:schemeClr>
+            </a:gs>
+          </a:gsLst>
+          <a:path path="circle">
+            <a:fillToRect l="50000" t="-80000" r="50000" b="180000"/>
+          </a:path>
+        </a:gradFill>
+        <a:gradFill rotWithShape="1">
+          <a:gsLst>
+            <a:gs pos="0">
+              <a:schemeClr val="phClr">
+                <a:tint val="80000"/>
+                <a:satMod val="300000"/>
+              </a:schemeClr>
+            </a:gs>
+            <a:gs pos="100000">
+              <a:schemeClr val="phClr">
+                <a:shade val="30000"/>
+                <a:satMod val="200000"/>
+              </a:schemeClr>
+            </a:gs>
+          </a:gsLst>
+          <a:path path="circle">
+            <a:fillToRect l="50000" t="50000" r="50000" b="50000"/>
+          </a:path>
+        </a:gradFill>
+      </a:bgFillStyleLst>
+    </a:fmtScheme>
+  </a:themeElements>
+  <a:objectDefaults/>
+  <a:extraClrSchemeLst/>
+</a:theme>
 </file>
--- a/doc/_pt_doc/N2_Team_1st_PT_20161024.pptx
+++ b/doc/_pt_doc/N2_Team_1st_PT_20161024.pptx
@@ -5,7 +5,7 @@
     <p:sldMasterId id="2147483648" r:id="rId1"/>
   </p:sldMasterIdLst>
   <p:notesMasterIdLst>
-    <p:notesMasterId r:id="rId11"/>
+    <p:notesMasterId r:id="rId18"/>
   </p:notesMasterIdLst>
   <p:sldIdLst>
     <p:sldId id="256" r:id="rId2"/>
@@ -16,7 +16,14 @@
     <p:sldId id="261" r:id="rId7"/>
     <p:sldId id="262" r:id="rId8"/>
     <p:sldId id="258" r:id="rId9"/>
-    <p:sldId id="259" r:id="rId10"/>
+    <p:sldId id="267" r:id="rId10"/>
+    <p:sldId id="271" r:id="rId11"/>
+    <p:sldId id="269" r:id="rId12"/>
+    <p:sldId id="259" r:id="rId13"/>
+    <p:sldId id="268" r:id="rId14"/>
+    <p:sldId id="270" r:id="rId15"/>
+    <p:sldId id="266" r:id="rId16"/>
+    <p:sldId id="265" r:id="rId17"/>
   </p:sldIdLst>
   <p:sldSz cx="9144000" cy="6858000" type="screen4x3"/>
   <p:notesSz cx="6858000" cy="9144000"/>
@@ -200,7 +207,8 @@
           <a:p>
             <a:fld id="{1470549C-1275-40F3-961B-83EF3DBA270B}" type="datetimeFigureOut">
               <a:rPr lang="ko-KR" altLang="en-US" smtClean="0"/>
-              <a:t>2016-10-24</a:t>
+              <a:pPr/>
+              <a:t>2016-10-25</a:t>
             </a:fld>
             <a:endParaRPr lang="ko-KR" altLang="en-US"/>
           </a:p>
@@ -361,6 +369,7 @@
           <a:p>
             <a:fld id="{1F254535-2256-4EE9-A2D5-17D1F6B04249}" type="slidenum">
               <a:rPr lang="ko-KR" altLang="en-US" smtClean="0"/>
+              <a:pPr/>
               <a:t>‹#›</a:t>
             </a:fld>
             <a:endParaRPr lang="ko-KR" altLang="en-US"/>
@@ -647,7 +656,7 @@
             <a:fld id="{0FB34BDD-B7C9-46C2-B4CA-E9DEC5875A75}" type="datetimeFigureOut">
               <a:rPr lang="ko-KR" altLang="en-US" smtClean="0"/>
               <a:pPr/>
-              <a:t>2016-10-24</a:t>
+              <a:t>2016-10-25</a:t>
             </a:fld>
             <a:endParaRPr lang="ko-KR" altLang="en-US"/>
           </a:p>
@@ -814,7 +823,7 @@
             <a:fld id="{0FB34BDD-B7C9-46C2-B4CA-E9DEC5875A75}" type="datetimeFigureOut">
               <a:rPr lang="ko-KR" altLang="en-US" smtClean="0"/>
               <a:pPr/>
-              <a:t>2016-10-24</a:t>
+              <a:t>2016-10-25</a:t>
             </a:fld>
             <a:endParaRPr lang="ko-KR" altLang="en-US"/>
           </a:p>
@@ -991,7 +1000,7 @@
             <a:fld id="{0FB34BDD-B7C9-46C2-B4CA-E9DEC5875A75}" type="datetimeFigureOut">
               <a:rPr lang="ko-KR" altLang="en-US" smtClean="0"/>
               <a:pPr/>
-              <a:t>2016-10-24</a:t>
+              <a:t>2016-10-25</a:t>
             </a:fld>
             <a:endParaRPr lang="ko-KR" altLang="en-US"/>
           </a:p>
@@ -1158,7 +1167,7 @@
             <a:fld id="{0FB34BDD-B7C9-46C2-B4CA-E9DEC5875A75}" type="datetimeFigureOut">
               <a:rPr lang="ko-KR" altLang="en-US" smtClean="0"/>
               <a:pPr/>
-              <a:t>2016-10-24</a:t>
+              <a:t>2016-10-25</a:t>
             </a:fld>
             <a:endParaRPr lang="ko-KR" altLang="en-US"/>
           </a:p>
@@ -1401,7 +1410,7 @@
             <a:fld id="{0FB34BDD-B7C9-46C2-B4CA-E9DEC5875A75}" type="datetimeFigureOut">
               <a:rPr lang="ko-KR" altLang="en-US" smtClean="0"/>
               <a:pPr/>
-              <a:t>2016-10-24</a:t>
+              <a:t>2016-10-25</a:t>
             </a:fld>
             <a:endParaRPr lang="ko-KR" altLang="en-US"/>
           </a:p>
@@ -1686,7 +1695,7 @@
             <a:fld id="{0FB34BDD-B7C9-46C2-B4CA-E9DEC5875A75}" type="datetimeFigureOut">
               <a:rPr lang="ko-KR" altLang="en-US" smtClean="0"/>
               <a:pPr/>
-              <a:t>2016-10-24</a:t>
+              <a:t>2016-10-25</a:t>
             </a:fld>
             <a:endParaRPr lang="ko-KR" altLang="en-US"/>
           </a:p>
@@ -2105,7 +2114,7 @@
             <a:fld id="{0FB34BDD-B7C9-46C2-B4CA-E9DEC5875A75}" type="datetimeFigureOut">
               <a:rPr lang="ko-KR" altLang="en-US" smtClean="0"/>
               <a:pPr/>
-              <a:t>2016-10-24</a:t>
+              <a:t>2016-10-25</a:t>
             </a:fld>
             <a:endParaRPr lang="ko-KR" altLang="en-US"/>
           </a:p>
@@ -2220,7 +2229,7 @@
             <a:fld id="{0FB34BDD-B7C9-46C2-B4CA-E9DEC5875A75}" type="datetimeFigureOut">
               <a:rPr lang="ko-KR" altLang="en-US" smtClean="0"/>
               <a:pPr/>
-              <a:t>2016-10-24</a:t>
+              <a:t>2016-10-25</a:t>
             </a:fld>
             <a:endParaRPr lang="ko-KR" altLang="en-US"/>
           </a:p>
@@ -2312,7 +2321,7 @@
             <a:fld id="{0FB34BDD-B7C9-46C2-B4CA-E9DEC5875A75}" type="datetimeFigureOut">
               <a:rPr lang="ko-KR" altLang="en-US" smtClean="0"/>
               <a:pPr/>
-              <a:t>2016-10-24</a:t>
+              <a:t>2016-10-25</a:t>
             </a:fld>
             <a:endParaRPr lang="ko-KR" altLang="en-US"/>
           </a:p>
@@ -2586,7 +2595,7 @@
             <a:fld id="{0FB34BDD-B7C9-46C2-B4CA-E9DEC5875A75}" type="datetimeFigureOut">
               <a:rPr lang="ko-KR" altLang="en-US" smtClean="0"/>
               <a:pPr/>
-              <a:t>2016-10-24</a:t>
+              <a:t>2016-10-25</a:t>
             </a:fld>
             <a:endParaRPr lang="ko-KR" altLang="en-US"/>
           </a:p>
@@ -2836,7 +2845,7 @@
             <a:fld id="{0FB34BDD-B7C9-46C2-B4CA-E9DEC5875A75}" type="datetimeFigureOut">
               <a:rPr lang="ko-KR" altLang="en-US" smtClean="0"/>
               <a:pPr/>
-              <a:t>2016-10-24</a:t>
+              <a:t>2016-10-25</a:t>
             </a:fld>
             <a:endParaRPr lang="ko-KR" altLang="en-US"/>
           </a:p>
@@ -3120,7 +3129,7 @@
             <a:fld id="{0FB34BDD-B7C9-46C2-B4CA-E9DEC5875A75}" type="datetimeFigureOut">
               <a:rPr lang="ko-KR" altLang="en-US" smtClean="0"/>
               <a:pPr/>
-              <a:t>2016-10-24</a:t>
+              <a:t>2016-10-25</a:t>
             </a:fld>
             <a:endParaRPr lang="ko-KR" altLang="en-US"/>
           </a:p>
@@ -3759,6 +3768,1433 @@
 </p:sld>
 </file>
 
+<file path=ppt/slides/slide10.xml><?xml version="1.0" encoding="utf-8"?>
+<p:sld xmlns:a="http://schemas.openxmlformats.org/drawingml/2006/main" xmlns:r="http://schemas.openxmlformats.org/officeDocument/2006/relationships" xmlns:p="http://schemas.openxmlformats.org/presentationml/2006/main">
+  <p:cSld>
+    <p:spTree>
+      <p:nvGrpSpPr>
+        <p:cNvPr id="1" name=""/>
+        <p:cNvGrpSpPr/>
+        <p:nvPr/>
+      </p:nvGrpSpPr>
+      <p:grpSpPr>
+        <a:xfrm>
+          <a:off x="0" y="0"/>
+          <a:ext cx="0" cy="0"/>
+          <a:chOff x="0" y="0"/>
+          <a:chExt cx="0" cy="0"/>
+        </a:xfrm>
+      </p:grpSpPr>
+      <p:sp>
+        <p:nvSpPr>
+          <p:cNvPr id="2" name="제목 1"/>
+          <p:cNvSpPr>
+            <a:spLocks noGrp="1"/>
+          </p:cNvSpPr>
+          <p:nvPr>
+            <p:ph type="title"/>
+          </p:nvPr>
+        </p:nvSpPr>
+        <p:spPr/>
+        <p:txBody>
+          <a:bodyPr/>
+          <a:lstStyle/>
+          <a:p>
+            <a:r>
+              <a:rPr lang="en-US" altLang="ko-KR" dirty="0" smtClean="0"/>
+              <a:t>4. </a:t>
+            </a:r>
+            <a:r>
+              <a:rPr lang="ko-KR" altLang="en-US" dirty="0" smtClean="0"/>
+              <a:t>툴 소개</a:t>
+            </a:r>
+            <a:endParaRPr lang="ko-KR" altLang="en-US" dirty="0"/>
+          </a:p>
+        </p:txBody>
+      </p:sp>
+      <p:sp>
+        <p:nvSpPr>
+          <p:cNvPr id="3" name="내용 개체 틀 2"/>
+          <p:cNvSpPr>
+            <a:spLocks noGrp="1"/>
+          </p:cNvSpPr>
+          <p:nvPr>
+            <p:ph idx="1"/>
+          </p:nvPr>
+        </p:nvSpPr>
+        <p:spPr/>
+        <p:txBody>
+          <a:bodyPr/>
+          <a:lstStyle/>
+          <a:p>
+            <a:pPr marL="571500" indent="-571500">
+              <a:buFont typeface="+mj-lt"/>
+              <a:buAutoNum type="romanUcPeriod"/>
+            </a:pPr>
+            <a:r>
+              <a:rPr lang="en-US" altLang="ko-KR" dirty="0" smtClean="0"/>
+              <a:t>Character Tool</a:t>
+            </a:r>
+          </a:p>
+          <a:p>
+            <a:pPr marL="571500" indent="-571500">
+              <a:buFont typeface="+mj-lt"/>
+              <a:buAutoNum type="romanUcPeriod"/>
+            </a:pPr>
+            <a:r>
+              <a:rPr lang="en-US" altLang="ko-KR" dirty="0" smtClean="0"/>
+              <a:t>Map Tool</a:t>
+            </a:r>
+          </a:p>
+          <a:p>
+            <a:pPr marL="571500" indent="-571500">
+              <a:buFont typeface="+mj-lt"/>
+              <a:buAutoNum type="romanUcPeriod"/>
+            </a:pPr>
+            <a:r>
+              <a:rPr lang="en-US" altLang="ko-KR" dirty="0" smtClean="0"/>
+              <a:t>Effect Tool</a:t>
+            </a:r>
+            <a:endParaRPr lang="ko-KR" altLang="en-US" dirty="0"/>
+          </a:p>
+        </p:txBody>
+      </p:sp>
+    </p:spTree>
+  </p:cSld>
+  <p:clrMapOvr>
+    <a:masterClrMapping/>
+  </p:clrMapOvr>
+  <p:timing>
+    <p:tnLst>
+      <p:par>
+        <p:cTn id="1" dur="indefinite" restart="never" nodeType="tmRoot"/>
+      </p:par>
+    </p:tnLst>
+  </p:timing>
+</p:sld>
+</file>
+
+<file path=ppt/slides/slide11.xml><?xml version="1.0" encoding="utf-8"?>
+<p:sld xmlns:a="http://schemas.openxmlformats.org/drawingml/2006/main" xmlns:r="http://schemas.openxmlformats.org/officeDocument/2006/relationships" xmlns:p="http://schemas.openxmlformats.org/presentationml/2006/main">
+  <p:cSld>
+    <p:spTree>
+      <p:nvGrpSpPr>
+        <p:cNvPr id="1" name=""/>
+        <p:cNvGrpSpPr/>
+        <p:nvPr/>
+      </p:nvGrpSpPr>
+      <p:grpSpPr>
+        <a:xfrm>
+          <a:off x="0" y="0"/>
+          <a:ext cx="0" cy="0"/>
+          <a:chOff x="0" y="0"/>
+          <a:chExt cx="0" cy="0"/>
+        </a:xfrm>
+      </p:grpSpPr>
+      <p:sp>
+        <p:nvSpPr>
+          <p:cNvPr id="2" name="제목 1"/>
+          <p:cNvSpPr>
+            <a:spLocks noGrp="1"/>
+          </p:cNvSpPr>
+          <p:nvPr>
+            <p:ph type="title"/>
+          </p:nvPr>
+        </p:nvSpPr>
+        <p:spPr/>
+        <p:txBody>
+          <a:bodyPr/>
+          <a:lstStyle/>
+          <a:p>
+            <a:r>
+              <a:rPr lang="en-US" altLang="ko-KR" dirty="0" smtClean="0"/>
+              <a:t>4. </a:t>
+            </a:r>
+            <a:r>
+              <a:rPr lang="ko-KR" altLang="en-US" dirty="0" smtClean="0"/>
+              <a:t>툴 소개</a:t>
+            </a:r>
+            <a:endParaRPr lang="ko-KR" altLang="en-US" dirty="0"/>
+          </a:p>
+        </p:txBody>
+      </p:sp>
+      <p:sp>
+        <p:nvSpPr>
+          <p:cNvPr id="3" name="내용 개체 틀 2"/>
+          <p:cNvSpPr>
+            <a:spLocks noGrp="1"/>
+          </p:cNvSpPr>
+          <p:nvPr>
+            <p:ph idx="1"/>
+          </p:nvPr>
+        </p:nvSpPr>
+        <p:spPr/>
+        <p:txBody>
+          <a:bodyPr/>
+          <a:lstStyle/>
+          <a:p>
+            <a:pPr marL="571500" indent="-571500">
+              <a:buFont typeface="+mj-lt"/>
+              <a:buAutoNum type="romanUcPeriod"/>
+            </a:pPr>
+            <a:r>
+              <a:rPr lang="en-US" altLang="ko-KR" dirty="0" smtClean="0"/>
+              <a:t>Character Tool</a:t>
+            </a:r>
+          </a:p>
+        </p:txBody>
+      </p:sp>
+      <p:pic>
+        <p:nvPicPr>
+          <p:cNvPr id="2051" name="Picture 3"/>
+          <p:cNvPicPr>
+            <a:picLocks noChangeAspect="1" noChangeArrowheads="1"/>
+          </p:cNvPicPr>
+          <p:nvPr/>
+        </p:nvPicPr>
+        <p:blipFill>
+          <a:blip r:embed="rId2" cstate="print"/>
+          <a:srcRect/>
+          <a:stretch>
+            <a:fillRect/>
+          </a:stretch>
+        </p:blipFill>
+        <p:spPr bwMode="auto">
+          <a:xfrm>
+            <a:off x="2195736" y="2276872"/>
+            <a:ext cx="6336703" cy="4292795"/>
+          </a:xfrm>
+          <a:prstGeom prst="rect">
+            <a:avLst/>
+          </a:prstGeom>
+          <a:noFill/>
+          <a:ln w="9525">
+            <a:noFill/>
+            <a:miter lim="800000"/>
+            <a:headEnd/>
+            <a:tailEnd/>
+          </a:ln>
+        </p:spPr>
+      </p:pic>
+      <p:sp>
+        <p:nvSpPr>
+          <p:cNvPr id="6" name="직사각형 5"/>
+          <p:cNvSpPr/>
+          <p:nvPr/>
+        </p:nvSpPr>
+        <p:spPr>
+          <a:xfrm>
+            <a:off x="251520" y="3861048"/>
+            <a:ext cx="3240360" cy="861774"/>
+          </a:xfrm>
+          <a:prstGeom prst="rect">
+            <a:avLst/>
+          </a:prstGeom>
+          <a:solidFill>
+            <a:schemeClr val="bg1"/>
+          </a:solidFill>
+          <a:ln>
+            <a:solidFill>
+              <a:schemeClr val="tx1"/>
+            </a:solidFill>
+          </a:ln>
+        </p:spPr>
+        <p:txBody>
+          <a:bodyPr wrap="square">
+            <a:spAutoFit/>
+          </a:bodyPr>
+          <a:lstStyle/>
+          <a:p>
+            <a:r>
+              <a:rPr lang="ko-KR" altLang="en-US" sz="1000" dirty="0" smtClean="0"/>
+              <a:t>캐릭터 애니메이션이 </a:t>
+            </a:r>
+            <a:r>
+              <a:rPr lang="ko-KR" altLang="en-US" sz="1000" dirty="0" err="1" smtClean="0"/>
+              <a:t>우측창에</a:t>
+            </a:r>
+            <a:r>
+              <a:rPr lang="ko-KR" altLang="en-US" sz="1000" dirty="0" smtClean="0"/>
+              <a:t> 보여짐</a:t>
+            </a:r>
+            <a:r>
+              <a:rPr lang="en-US" altLang="ko-KR" sz="1000" dirty="0" smtClean="0"/>
+              <a:t>.</a:t>
+            </a:r>
+          </a:p>
+          <a:p>
+            <a:endParaRPr lang="en-US" altLang="ko-KR" sz="1000" dirty="0" smtClean="0"/>
+          </a:p>
+          <a:p>
+            <a:r>
+              <a:rPr lang="ko-KR" altLang="en-US" sz="1000" dirty="0" smtClean="0"/>
+              <a:t>좌측 </a:t>
+            </a:r>
+            <a:r>
+              <a:rPr lang="en-US" altLang="ko-KR" sz="1000" dirty="0" smtClean="0"/>
+              <a:t>Pane </a:t>
+            </a:r>
+            <a:r>
+              <a:rPr lang="ko-KR" altLang="en-US" sz="1000" dirty="0" smtClean="0"/>
+              <a:t>윈도우 추가함</a:t>
+            </a:r>
+            <a:r>
+              <a:rPr lang="en-US" altLang="ko-KR" sz="1000" dirty="0" smtClean="0"/>
+              <a:t>.</a:t>
+            </a:r>
+          </a:p>
+          <a:p>
+            <a:r>
+              <a:rPr lang="ko-KR" altLang="en-US" sz="1000" dirty="0" smtClean="0"/>
+              <a:t>추후 </a:t>
+            </a:r>
+            <a:r>
+              <a:rPr lang="en-US" altLang="ko-KR" sz="1000" dirty="0" err="1" smtClean="0"/>
+              <a:t>AniCtrl</a:t>
+            </a:r>
+            <a:r>
+              <a:rPr lang="ko-KR" altLang="en-US" sz="1000" dirty="0" smtClean="0"/>
+              <a:t>에 애니메이션 컨트롤</a:t>
+            </a:r>
+          </a:p>
+          <a:p>
+            <a:r>
+              <a:rPr lang="en-US" altLang="ko-KR" sz="1000" dirty="0" smtClean="0"/>
+              <a:t>Model</a:t>
+            </a:r>
+            <a:r>
+              <a:rPr lang="ko-KR" altLang="en-US" sz="1000" dirty="0" smtClean="0"/>
+              <a:t>탭에 </a:t>
+            </a:r>
+            <a:r>
+              <a:rPr lang="en-US" altLang="ko-KR" sz="1000" dirty="0" smtClean="0"/>
+              <a:t>Model </a:t>
+            </a:r>
+            <a:r>
+              <a:rPr lang="ko-KR" altLang="en-US" sz="1000" dirty="0" smtClean="0"/>
+              <a:t>구조 정보 보여지게 작업 예정</a:t>
+            </a:r>
+            <a:endParaRPr lang="ko-KR" altLang="en-US" sz="1000" dirty="0"/>
+          </a:p>
+        </p:txBody>
+      </p:sp>
+    </p:spTree>
+  </p:cSld>
+  <p:clrMapOvr>
+    <a:masterClrMapping/>
+  </p:clrMapOvr>
+  <p:timing>
+    <p:tnLst>
+      <p:par>
+        <p:cTn id="1" dur="indefinite" restart="never" nodeType="tmRoot"/>
+      </p:par>
+    </p:tnLst>
+  </p:timing>
+</p:sld>
+</file>
+
+<file path=ppt/slides/slide12.xml><?xml version="1.0" encoding="utf-8"?>
+<p:sld xmlns:a="http://schemas.openxmlformats.org/drawingml/2006/main" xmlns:r="http://schemas.openxmlformats.org/officeDocument/2006/relationships" xmlns:p="http://schemas.openxmlformats.org/presentationml/2006/main">
+  <p:cSld>
+    <p:spTree>
+      <p:nvGrpSpPr>
+        <p:cNvPr id="1" name=""/>
+        <p:cNvGrpSpPr/>
+        <p:nvPr/>
+      </p:nvGrpSpPr>
+      <p:grpSpPr>
+        <a:xfrm>
+          <a:off x="0" y="0"/>
+          <a:ext cx="0" cy="0"/>
+          <a:chOff x="0" y="0"/>
+          <a:chExt cx="0" cy="0"/>
+        </a:xfrm>
+      </p:grpSpPr>
+      <p:sp>
+        <p:nvSpPr>
+          <p:cNvPr id="2" name="제목 1"/>
+          <p:cNvSpPr>
+            <a:spLocks noGrp="1"/>
+          </p:cNvSpPr>
+          <p:nvPr>
+            <p:ph type="title"/>
+          </p:nvPr>
+        </p:nvSpPr>
+        <p:spPr/>
+        <p:txBody>
+          <a:bodyPr/>
+          <a:lstStyle/>
+          <a:p>
+            <a:r>
+              <a:rPr lang="en-US" altLang="ko-KR" dirty="0" smtClean="0"/>
+              <a:t>4. </a:t>
+            </a:r>
+            <a:r>
+              <a:rPr lang="ko-KR" altLang="en-US" dirty="0" smtClean="0"/>
+              <a:t>툴 소개</a:t>
+            </a:r>
+            <a:endParaRPr lang="ko-KR" altLang="en-US" dirty="0"/>
+          </a:p>
+        </p:txBody>
+      </p:sp>
+      <p:sp>
+        <p:nvSpPr>
+          <p:cNvPr id="3" name="내용 개체 틀 2"/>
+          <p:cNvSpPr>
+            <a:spLocks noGrp="1"/>
+          </p:cNvSpPr>
+          <p:nvPr>
+            <p:ph idx="1"/>
+          </p:nvPr>
+        </p:nvSpPr>
+        <p:spPr/>
+        <p:txBody>
+          <a:bodyPr/>
+          <a:lstStyle/>
+          <a:p>
+            <a:pPr marL="571500" indent="-571500">
+              <a:buFont typeface="+mj-lt"/>
+              <a:buAutoNum type="romanUcPeriod"/>
+            </a:pPr>
+            <a:r>
+              <a:rPr lang="en-US" altLang="ko-KR" dirty="0" smtClean="0"/>
+              <a:t>Character Tool (Cont.)</a:t>
+            </a:r>
+          </a:p>
+        </p:txBody>
+      </p:sp>
+      <p:pic>
+        <p:nvPicPr>
+          <p:cNvPr id="3075" name="Picture 3"/>
+          <p:cNvPicPr>
+            <a:picLocks noChangeAspect="1" noChangeArrowheads="1"/>
+          </p:cNvPicPr>
+          <p:nvPr/>
+        </p:nvPicPr>
+        <p:blipFill>
+          <a:blip r:embed="rId2" cstate="print"/>
+          <a:srcRect/>
+          <a:stretch>
+            <a:fillRect/>
+          </a:stretch>
+        </p:blipFill>
+        <p:spPr bwMode="auto">
+          <a:xfrm>
+            <a:off x="2123728" y="2276872"/>
+            <a:ext cx="6444207" cy="3959968"/>
+          </a:xfrm>
+          <a:prstGeom prst="rect">
+            <a:avLst/>
+          </a:prstGeom>
+          <a:noFill/>
+          <a:ln w="9525">
+            <a:noFill/>
+            <a:miter lim="800000"/>
+            <a:headEnd/>
+            <a:tailEnd/>
+          </a:ln>
+        </p:spPr>
+      </p:pic>
+      <p:sp>
+        <p:nvSpPr>
+          <p:cNvPr id="7" name="직사각형 6"/>
+          <p:cNvSpPr/>
+          <p:nvPr/>
+        </p:nvSpPr>
+        <p:spPr>
+          <a:xfrm>
+            <a:off x="251520" y="3861048"/>
+            <a:ext cx="3240360" cy="553998"/>
+          </a:xfrm>
+          <a:prstGeom prst="rect">
+            <a:avLst/>
+          </a:prstGeom>
+          <a:solidFill>
+            <a:schemeClr val="bg1"/>
+          </a:solidFill>
+          <a:ln>
+            <a:solidFill>
+              <a:schemeClr val="tx1"/>
+            </a:solidFill>
+          </a:ln>
+        </p:spPr>
+        <p:txBody>
+          <a:bodyPr wrap="square">
+            <a:spAutoFit/>
+          </a:bodyPr>
+          <a:lstStyle/>
+          <a:p>
+            <a:r>
+              <a:rPr lang="ko-KR" altLang="en-US" sz="1000" dirty="0" smtClean="0"/>
+              <a:t>캐릭터가 로드 되면 우측과 같이 실행이 된다</a:t>
+            </a:r>
+            <a:r>
+              <a:rPr lang="en-US" altLang="ko-KR" sz="1000" dirty="0" smtClean="0"/>
+              <a:t>.</a:t>
+            </a:r>
+          </a:p>
+          <a:p>
+            <a:endParaRPr lang="en-US" altLang="ko-KR" sz="1000" dirty="0" smtClean="0"/>
+          </a:p>
+          <a:p>
+            <a:endParaRPr lang="ko-KR" altLang="en-US" sz="1000" dirty="0"/>
+          </a:p>
+        </p:txBody>
+      </p:sp>
+    </p:spTree>
+  </p:cSld>
+  <p:clrMapOvr>
+    <a:masterClrMapping/>
+  </p:clrMapOvr>
+  <p:timing>
+    <p:tnLst>
+      <p:par>
+        <p:cTn id="1" dur="indefinite" restart="never" nodeType="tmRoot"/>
+      </p:par>
+    </p:tnLst>
+  </p:timing>
+</p:sld>
+</file>
+
+<file path=ppt/slides/slide13.xml><?xml version="1.0" encoding="utf-8"?>
+<p:sld xmlns:a="http://schemas.openxmlformats.org/drawingml/2006/main" xmlns:r="http://schemas.openxmlformats.org/officeDocument/2006/relationships" xmlns:p="http://schemas.openxmlformats.org/presentationml/2006/main">
+  <p:cSld>
+    <p:spTree>
+      <p:nvGrpSpPr>
+        <p:cNvPr id="1" name=""/>
+        <p:cNvGrpSpPr/>
+        <p:nvPr/>
+      </p:nvGrpSpPr>
+      <p:grpSpPr>
+        <a:xfrm>
+          <a:off x="0" y="0"/>
+          <a:ext cx="0" cy="0"/>
+          <a:chOff x="0" y="0"/>
+          <a:chExt cx="0" cy="0"/>
+        </a:xfrm>
+      </p:grpSpPr>
+      <p:sp>
+        <p:nvSpPr>
+          <p:cNvPr id="2" name="제목 1"/>
+          <p:cNvSpPr>
+            <a:spLocks noGrp="1"/>
+          </p:cNvSpPr>
+          <p:nvPr>
+            <p:ph type="title"/>
+          </p:nvPr>
+        </p:nvSpPr>
+        <p:spPr/>
+        <p:txBody>
+          <a:bodyPr/>
+          <a:lstStyle/>
+          <a:p>
+            <a:r>
+              <a:rPr lang="en-US" altLang="ko-KR" dirty="0" smtClean="0"/>
+              <a:t>4. </a:t>
+            </a:r>
+            <a:r>
+              <a:rPr lang="ko-KR" altLang="en-US" dirty="0" smtClean="0"/>
+              <a:t>툴 소개</a:t>
+            </a:r>
+            <a:endParaRPr lang="ko-KR" altLang="en-US" dirty="0"/>
+          </a:p>
+        </p:txBody>
+      </p:sp>
+      <p:sp>
+        <p:nvSpPr>
+          <p:cNvPr id="3" name="내용 개체 틀 2"/>
+          <p:cNvSpPr>
+            <a:spLocks noGrp="1"/>
+          </p:cNvSpPr>
+          <p:nvPr>
+            <p:ph idx="1"/>
+          </p:nvPr>
+        </p:nvSpPr>
+        <p:spPr/>
+        <p:txBody>
+          <a:bodyPr/>
+          <a:lstStyle/>
+          <a:p>
+            <a:pPr marL="571500" indent="-571500">
+              <a:buNone/>
+            </a:pPr>
+            <a:r>
+              <a:rPr lang="en-US" altLang="ko-KR" dirty="0" smtClean="0"/>
+              <a:t>II. Map Tool</a:t>
+            </a:r>
+          </a:p>
+        </p:txBody>
+      </p:sp>
+    </p:spTree>
+  </p:cSld>
+  <p:clrMapOvr>
+    <a:masterClrMapping/>
+  </p:clrMapOvr>
+  <p:timing>
+    <p:tnLst>
+      <p:par>
+        <p:cTn id="1" dur="indefinite" restart="never" nodeType="tmRoot"/>
+      </p:par>
+    </p:tnLst>
+  </p:timing>
+</p:sld>
+</file>
+
+<file path=ppt/slides/slide14.xml><?xml version="1.0" encoding="utf-8"?>
+<p:sld xmlns:a="http://schemas.openxmlformats.org/drawingml/2006/main" xmlns:r="http://schemas.openxmlformats.org/officeDocument/2006/relationships" xmlns:p="http://schemas.openxmlformats.org/presentationml/2006/main">
+  <p:cSld>
+    <p:spTree>
+      <p:nvGrpSpPr>
+        <p:cNvPr id="1" name=""/>
+        <p:cNvGrpSpPr/>
+        <p:nvPr/>
+      </p:nvGrpSpPr>
+      <p:grpSpPr>
+        <a:xfrm>
+          <a:off x="0" y="0"/>
+          <a:ext cx="0" cy="0"/>
+          <a:chOff x="0" y="0"/>
+          <a:chExt cx="0" cy="0"/>
+        </a:xfrm>
+      </p:grpSpPr>
+      <p:sp>
+        <p:nvSpPr>
+          <p:cNvPr id="2" name="제목 1"/>
+          <p:cNvSpPr>
+            <a:spLocks noGrp="1"/>
+          </p:cNvSpPr>
+          <p:nvPr>
+            <p:ph type="title"/>
+          </p:nvPr>
+        </p:nvSpPr>
+        <p:spPr/>
+        <p:txBody>
+          <a:bodyPr/>
+          <a:lstStyle/>
+          <a:p>
+            <a:r>
+              <a:rPr lang="en-US" altLang="ko-KR" dirty="0" smtClean="0"/>
+              <a:t>4. </a:t>
+            </a:r>
+            <a:r>
+              <a:rPr lang="ko-KR" altLang="en-US" dirty="0" smtClean="0"/>
+              <a:t>툴 소개</a:t>
+            </a:r>
+            <a:endParaRPr lang="ko-KR" altLang="en-US" dirty="0"/>
+          </a:p>
+        </p:txBody>
+      </p:sp>
+      <p:sp>
+        <p:nvSpPr>
+          <p:cNvPr id="3" name="내용 개체 틀 2"/>
+          <p:cNvSpPr>
+            <a:spLocks noGrp="1"/>
+          </p:cNvSpPr>
+          <p:nvPr>
+            <p:ph idx="1"/>
+          </p:nvPr>
+        </p:nvSpPr>
+        <p:spPr/>
+        <p:txBody>
+          <a:bodyPr/>
+          <a:lstStyle/>
+          <a:p>
+            <a:pPr marL="571500" indent="-571500">
+              <a:buNone/>
+            </a:pPr>
+            <a:r>
+              <a:rPr lang="en-US" altLang="ko-KR" dirty="0" smtClean="0"/>
+              <a:t>II. Map Tool (Cont.)</a:t>
+            </a:r>
+          </a:p>
+          <a:p>
+            <a:pPr marL="571500" indent="-571500">
+              <a:buNone/>
+            </a:pPr>
+            <a:endParaRPr lang="en-US" altLang="ko-KR" dirty="0" smtClean="0"/>
+          </a:p>
+        </p:txBody>
+      </p:sp>
+    </p:spTree>
+  </p:cSld>
+  <p:clrMapOvr>
+    <a:masterClrMapping/>
+  </p:clrMapOvr>
+  <p:timing>
+    <p:tnLst>
+      <p:par>
+        <p:cTn id="1" dur="indefinite" restart="never" nodeType="tmRoot"/>
+      </p:par>
+    </p:tnLst>
+  </p:timing>
+</p:sld>
+</file>
+
+<file path=ppt/slides/slide15.xml><?xml version="1.0" encoding="utf-8"?>
+<p:sld xmlns:a="http://schemas.openxmlformats.org/drawingml/2006/main" xmlns:r="http://schemas.openxmlformats.org/officeDocument/2006/relationships" xmlns:p="http://schemas.openxmlformats.org/presentationml/2006/main">
+  <p:cSld>
+    <p:spTree>
+      <p:nvGrpSpPr>
+        <p:cNvPr id="1" name=""/>
+        <p:cNvGrpSpPr/>
+        <p:nvPr/>
+      </p:nvGrpSpPr>
+      <p:grpSpPr>
+        <a:xfrm>
+          <a:off x="0" y="0"/>
+          <a:ext cx="0" cy="0"/>
+          <a:chOff x="0" y="0"/>
+          <a:chExt cx="0" cy="0"/>
+        </a:xfrm>
+      </p:grpSpPr>
+      <p:sp>
+        <p:nvSpPr>
+          <p:cNvPr id="4" name="내용 개체 틀 2"/>
+          <p:cNvSpPr>
+            <a:spLocks noGrp="1"/>
+          </p:cNvSpPr>
+          <p:nvPr>
+            <p:ph idx="1"/>
+          </p:nvPr>
+        </p:nvSpPr>
+        <p:spPr>
+          <a:xfrm>
+            <a:off x="493712" y="1456184"/>
+            <a:ext cx="8229600" cy="4525963"/>
+          </a:xfrm>
+        </p:spPr>
+        <p:txBody>
+          <a:bodyPr/>
+          <a:lstStyle/>
+          <a:p>
+            <a:pPr>
+              <a:buNone/>
+            </a:pPr>
+            <a:r>
+              <a:rPr lang="en-US" altLang="ko-KR" dirty="0" smtClean="0"/>
+              <a:t>III. </a:t>
+            </a:r>
+            <a:r>
+              <a:rPr lang="en-US" altLang="ko-KR" dirty="0" smtClean="0"/>
+              <a:t>Effect Tool</a:t>
+            </a:r>
+          </a:p>
+          <a:p>
+            <a:pPr>
+              <a:buNone/>
+            </a:pPr>
+            <a:endParaRPr lang="ko-KR" altLang="en-US" dirty="0"/>
+          </a:p>
+        </p:txBody>
+      </p:sp>
+      <p:pic>
+        <p:nvPicPr>
+          <p:cNvPr id="5" name="그림 4" descr="abc.png"/>
+          <p:cNvPicPr>
+            <a:picLocks noChangeAspect="1"/>
+          </p:cNvPicPr>
+          <p:nvPr/>
+        </p:nvPicPr>
+        <p:blipFill>
+          <a:blip r:embed="rId2" cstate="print"/>
+          <a:stretch>
+            <a:fillRect/>
+          </a:stretch>
+        </p:blipFill>
+        <p:spPr>
+          <a:xfrm>
+            <a:off x="2459487" y="1988840"/>
+            <a:ext cx="6541513" cy="4225490"/>
+          </a:xfrm>
+          <a:prstGeom prst="rect">
+            <a:avLst/>
+          </a:prstGeom>
+        </p:spPr>
+      </p:pic>
+      <p:sp>
+        <p:nvSpPr>
+          <p:cNvPr id="6" name="TextBox 5"/>
+          <p:cNvSpPr txBox="1"/>
+          <p:nvPr/>
+        </p:nvSpPr>
+        <p:spPr>
+          <a:xfrm>
+            <a:off x="216024" y="2420888"/>
+            <a:ext cx="1872208" cy="923330"/>
+          </a:xfrm>
+          <a:prstGeom prst="rect">
+            <a:avLst/>
+          </a:prstGeom>
+          <a:solidFill>
+            <a:schemeClr val="bg2">
+              <a:lumMod val="75000"/>
+            </a:schemeClr>
+          </a:solidFill>
+        </p:spPr>
+        <p:txBody>
+          <a:bodyPr wrap="square" rtlCol="0">
+            <a:spAutoFit/>
+          </a:bodyPr>
+          <a:lstStyle/>
+          <a:p>
+            <a:r>
+              <a:rPr lang="ko-KR" altLang="en-US" dirty="0" smtClean="0"/>
+              <a:t>파일경로를 불러들여 절대경로를</a:t>
+            </a:r>
+            <a:endParaRPr lang="en-US" altLang="ko-KR" dirty="0" smtClean="0"/>
+          </a:p>
+          <a:p>
+            <a:r>
+              <a:rPr lang="ko-KR" altLang="en-US" dirty="0" smtClean="0"/>
+              <a:t>리스트에 입력</a:t>
+            </a:r>
+            <a:endParaRPr lang="ko-KR" altLang="en-US" dirty="0"/>
+          </a:p>
+        </p:txBody>
+      </p:sp>
+      <p:sp>
+        <p:nvSpPr>
+          <p:cNvPr id="7" name="TextBox 6"/>
+          <p:cNvSpPr txBox="1"/>
+          <p:nvPr/>
+        </p:nvSpPr>
+        <p:spPr>
+          <a:xfrm>
+            <a:off x="4896544" y="2564904"/>
+            <a:ext cx="2376264" cy="923330"/>
+          </a:xfrm>
+          <a:prstGeom prst="rect">
+            <a:avLst/>
+          </a:prstGeom>
+          <a:solidFill>
+            <a:schemeClr val="bg2">
+              <a:lumMod val="75000"/>
+            </a:schemeClr>
+          </a:solidFill>
+        </p:spPr>
+        <p:txBody>
+          <a:bodyPr wrap="square" rtlCol="0">
+            <a:spAutoFit/>
+          </a:bodyPr>
+          <a:lstStyle/>
+          <a:p>
+            <a:r>
+              <a:rPr lang="ko-KR" altLang="en-US" dirty="0" smtClean="0"/>
+              <a:t>리스트의 커서 입력을 받아 디바이스에</a:t>
+            </a:r>
+            <a:endParaRPr lang="en-US" altLang="ko-KR" dirty="0" smtClean="0"/>
+          </a:p>
+          <a:p>
+            <a:r>
+              <a:rPr lang="ko-KR" altLang="en-US" dirty="0" smtClean="0"/>
+              <a:t> </a:t>
+            </a:r>
+            <a:r>
+              <a:rPr lang="en-US" altLang="ko-KR" dirty="0" err="1" smtClean="0"/>
+              <a:t>uv</a:t>
+            </a:r>
+            <a:r>
+              <a:rPr lang="ko-KR" altLang="en-US" dirty="0" smtClean="0"/>
+              <a:t>애니메이션 </a:t>
+            </a:r>
+            <a:endParaRPr lang="en-US" altLang="ko-KR" dirty="0" smtClean="0"/>
+          </a:p>
+        </p:txBody>
+      </p:sp>
+      <p:sp>
+        <p:nvSpPr>
+          <p:cNvPr id="8" name="TextBox 7"/>
+          <p:cNvSpPr txBox="1"/>
+          <p:nvPr/>
+        </p:nvSpPr>
+        <p:spPr>
+          <a:xfrm>
+            <a:off x="0" y="3573016"/>
+            <a:ext cx="3240360" cy="923330"/>
+          </a:xfrm>
+          <a:prstGeom prst="rect">
+            <a:avLst/>
+          </a:prstGeom>
+          <a:solidFill>
+            <a:schemeClr val="bg2">
+              <a:lumMod val="75000"/>
+            </a:schemeClr>
+          </a:solidFill>
+        </p:spPr>
+        <p:txBody>
+          <a:bodyPr wrap="square" rtlCol="0">
+            <a:spAutoFit/>
+          </a:bodyPr>
+          <a:lstStyle/>
+          <a:p>
+            <a:r>
+              <a:rPr lang="ko-KR" altLang="en-US" dirty="0" smtClean="0"/>
+              <a:t>리스트의 커서 입력을 받아 새 파일 경로</a:t>
+            </a:r>
+            <a:r>
+              <a:rPr lang="en-US" altLang="ko-KR" dirty="0" smtClean="0"/>
+              <a:t>, </a:t>
+            </a:r>
+            <a:r>
+              <a:rPr lang="ko-KR" altLang="en-US" dirty="0" smtClean="0"/>
+              <a:t>파일명 지정 후 저장</a:t>
+            </a:r>
+            <a:endParaRPr lang="ko-KR" altLang="en-US" dirty="0"/>
+          </a:p>
+        </p:txBody>
+      </p:sp>
+      <p:sp>
+        <p:nvSpPr>
+          <p:cNvPr id="9" name="오른쪽 화살표 8"/>
+          <p:cNvSpPr/>
+          <p:nvPr/>
+        </p:nvSpPr>
+        <p:spPr>
+          <a:xfrm rot="18544983">
+            <a:off x="3087049" y="3296684"/>
+            <a:ext cx="504056" cy="216024"/>
+          </a:xfrm>
+          <a:prstGeom prst="rightArrow">
+            <a:avLst/>
+          </a:prstGeom>
+        </p:spPr>
+        <p:style>
+          <a:lnRef idx="2">
+            <a:schemeClr val="accent1">
+              <a:shade val="50000"/>
+            </a:schemeClr>
+          </a:lnRef>
+          <a:fillRef idx="1">
+            <a:schemeClr val="accent1"/>
+          </a:fillRef>
+          <a:effectRef idx="0">
+            <a:schemeClr val="accent1"/>
+          </a:effectRef>
+          <a:fontRef idx="minor">
+            <a:schemeClr val="lt1"/>
+          </a:fontRef>
+        </p:style>
+        <p:txBody>
+          <a:bodyPr rtlCol="0" anchor="ctr"/>
+          <a:lstStyle/>
+          <a:p>
+            <a:pPr algn="ctr"/>
+            <a:endParaRPr lang="ko-KR" altLang="en-US"/>
+          </a:p>
+        </p:txBody>
+      </p:sp>
+      <p:sp>
+        <p:nvSpPr>
+          <p:cNvPr id="10" name="오른쪽 화살표 9"/>
+          <p:cNvSpPr/>
+          <p:nvPr/>
+        </p:nvSpPr>
+        <p:spPr>
+          <a:xfrm rot="10800000">
+            <a:off x="4407728" y="2947804"/>
+            <a:ext cx="504056" cy="216024"/>
+          </a:xfrm>
+          <a:prstGeom prst="rightArrow">
+            <a:avLst/>
+          </a:prstGeom>
+        </p:spPr>
+        <p:style>
+          <a:lnRef idx="2">
+            <a:schemeClr val="accent1">
+              <a:shade val="50000"/>
+            </a:schemeClr>
+          </a:lnRef>
+          <a:fillRef idx="1">
+            <a:schemeClr val="accent1"/>
+          </a:fillRef>
+          <a:effectRef idx="0">
+            <a:schemeClr val="accent1"/>
+          </a:effectRef>
+          <a:fontRef idx="minor">
+            <a:schemeClr val="lt1"/>
+          </a:fontRef>
+        </p:style>
+        <p:txBody>
+          <a:bodyPr rtlCol="0" anchor="ctr"/>
+          <a:lstStyle/>
+          <a:p>
+            <a:pPr algn="ctr"/>
+            <a:endParaRPr lang="ko-KR" altLang="en-US"/>
+          </a:p>
+        </p:txBody>
+      </p:sp>
+      <p:sp>
+        <p:nvSpPr>
+          <p:cNvPr id="11" name="오른쪽 화살표 10"/>
+          <p:cNvSpPr/>
+          <p:nvPr/>
+        </p:nvSpPr>
+        <p:spPr>
+          <a:xfrm>
+            <a:off x="2088232" y="2924944"/>
+            <a:ext cx="504056" cy="216024"/>
+          </a:xfrm>
+          <a:prstGeom prst="rightArrow">
+            <a:avLst/>
+          </a:prstGeom>
+        </p:spPr>
+        <p:style>
+          <a:lnRef idx="2">
+            <a:schemeClr val="accent1">
+              <a:shade val="50000"/>
+            </a:schemeClr>
+          </a:lnRef>
+          <a:fillRef idx="1">
+            <a:schemeClr val="accent1"/>
+          </a:fillRef>
+          <a:effectRef idx="0">
+            <a:schemeClr val="accent1"/>
+          </a:effectRef>
+          <a:fontRef idx="minor">
+            <a:schemeClr val="lt1"/>
+          </a:fontRef>
+        </p:style>
+        <p:txBody>
+          <a:bodyPr rtlCol="0" anchor="ctr"/>
+          <a:lstStyle/>
+          <a:p>
+            <a:pPr algn="ctr"/>
+            <a:endParaRPr lang="ko-KR" altLang="en-US"/>
+          </a:p>
+        </p:txBody>
+      </p:sp>
+      <p:sp>
+        <p:nvSpPr>
+          <p:cNvPr id="12" name="제목 1"/>
+          <p:cNvSpPr>
+            <a:spLocks noGrp="1"/>
+          </p:cNvSpPr>
+          <p:nvPr>
+            <p:ph type="title"/>
+          </p:nvPr>
+        </p:nvSpPr>
+        <p:spPr>
+          <a:xfrm>
+            <a:off x="457200" y="274638"/>
+            <a:ext cx="8229600" cy="1143000"/>
+          </a:xfrm>
+        </p:spPr>
+        <p:txBody>
+          <a:bodyPr/>
+          <a:lstStyle/>
+          <a:p>
+            <a:r>
+              <a:rPr lang="en-US" altLang="ko-KR" dirty="0" smtClean="0"/>
+              <a:t>4. </a:t>
+            </a:r>
+            <a:r>
+              <a:rPr lang="ko-KR" altLang="en-US" dirty="0" smtClean="0"/>
+              <a:t>툴 소개</a:t>
+            </a:r>
+            <a:endParaRPr lang="ko-KR" altLang="en-US" dirty="0"/>
+          </a:p>
+        </p:txBody>
+      </p:sp>
+    </p:spTree>
+  </p:cSld>
+  <p:clrMapOvr>
+    <a:masterClrMapping/>
+  </p:clrMapOvr>
+  <p:timing>
+    <p:tnLst>
+      <p:par>
+        <p:cTn id="1" dur="indefinite" restart="never" nodeType="tmRoot"/>
+      </p:par>
+    </p:tnLst>
+  </p:timing>
+</p:sld>
+</file>
+
+<file path=ppt/slides/slide16.xml><?xml version="1.0" encoding="utf-8"?>
+<p:sld xmlns:a="http://schemas.openxmlformats.org/drawingml/2006/main" xmlns:r="http://schemas.openxmlformats.org/officeDocument/2006/relationships" xmlns:p="http://schemas.openxmlformats.org/presentationml/2006/main">
+  <p:cSld>
+    <p:spTree>
+      <p:nvGrpSpPr>
+        <p:cNvPr id="1" name=""/>
+        <p:cNvGrpSpPr/>
+        <p:nvPr/>
+      </p:nvGrpSpPr>
+      <p:grpSpPr>
+        <a:xfrm>
+          <a:off x="0" y="0"/>
+          <a:ext cx="0" cy="0"/>
+          <a:chOff x="0" y="0"/>
+          <a:chExt cx="0" cy="0"/>
+        </a:xfrm>
+      </p:grpSpPr>
+      <p:sp>
+        <p:nvSpPr>
+          <p:cNvPr id="12" name="내용 개체 틀 2"/>
+          <p:cNvSpPr>
+            <a:spLocks noGrp="1"/>
+          </p:cNvSpPr>
+          <p:nvPr>
+            <p:ph idx="1"/>
+          </p:nvPr>
+        </p:nvSpPr>
+        <p:spPr>
+          <a:xfrm>
+            <a:off x="636712" y="1384176"/>
+            <a:ext cx="8229600" cy="4525963"/>
+          </a:xfrm>
+        </p:spPr>
+        <p:txBody>
+          <a:bodyPr/>
+          <a:lstStyle/>
+          <a:p>
+            <a:pPr>
+              <a:buNone/>
+            </a:pPr>
+            <a:r>
+              <a:rPr lang="en-US" altLang="ko-KR" dirty="0" smtClean="0"/>
+              <a:t>III. </a:t>
+            </a:r>
+            <a:r>
+              <a:rPr lang="en-US" altLang="ko-KR" dirty="0" smtClean="0"/>
+              <a:t>Effect </a:t>
+            </a:r>
+            <a:r>
+              <a:rPr lang="en-US" altLang="ko-KR" dirty="0" smtClean="0"/>
+              <a:t>Tool (Cont.)</a:t>
+            </a:r>
+            <a:endParaRPr lang="en-US" altLang="ko-KR" dirty="0" smtClean="0"/>
+          </a:p>
+          <a:p>
+            <a:pPr>
+              <a:buNone/>
+            </a:pPr>
+            <a:endParaRPr lang="ko-KR" altLang="en-US" dirty="0"/>
+          </a:p>
+        </p:txBody>
+      </p:sp>
+      <p:pic>
+        <p:nvPicPr>
+          <p:cNvPr id="13" name="그림 12" descr="abc.png"/>
+          <p:cNvPicPr>
+            <a:picLocks noChangeAspect="1"/>
+          </p:cNvPicPr>
+          <p:nvPr/>
+        </p:nvPicPr>
+        <p:blipFill>
+          <a:blip r:embed="rId2" cstate="print"/>
+          <a:stretch>
+            <a:fillRect/>
+          </a:stretch>
+        </p:blipFill>
+        <p:spPr>
+          <a:xfrm>
+            <a:off x="2602487" y="1916832"/>
+            <a:ext cx="6541513" cy="4225490"/>
+          </a:xfrm>
+          <a:prstGeom prst="rect">
+            <a:avLst/>
+          </a:prstGeom>
+        </p:spPr>
+      </p:pic>
+      <p:sp>
+        <p:nvSpPr>
+          <p:cNvPr id="14" name="TextBox 13"/>
+          <p:cNvSpPr txBox="1"/>
+          <p:nvPr/>
+        </p:nvSpPr>
+        <p:spPr>
+          <a:xfrm>
+            <a:off x="359024" y="2348880"/>
+            <a:ext cx="1872208" cy="923330"/>
+          </a:xfrm>
+          <a:prstGeom prst="rect">
+            <a:avLst/>
+          </a:prstGeom>
+          <a:solidFill>
+            <a:schemeClr val="bg2">
+              <a:lumMod val="75000"/>
+            </a:schemeClr>
+          </a:solidFill>
+        </p:spPr>
+        <p:txBody>
+          <a:bodyPr wrap="square" rtlCol="0">
+            <a:spAutoFit/>
+          </a:bodyPr>
+          <a:lstStyle/>
+          <a:p>
+            <a:r>
+              <a:rPr lang="ko-KR" altLang="en-US" dirty="0" smtClean="0"/>
+              <a:t>파일경로를 불러들여 절대경로를</a:t>
+            </a:r>
+            <a:endParaRPr lang="en-US" altLang="ko-KR" dirty="0" smtClean="0"/>
+          </a:p>
+          <a:p>
+            <a:r>
+              <a:rPr lang="ko-KR" altLang="en-US" dirty="0" smtClean="0"/>
+              <a:t>리스트에 입력</a:t>
+            </a:r>
+            <a:endParaRPr lang="ko-KR" altLang="en-US" dirty="0"/>
+          </a:p>
+        </p:txBody>
+      </p:sp>
+      <p:sp>
+        <p:nvSpPr>
+          <p:cNvPr id="15" name="TextBox 14"/>
+          <p:cNvSpPr txBox="1"/>
+          <p:nvPr/>
+        </p:nvSpPr>
+        <p:spPr>
+          <a:xfrm>
+            <a:off x="5039544" y="2492896"/>
+            <a:ext cx="2376264" cy="923330"/>
+          </a:xfrm>
+          <a:prstGeom prst="rect">
+            <a:avLst/>
+          </a:prstGeom>
+          <a:solidFill>
+            <a:schemeClr val="bg2">
+              <a:lumMod val="75000"/>
+            </a:schemeClr>
+          </a:solidFill>
+        </p:spPr>
+        <p:txBody>
+          <a:bodyPr wrap="square" rtlCol="0">
+            <a:spAutoFit/>
+          </a:bodyPr>
+          <a:lstStyle/>
+          <a:p>
+            <a:r>
+              <a:rPr lang="ko-KR" altLang="en-US" dirty="0" smtClean="0"/>
+              <a:t>리스트의 커서 입력을 받아 디바이스에</a:t>
+            </a:r>
+            <a:endParaRPr lang="en-US" altLang="ko-KR" dirty="0" smtClean="0"/>
+          </a:p>
+          <a:p>
+            <a:r>
+              <a:rPr lang="ko-KR" altLang="en-US" dirty="0" smtClean="0"/>
+              <a:t> </a:t>
+            </a:r>
+            <a:r>
+              <a:rPr lang="en-US" altLang="ko-KR" dirty="0" err="1" smtClean="0"/>
+              <a:t>uv</a:t>
+            </a:r>
+            <a:r>
+              <a:rPr lang="ko-KR" altLang="en-US" dirty="0" smtClean="0"/>
+              <a:t>애니메이션 </a:t>
+            </a:r>
+            <a:endParaRPr lang="en-US" altLang="ko-KR" dirty="0" smtClean="0"/>
+          </a:p>
+        </p:txBody>
+      </p:sp>
+      <p:sp>
+        <p:nvSpPr>
+          <p:cNvPr id="16" name="TextBox 15"/>
+          <p:cNvSpPr txBox="1"/>
+          <p:nvPr/>
+        </p:nvSpPr>
+        <p:spPr>
+          <a:xfrm>
+            <a:off x="143000" y="3501008"/>
+            <a:ext cx="3240360" cy="923330"/>
+          </a:xfrm>
+          <a:prstGeom prst="rect">
+            <a:avLst/>
+          </a:prstGeom>
+          <a:solidFill>
+            <a:schemeClr val="bg2">
+              <a:lumMod val="75000"/>
+            </a:schemeClr>
+          </a:solidFill>
+        </p:spPr>
+        <p:txBody>
+          <a:bodyPr wrap="square" rtlCol="0">
+            <a:spAutoFit/>
+          </a:bodyPr>
+          <a:lstStyle/>
+          <a:p>
+            <a:r>
+              <a:rPr lang="ko-KR" altLang="en-US" dirty="0" smtClean="0"/>
+              <a:t>리스트의 커서 입력을 받아 새 파일 경로</a:t>
+            </a:r>
+            <a:r>
+              <a:rPr lang="en-US" altLang="ko-KR" dirty="0" smtClean="0"/>
+              <a:t>, </a:t>
+            </a:r>
+            <a:r>
+              <a:rPr lang="ko-KR" altLang="en-US" dirty="0" smtClean="0"/>
+              <a:t>파일명 지정 후 저장</a:t>
+            </a:r>
+            <a:endParaRPr lang="ko-KR" altLang="en-US" dirty="0"/>
+          </a:p>
+        </p:txBody>
+      </p:sp>
+      <p:sp>
+        <p:nvSpPr>
+          <p:cNvPr id="17" name="오른쪽 화살표 16"/>
+          <p:cNvSpPr/>
+          <p:nvPr/>
+        </p:nvSpPr>
+        <p:spPr>
+          <a:xfrm rot="18544983">
+            <a:off x="3230049" y="3224676"/>
+            <a:ext cx="504056" cy="216024"/>
+          </a:xfrm>
+          <a:prstGeom prst="rightArrow">
+            <a:avLst/>
+          </a:prstGeom>
+        </p:spPr>
+        <p:style>
+          <a:lnRef idx="2">
+            <a:schemeClr val="accent1">
+              <a:shade val="50000"/>
+            </a:schemeClr>
+          </a:lnRef>
+          <a:fillRef idx="1">
+            <a:schemeClr val="accent1"/>
+          </a:fillRef>
+          <a:effectRef idx="0">
+            <a:schemeClr val="accent1"/>
+          </a:effectRef>
+          <a:fontRef idx="minor">
+            <a:schemeClr val="lt1"/>
+          </a:fontRef>
+        </p:style>
+        <p:txBody>
+          <a:bodyPr rtlCol="0" anchor="ctr"/>
+          <a:lstStyle/>
+          <a:p>
+            <a:pPr algn="ctr"/>
+            <a:endParaRPr lang="ko-KR" altLang="en-US"/>
+          </a:p>
+        </p:txBody>
+      </p:sp>
+      <p:sp>
+        <p:nvSpPr>
+          <p:cNvPr id="18" name="오른쪽 화살표 17"/>
+          <p:cNvSpPr/>
+          <p:nvPr/>
+        </p:nvSpPr>
+        <p:spPr>
+          <a:xfrm rot="10800000">
+            <a:off x="4550728" y="2875796"/>
+            <a:ext cx="504056" cy="216024"/>
+          </a:xfrm>
+          <a:prstGeom prst="rightArrow">
+            <a:avLst/>
+          </a:prstGeom>
+        </p:spPr>
+        <p:style>
+          <a:lnRef idx="2">
+            <a:schemeClr val="accent1">
+              <a:shade val="50000"/>
+            </a:schemeClr>
+          </a:lnRef>
+          <a:fillRef idx="1">
+            <a:schemeClr val="accent1"/>
+          </a:fillRef>
+          <a:effectRef idx="0">
+            <a:schemeClr val="accent1"/>
+          </a:effectRef>
+          <a:fontRef idx="minor">
+            <a:schemeClr val="lt1"/>
+          </a:fontRef>
+        </p:style>
+        <p:txBody>
+          <a:bodyPr rtlCol="0" anchor="ctr"/>
+          <a:lstStyle/>
+          <a:p>
+            <a:pPr algn="ctr"/>
+            <a:endParaRPr lang="ko-KR" altLang="en-US"/>
+          </a:p>
+        </p:txBody>
+      </p:sp>
+      <p:sp>
+        <p:nvSpPr>
+          <p:cNvPr id="19" name="오른쪽 화살표 18"/>
+          <p:cNvSpPr/>
+          <p:nvPr/>
+        </p:nvSpPr>
+        <p:spPr>
+          <a:xfrm>
+            <a:off x="2231232" y="2852936"/>
+            <a:ext cx="504056" cy="216024"/>
+          </a:xfrm>
+          <a:prstGeom prst="rightArrow">
+            <a:avLst/>
+          </a:prstGeom>
+        </p:spPr>
+        <p:style>
+          <a:lnRef idx="2">
+            <a:schemeClr val="accent1">
+              <a:shade val="50000"/>
+            </a:schemeClr>
+          </a:lnRef>
+          <a:fillRef idx="1">
+            <a:schemeClr val="accent1"/>
+          </a:fillRef>
+          <a:effectRef idx="0">
+            <a:schemeClr val="accent1"/>
+          </a:effectRef>
+          <a:fontRef idx="minor">
+            <a:schemeClr val="lt1"/>
+          </a:fontRef>
+        </p:style>
+        <p:txBody>
+          <a:bodyPr rtlCol="0" anchor="ctr"/>
+          <a:lstStyle/>
+          <a:p>
+            <a:pPr algn="ctr"/>
+            <a:endParaRPr lang="ko-KR" altLang="en-US"/>
+          </a:p>
+        </p:txBody>
+      </p:sp>
+      <p:sp>
+        <p:nvSpPr>
+          <p:cNvPr id="20" name="제목 1"/>
+          <p:cNvSpPr>
+            <a:spLocks noGrp="1"/>
+          </p:cNvSpPr>
+          <p:nvPr>
+            <p:ph type="title"/>
+          </p:nvPr>
+        </p:nvSpPr>
+        <p:spPr>
+          <a:xfrm>
+            <a:off x="457200" y="274638"/>
+            <a:ext cx="8229600" cy="1143000"/>
+          </a:xfrm>
+        </p:spPr>
+        <p:txBody>
+          <a:bodyPr/>
+          <a:lstStyle/>
+          <a:p>
+            <a:r>
+              <a:rPr lang="en-US" altLang="ko-KR" dirty="0" smtClean="0"/>
+              <a:t>4. </a:t>
+            </a:r>
+            <a:r>
+              <a:rPr lang="ko-KR" altLang="en-US" dirty="0" smtClean="0"/>
+              <a:t>툴 소개</a:t>
+            </a:r>
+            <a:endParaRPr lang="ko-KR" altLang="en-US" dirty="0"/>
+          </a:p>
+        </p:txBody>
+      </p:sp>
+    </p:spTree>
+  </p:cSld>
+  <p:clrMapOvr>
+    <a:masterClrMapping/>
+  </p:clrMapOvr>
+  <p:timing>
+    <p:tnLst>
+      <p:par>
+        <p:cTn id="1" dur="indefinite" restart="never" nodeType="tmRoot"/>
+      </p:par>
+    </p:tnLst>
+  </p:timing>
+</p:sld>
+</file>
+
 <file path=ppt/slides/slide2.xml><?xml version="1.0" encoding="utf-8"?>
 <p:sld xmlns:a="http://schemas.openxmlformats.org/drawingml/2006/main" xmlns:r="http://schemas.openxmlformats.org/officeDocument/2006/relationships" xmlns:p="http://schemas.openxmlformats.org/presentationml/2006/main">
   <p:cSld>
@@ -4233,7 +5669,6 @@
               <a:rPr lang="en-US" altLang="ko-KR" sz="2000" b="1" i="1" u="sng" dirty="0" smtClean="0"/>
               <a:t>: </a:t>
             </a:r>
-            <a:endParaRPr lang="en-US" altLang="ko-KR" sz="2000" b="1" i="1" u="sng" dirty="0" smtClean="0"/>
           </a:p>
           <a:p>
             <a:pPr>
@@ -4249,11 +5684,7 @@
             </a:r>
             <a:r>
               <a:rPr lang="ko-KR" altLang="en-US" sz="2000" dirty="0" smtClean="0"/>
-              <a:t> </a:t>
-            </a:r>
-            <a:r>
-              <a:rPr lang="ko-KR" altLang="en-US" sz="2000" dirty="0" smtClean="0"/>
-              <a:t>탐 </a:t>
+              <a:t> 탐 </a:t>
             </a:r>
             <a:r>
               <a:rPr lang="ko-KR" altLang="en-US" sz="2000" dirty="0" err="1" smtClean="0"/>
@@ -4282,11 +5713,7 @@
             </a:r>
             <a:r>
               <a:rPr lang="en-US" altLang="ko-KR" sz="2000" dirty="0" smtClean="0"/>
-              <a:t>:</a:t>
-            </a:r>
-            <a:r>
-              <a:rPr lang="en-US" altLang="ko-KR" sz="2000" dirty="0" smtClean="0"/>
-              <a:t> </a:t>
+              <a:t>: </a:t>
             </a:r>
             <a:r>
               <a:rPr lang="ko-KR" altLang="en-US" sz="2000" dirty="0" smtClean="0"/>
@@ -4457,6 +5884,13 @@
   <p:clrMapOvr>
     <a:masterClrMapping/>
   </p:clrMapOvr>
+  <p:timing>
+    <p:tnLst>
+      <p:par>
+        <p:cTn id="1" dur="indefinite" restart="never" nodeType="tmRoot"/>
+      </p:par>
+    </p:tnLst>
+  </p:timing>
 </p:sld>
 </file>
 
@@ -4726,6 +6160,13 @@
   <p:clrMapOvr>
     <a:masterClrMapping/>
   </p:clrMapOvr>
+  <p:timing>
+    <p:tnLst>
+      <p:par>
+        <p:cTn id="1" dur="indefinite" restart="never" nodeType="tmRoot"/>
+      </p:par>
+    </p:tnLst>
+  </p:timing>
 </p:sld>
 </file>
 
@@ -5196,6 +6637,13 @@
   <p:clrMapOvr>
     <a:masterClrMapping/>
   </p:clrMapOvr>
+  <p:timing>
+    <p:tnLst>
+      <p:par>
+        <p:cTn id="1" dur="indefinite" restart="never" nodeType="tmRoot"/>
+      </p:par>
+    </p:tnLst>
+  </p:timing>
 </p:sld>
 </file>
 
@@ -6082,6 +7530,13 @@
   <p:clrMapOvr>
     <a:masterClrMapping/>
   </p:clrMapOvr>
+  <p:timing>
+    <p:tnLst>
+      <p:par>
+        <p:cTn id="1" dur="indefinite" restart="never" nodeType="tmRoot"/>
+      </p:par>
+    </p:tnLst>
+  </p:timing>
 </p:sld>
 </file>
 
@@ -6185,11 +7640,7 @@
             </a:r>
             <a:r>
               <a:rPr lang="ko-KR" altLang="en-US" dirty="0" smtClean="0"/>
-              <a:t>키를 누르면 주인공 </a:t>
-            </a:r>
-            <a:r>
-              <a:rPr lang="ko-KR" altLang="en-US" dirty="0" smtClean="0"/>
-              <a:t>변경</a:t>
+              <a:t>키를 누르면 주인공 변경</a:t>
             </a:r>
             <a:r>
               <a:rPr lang="en-US" altLang="ko-KR" dirty="0" smtClean="0"/>
@@ -6213,17 +7664,12 @@
             </a:r>
             <a:r>
               <a:rPr lang="ko-KR" altLang="en-US" dirty="0" smtClean="0"/>
-              <a:t>을 </a:t>
-            </a:r>
-            <a:r>
-              <a:rPr lang="ko-KR" altLang="en-US" dirty="0" smtClean="0"/>
-              <a:t>할 수 있다</a:t>
+              <a:t>을 할 수 있다</a:t>
             </a:r>
             <a:r>
               <a:rPr lang="en-US" altLang="ko-KR" dirty="0" smtClean="0"/>
               <a:t>. </a:t>
             </a:r>
-            <a:endParaRPr lang="en-US" altLang="ko-KR" dirty="0" smtClean="0"/>
           </a:p>
           <a:p>
             <a:pPr marL="514350" indent="-514350">
@@ -6235,11 +7681,7 @@
             </a:pPr>
             <a:r>
               <a:rPr lang="ko-KR" altLang="en-US" dirty="0" smtClean="0"/>
-              <a:t>여자 </a:t>
-            </a:r>
-            <a:r>
-              <a:rPr lang="ko-KR" altLang="en-US" dirty="0" smtClean="0"/>
-              <a:t>주인공은 문을 열 수 있음</a:t>
+              <a:t>여자 주인공은 문을 열 수 있음</a:t>
             </a:r>
             <a:r>
               <a:rPr lang="en-US" altLang="ko-KR" dirty="0" smtClean="0"/>
@@ -6255,15 +7697,7 @@
             </a:r>
             <a:r>
               <a:rPr lang="ko-KR" altLang="en-US" dirty="0" smtClean="0"/>
-              <a:t>남자 주인공은 </a:t>
-            </a:r>
-            <a:r>
-              <a:rPr lang="ko-KR" altLang="en-US" dirty="0" smtClean="0"/>
-              <a:t>총만 </a:t>
-            </a:r>
-            <a:r>
-              <a:rPr lang="ko-KR" altLang="en-US" dirty="0" smtClean="0"/>
-              <a:t>쏠 수 있음</a:t>
+              <a:t>남자 주인공은 총만 쏠 수 있음</a:t>
             </a:r>
             <a:r>
               <a:rPr lang="en-US" altLang="ko-KR" dirty="0" smtClean="0"/>
@@ -6277,7 +7711,6 @@
               <a:rPr lang="en-US" altLang="ko-KR" dirty="0" smtClean="0"/>
               <a:t>)</a:t>
             </a:r>
-            <a:endParaRPr lang="en-US" altLang="ko-KR" dirty="0" smtClean="0"/>
           </a:p>
           <a:p>
             <a:pPr marL="514350" indent="-514350">
@@ -6303,7 +7736,6 @@
               <a:rPr lang="en-US" altLang="ko-KR" dirty="0" smtClean="0"/>
               <a:t>.</a:t>
             </a:r>
-            <a:endParaRPr lang="en-US" altLang="ko-KR" dirty="0" smtClean="0"/>
           </a:p>
           <a:p>
             <a:pPr marL="514350" indent="-514350">
@@ -6466,6 +7898,13 @@
   <p:clrMapOvr>
     <a:masterClrMapping/>
   </p:clrMapOvr>
+  <p:timing>
+    <p:tnLst>
+      <p:par>
+        <p:cTn id="1" dur="indefinite" restart="never" nodeType="tmRoot"/>
+      </p:par>
+    </p:tnLst>
+  </p:timing>
 </p:sld>
 </file>
 
@@ -6488,6 +7927,46 @@
       </p:grpSpPr>
       <p:sp>
         <p:nvSpPr>
+          <p:cNvPr id="8" name="모서리가 둥근 직사각형 7"/>
+          <p:cNvSpPr/>
+          <p:nvPr/>
+        </p:nvSpPr>
+        <p:spPr>
+          <a:xfrm>
+            <a:off x="395536" y="3789040"/>
+            <a:ext cx="4032448" cy="2664296"/>
+          </a:xfrm>
+          <a:prstGeom prst="roundRect">
+            <a:avLst/>
+          </a:prstGeom>
+        </p:spPr>
+        <p:style>
+          <a:lnRef idx="2">
+            <a:schemeClr val="accent1">
+              <a:shade val="50000"/>
+            </a:schemeClr>
+          </a:lnRef>
+          <a:fillRef idx="1">
+            <a:schemeClr val="accent1"/>
+          </a:fillRef>
+          <a:effectRef idx="0">
+            <a:schemeClr val="accent1"/>
+          </a:effectRef>
+          <a:fontRef idx="minor">
+            <a:schemeClr val="lt1"/>
+          </a:fontRef>
+        </p:style>
+        <p:txBody>
+          <a:bodyPr rtlCol="0" anchor="ctr"/>
+          <a:lstStyle/>
+          <a:p>
+            <a:pPr algn="ctr"/>
+            <a:endParaRPr lang="ko-KR" altLang="en-US"/>
+          </a:p>
+        </p:txBody>
+      </p:sp>
+      <p:sp>
+        <p:nvSpPr>
           <p:cNvPr id="2" name="제목 1"/>
           <p:cNvSpPr>
             <a:spLocks noGrp="1"/>
@@ -6525,30 +8004,154 @@
           </a:p>
         </p:txBody>
       </p:sp>
-      <p:sp>
-        <p:nvSpPr>
-          <p:cNvPr id="3" name="내용 개체 틀 2"/>
-          <p:cNvSpPr>
-            <a:spLocks noGrp="1"/>
-          </p:cNvSpPr>
-          <p:nvPr>
-            <p:ph idx="1"/>
-          </p:nvPr>
-        </p:nvSpPr>
-        <p:spPr/>
-        <p:txBody>
-          <a:bodyPr/>
-          <a:lstStyle/>
-          <a:p>
+      <p:pic>
+        <p:nvPicPr>
+          <p:cNvPr id="1027" name="Picture 3"/>
+          <p:cNvPicPr>
+            <a:picLocks noChangeAspect="1" noChangeArrowheads="1"/>
+          </p:cNvPicPr>
+          <p:nvPr/>
+        </p:nvPicPr>
+        <p:blipFill>
+          <a:blip r:embed="rId2" cstate="print"/>
+          <a:srcRect/>
+          <a:stretch>
+            <a:fillRect/>
+          </a:stretch>
+        </p:blipFill>
+        <p:spPr bwMode="auto">
+          <a:xfrm>
+            <a:off x="1187624" y="1340768"/>
+            <a:ext cx="4476750" cy="2085975"/>
+          </a:xfrm>
+          <a:prstGeom prst="rect">
+            <a:avLst/>
+          </a:prstGeom>
+          <a:noFill/>
+          <a:ln w="9525">
+            <a:noFill/>
+            <a:miter lim="800000"/>
+            <a:headEnd/>
+            <a:tailEnd/>
+          </a:ln>
+        </p:spPr>
+      </p:pic>
+      <p:pic>
+        <p:nvPicPr>
+          <p:cNvPr id="1028" name="Picture 4"/>
+          <p:cNvPicPr>
+            <a:picLocks noChangeAspect="1" noChangeArrowheads="1"/>
+          </p:cNvPicPr>
+          <p:nvPr/>
+        </p:nvPicPr>
+        <p:blipFill>
+          <a:blip r:embed="rId3" cstate="print"/>
+          <a:srcRect/>
+          <a:stretch>
+            <a:fillRect/>
+          </a:stretch>
+        </p:blipFill>
+        <p:spPr bwMode="auto">
+          <a:xfrm>
+            <a:off x="683568" y="3933056"/>
+            <a:ext cx="3429000" cy="2371725"/>
+          </a:xfrm>
+          <a:prstGeom prst="rect">
+            <a:avLst/>
+          </a:prstGeom>
+          <a:noFill/>
+          <a:ln w="9525">
+            <a:noFill/>
+            <a:miter lim="800000"/>
+            <a:headEnd/>
+            <a:tailEnd/>
+          </a:ln>
+        </p:spPr>
+      </p:pic>
+      <p:sp>
+        <p:nvSpPr>
+          <p:cNvPr id="9" name="오른쪽 화살표 8"/>
+          <p:cNvSpPr/>
+          <p:nvPr/>
+        </p:nvSpPr>
+        <p:spPr>
+          <a:xfrm>
+            <a:off x="4716016" y="4653136"/>
+            <a:ext cx="1224136" cy="936104"/>
+          </a:xfrm>
+          <a:prstGeom prst="rightArrow">
+            <a:avLst/>
+          </a:prstGeom>
+        </p:spPr>
+        <p:style>
+          <a:lnRef idx="2">
+            <a:schemeClr val="accent1">
+              <a:shade val="50000"/>
+            </a:schemeClr>
+          </a:lnRef>
+          <a:fillRef idx="1">
+            <a:schemeClr val="accent1"/>
+          </a:fillRef>
+          <a:effectRef idx="0">
+            <a:schemeClr val="accent1"/>
+          </a:effectRef>
+          <a:fontRef idx="minor">
+            <a:schemeClr val="lt1"/>
+          </a:fontRef>
+        </p:style>
+        <p:txBody>
+          <a:bodyPr rtlCol="0" anchor="ctr"/>
+          <a:lstStyle/>
+          <a:p>
+            <a:pPr algn="ctr"/>
             <a:endParaRPr lang="ko-KR" altLang="en-US"/>
           </a:p>
         </p:txBody>
       </p:sp>
+      <p:pic>
+        <p:nvPicPr>
+          <p:cNvPr id="1029" name="Picture 5"/>
+          <p:cNvPicPr>
+            <a:picLocks noChangeAspect="1" noChangeArrowheads="1"/>
+          </p:cNvPicPr>
+          <p:nvPr/>
+        </p:nvPicPr>
+        <p:blipFill>
+          <a:blip r:embed="rId4" cstate="print"/>
+          <a:srcRect/>
+          <a:stretch>
+            <a:fillRect/>
+          </a:stretch>
+        </p:blipFill>
+        <p:spPr bwMode="auto">
+          <a:xfrm>
+            <a:off x="6156176" y="4509120"/>
+            <a:ext cx="2500139" cy="1400334"/>
+          </a:xfrm>
+          <a:prstGeom prst="rect">
+            <a:avLst/>
+          </a:prstGeom>
+          <a:noFill/>
+          <a:ln w="9525">
+            <a:noFill/>
+            <a:miter lim="800000"/>
+            <a:headEnd/>
+            <a:tailEnd/>
+          </a:ln>
+        </p:spPr>
+      </p:pic>
     </p:spTree>
   </p:cSld>
   <p:clrMapOvr>
     <a:masterClrMapping/>
   </p:clrMapOvr>
+  <p:timing>
+    <p:tnLst>
+      <p:par>
+        <p:cTn id="1" dur="indefinite" restart="never" nodeType="tmRoot"/>
+      </p:par>
+    </p:tnLst>
+  </p:timing>
 </p:sld>
 </file>
 
@@ -6586,44 +8189,73 @@
           <a:p>
             <a:r>
               <a:rPr lang="en-US" altLang="ko-KR" dirty="0" smtClean="0"/>
-              <a:t>4. </a:t>
+              <a:t>3. </a:t>
             </a:r>
             <a:r>
               <a:rPr lang="ko-KR" altLang="en-US" dirty="0" smtClean="0"/>
-              <a:t>툴 소개</a:t>
+              <a:t>엔진 소개 </a:t>
+            </a:r>
+            <a:r>
+              <a:rPr lang="en-US" altLang="ko-KR" dirty="0" smtClean="0"/>
+              <a:t>(&amp; </a:t>
+            </a:r>
+            <a:r>
+              <a:rPr lang="ko-KR" altLang="en-US" dirty="0" smtClean="0"/>
+              <a:t>게임 시연</a:t>
+            </a:r>
+            <a:r>
+              <a:rPr lang="en-US" altLang="ko-KR" dirty="0" smtClean="0"/>
+              <a:t>)</a:t>
             </a:r>
             <a:endParaRPr lang="ko-KR" altLang="en-US" dirty="0"/>
           </a:p>
         </p:txBody>
       </p:sp>
-      <p:sp>
-        <p:nvSpPr>
-          <p:cNvPr id="3" name="내용 개체 틀 2"/>
-          <p:cNvSpPr>
-            <a:spLocks noGrp="1"/>
-          </p:cNvSpPr>
-          <p:nvPr>
-            <p:ph idx="1"/>
-          </p:nvPr>
-        </p:nvSpPr>
-        <p:spPr/>
-        <p:txBody>
-          <a:bodyPr/>
-          <a:lstStyle/>
-          <a:p>
-            <a:r>
-              <a:rPr lang="en-US" altLang="ko-KR" dirty="0" smtClean="0"/>
-              <a:t>1. Character Tool</a:t>
-            </a:r>
-            <a:endParaRPr lang="ko-KR" altLang="en-US" dirty="0"/>
-          </a:p>
-        </p:txBody>
-      </p:sp>
+      <p:pic>
+        <p:nvPicPr>
+          <p:cNvPr id="1026" name="Picture 2"/>
+          <p:cNvPicPr>
+            <a:picLocks noChangeAspect="1" noChangeArrowheads="1"/>
+          </p:cNvPicPr>
+          <p:nvPr/>
+        </p:nvPicPr>
+        <p:blipFill>
+          <a:blip r:embed="rId2" cstate="print"/>
+          <a:srcRect/>
+          <a:stretch>
+            <a:fillRect/>
+          </a:stretch>
+        </p:blipFill>
+        <p:spPr bwMode="auto">
+          <a:xfrm>
+            <a:off x="3009900" y="2144713"/>
+            <a:ext cx="3124200" cy="2571750"/>
+          </a:xfrm>
+          <a:prstGeom prst="rect">
+            <a:avLst/>
+          </a:prstGeom>
+          <a:noFill/>
+          <a:ln w="9525">
+            <a:noFill/>
+            <a:miter lim="800000"/>
+            <a:headEnd/>
+            <a:tailEnd/>
+          </a:ln>
+          <a:effectLst/>
+        </p:spPr>
+      </p:pic>
     </p:spTree>
   </p:cSld>
   <p:clrMapOvr>
     <a:masterClrMapping/>
   </p:clrMapOvr>
+  <p:timing>
+    <p:tnLst>
+      <p:par>
+        <p:cTn id="1" dur="indefinite" restart="never" nodeType="tmRoot"/>
+      </p:par>
+    </p:tnLst>
+  </p:timing>
 </p:sld>
 </file>
 
